--- a/Basic_python/6 Functions.pptx
+++ b/Basic_python/6 Functions.pptx
@@ -157,7 +157,7 @@
 <file path=ppt/revisionInfo.xml><?xml version="1.0" encoding="utf-8"?>
 <p1510:revInfo xmlns:a="http://schemas.openxmlformats.org/drawingml/2006/main" xmlns:r="http://schemas.openxmlformats.org/officeDocument/2006/relationships" xmlns:p1510="http://schemas.microsoft.com/office/powerpoint/2015/10/main">
   <p1510:revLst>
-    <p1510:client id="{805DA7DF-B8D8-4A20-9B93-0EF8E68A5961}" v="1" dt="2022-05-25T13:08:15.536"/>
+    <p1510:client id="{F101F929-B726-4699-B9EB-E6AB581F0FE5}" v="7" dt="2022-10-04T13:09:19.189"/>
   </p1510:revLst>
 </p1510:revInfo>
 </file>
@@ -165,36 +165,72 @@
 <file path=ppt/changesInfos/changesInfo1.xml><?xml version="1.0" encoding="utf-8"?>
 <pc:chgInfo xmlns:a="http://schemas.openxmlformats.org/drawingml/2006/main" xmlns:r="http://schemas.openxmlformats.org/officeDocument/2006/relationships" xmlns:ac="http://schemas.microsoft.com/office/drawing/2013/main/command" xmlns:pc="http://schemas.microsoft.com/office/powerpoint/2013/main/command">
   <pc:docChgLst>
-    <pc:chgData name="Jochen Mariën" userId="a4f8d9ed-3895-4365-b2d5-9432cb8a20d4" providerId="ADAL" clId="{805DA7DF-B8D8-4A20-9B93-0EF8E68A5961}"/>
+    <pc:chgData name="Brent Pulmans" userId="8ae858ac-1a5b-43d2-9c3f-1bf2d06d427e" providerId="ADAL" clId="{F101F929-B726-4699-B9EB-E6AB581F0FE5}"/>
     <pc:docChg chg="modSld">
-      <pc:chgData name="Jochen Mariën" userId="a4f8d9ed-3895-4365-b2d5-9432cb8a20d4" providerId="ADAL" clId="{805DA7DF-B8D8-4A20-9B93-0EF8E68A5961}" dt="2022-05-25T13:08:15.536" v="0"/>
+      <pc:chgData name="Brent Pulmans" userId="8ae858ac-1a5b-43d2-9c3f-1bf2d06d427e" providerId="ADAL" clId="{F101F929-B726-4699-B9EB-E6AB581F0FE5}" dt="2022-10-04T13:17:17.271" v="23" actId="20577"/>
       <pc:docMkLst>
         <pc:docMk/>
       </pc:docMkLst>
-      <pc:sldChg chg="addSp modSp">
-        <pc:chgData name="Jochen Mariën" userId="a4f8d9ed-3895-4365-b2d5-9432cb8a20d4" providerId="ADAL" clId="{805DA7DF-B8D8-4A20-9B93-0EF8E68A5961}" dt="2022-05-25T13:08:15.536" v="0"/>
+      <pc:sldChg chg="modSp mod">
+        <pc:chgData name="Brent Pulmans" userId="8ae858ac-1a5b-43d2-9c3f-1bf2d06d427e" providerId="ADAL" clId="{F101F929-B726-4699-B9EB-E6AB581F0FE5}" dt="2022-10-04T13:04:52.953" v="4" actId="20577"/>
         <pc:sldMkLst>
           <pc:docMk/>
-          <pc:sldMk cId="3221931466" sldId="391"/>
+          <pc:sldMk cId="72634776" sldId="397"/>
         </pc:sldMkLst>
-        <pc:picChg chg="add mod">
-          <ac:chgData name="Jochen Mariën" userId="a4f8d9ed-3895-4365-b2d5-9432cb8a20d4" providerId="ADAL" clId="{805DA7DF-B8D8-4A20-9B93-0EF8E68A5961}" dt="2022-05-25T13:08:15.536" v="0"/>
-          <ac:picMkLst>
+        <pc:spChg chg="mod">
+          <ac:chgData name="Brent Pulmans" userId="8ae858ac-1a5b-43d2-9c3f-1bf2d06d427e" providerId="ADAL" clId="{F101F929-B726-4699-B9EB-E6AB581F0FE5}" dt="2022-10-04T13:04:52.953" v="4" actId="20577"/>
+          <ac:spMkLst>
             <pc:docMk/>
-            <pc:sldMk cId="3221931466" sldId="391"/>
-            <ac:picMk id="4" creationId="{5EA472B7-F669-2967-A4B3-05CE8FD8387F}"/>
-          </ac:picMkLst>
-        </pc:picChg>
+            <pc:sldMk cId="72634776" sldId="397"/>
+            <ac:spMk id="3" creationId="{1E2A09A1-F785-4563-A0A4-9607ACF146B4}"/>
+          </ac:spMkLst>
+        </pc:spChg>
       </pc:sldChg>
-    </pc:docChg>
-  </pc:docChgLst>
-  <pc:docChgLst>
-    <pc:chgData name="Tinne Van Echelpoel" userId="46798032-b7e2-4f2e-95a1-1606ec8c5d9a" providerId="ADAL" clId="{57D26828-8502-4DF1-8890-BFA8C8DA59D6}"/>
-    <pc:docChg chg="modNotesMaster modHandout">
-      <pc:chgData name="Tinne Van Echelpoel" userId="46798032-b7e2-4f2e-95a1-1606ec8c5d9a" providerId="ADAL" clId="{57D26828-8502-4DF1-8890-BFA8C8DA59D6}" dt="2020-10-14T09:22:19.908" v="0"/>
-      <pc:docMkLst>
-        <pc:docMk/>
-      </pc:docMkLst>
+      <pc:sldChg chg="modSp">
+        <pc:chgData name="Brent Pulmans" userId="8ae858ac-1a5b-43d2-9c3f-1bf2d06d427e" providerId="ADAL" clId="{F101F929-B726-4699-B9EB-E6AB581F0FE5}" dt="2022-10-04T13:08:29.521" v="9" actId="20577"/>
+        <pc:sldMkLst>
+          <pc:docMk/>
+          <pc:sldMk cId="1242255682" sldId="405"/>
+        </pc:sldMkLst>
+        <pc:spChg chg="mod">
+          <ac:chgData name="Brent Pulmans" userId="8ae858ac-1a5b-43d2-9c3f-1bf2d06d427e" providerId="ADAL" clId="{F101F929-B726-4699-B9EB-E6AB581F0FE5}" dt="2022-10-04T13:08:29.521" v="9" actId="20577"/>
+          <ac:spMkLst>
+            <pc:docMk/>
+            <pc:sldMk cId="1242255682" sldId="405"/>
+            <ac:spMk id="8" creationId="{4A95CF93-5499-4492-BC5B-98060CB46FCC}"/>
+          </ac:spMkLst>
+        </pc:spChg>
+      </pc:sldChg>
+      <pc:sldChg chg="delSp modSp">
+        <pc:chgData name="Brent Pulmans" userId="8ae858ac-1a5b-43d2-9c3f-1bf2d06d427e" providerId="ADAL" clId="{F101F929-B726-4699-B9EB-E6AB581F0FE5}" dt="2022-10-04T13:09:19.189" v="11" actId="478"/>
+        <pc:sldMkLst>
+          <pc:docMk/>
+          <pc:sldMk cId="908991994" sldId="407"/>
+        </pc:sldMkLst>
+        <pc:spChg chg="del mod">
+          <ac:chgData name="Brent Pulmans" userId="8ae858ac-1a5b-43d2-9c3f-1bf2d06d427e" providerId="ADAL" clId="{F101F929-B726-4699-B9EB-E6AB581F0FE5}" dt="2022-10-04T13:09:19.189" v="11" actId="478"/>
+          <ac:spMkLst>
+            <pc:docMk/>
+            <pc:sldMk cId="908991994" sldId="407"/>
+            <ac:spMk id="15" creationId="{00000000-0000-0000-0000-000000000000}"/>
+          </ac:spMkLst>
+        </pc:spChg>
+      </pc:sldChg>
+      <pc:sldChg chg="modSp mod">
+        <pc:chgData name="Brent Pulmans" userId="8ae858ac-1a5b-43d2-9c3f-1bf2d06d427e" providerId="ADAL" clId="{F101F929-B726-4699-B9EB-E6AB581F0FE5}" dt="2022-10-04T13:17:17.271" v="23" actId="20577"/>
+        <pc:sldMkLst>
+          <pc:docMk/>
+          <pc:sldMk cId="2777295993" sldId="424"/>
+        </pc:sldMkLst>
+        <pc:spChg chg="mod">
+          <ac:chgData name="Brent Pulmans" userId="8ae858ac-1a5b-43d2-9c3f-1bf2d06d427e" providerId="ADAL" clId="{F101F929-B726-4699-B9EB-E6AB581F0FE5}" dt="2022-10-04T13:17:17.271" v="23" actId="20577"/>
+          <ac:spMkLst>
+            <pc:docMk/>
+            <pc:sldMk cId="2777295993" sldId="424"/>
+            <ac:spMk id="2" creationId="{00000000-0000-0000-0000-000000000000}"/>
+          </ac:spMkLst>
+        </pc:spChg>
+      </pc:sldChg>
     </pc:docChg>
   </pc:docChgLst>
   <pc:docChgLst>
@@ -237,1523 +273,12 @@
     </pc:docChg>
   </pc:docChgLst>
   <pc:docChgLst>
-    <pc:chgData name="Hans Bartholomeus" userId="fdad893c-ea0f-4e18-a760-ac9a83339ccd" providerId="ADAL" clId="{C6C1E749-A471-4218-AC31-8BA2C3931A00}"/>
-    <pc:docChg chg="modSld">
-      <pc:chgData name="Hans Bartholomeus" userId="fdad893c-ea0f-4e18-a760-ac9a83339ccd" providerId="ADAL" clId="{C6C1E749-A471-4218-AC31-8BA2C3931A00}" dt="2020-08-25T12:53:59.654" v="8" actId="6549"/>
+    <pc:chgData name="Dirk Mervis" userId="197c8981-22eb-4dca-b603-0aa0f7d3451e" providerId="ADAL" clId="{559ED1B4-E990-4EA3-864D-FAFC9D8D4D72}"/>
+    <pc:docChg chg="modShowInfo">
+      <pc:chgData name="Dirk Mervis" userId="197c8981-22eb-4dca-b603-0aa0f7d3451e" providerId="ADAL" clId="{559ED1B4-E990-4EA3-864D-FAFC9D8D4D72}" dt="2021-03-16T07:49:05.689" v="0" actId="2744"/>
       <pc:docMkLst>
         <pc:docMk/>
       </pc:docMkLst>
-      <pc:sldChg chg="modSp mod">
-        <pc:chgData name="Hans Bartholomeus" userId="fdad893c-ea0f-4e18-a760-ac9a83339ccd" providerId="ADAL" clId="{C6C1E749-A471-4218-AC31-8BA2C3931A00}" dt="2020-08-25T12:53:59.654" v="8" actId="6549"/>
-        <pc:sldMkLst>
-          <pc:docMk/>
-          <pc:sldMk cId="1020751144" sldId="393"/>
-        </pc:sldMkLst>
-        <pc:spChg chg="mod">
-          <ac:chgData name="Hans Bartholomeus" userId="fdad893c-ea0f-4e18-a760-ac9a83339ccd" providerId="ADAL" clId="{C6C1E749-A471-4218-AC31-8BA2C3931A00}" dt="2020-08-25T12:53:59.654" v="8" actId="6549"/>
-          <ac:spMkLst>
-            <pc:docMk/>
-            <pc:sldMk cId="1020751144" sldId="393"/>
-            <ac:spMk id="3" creationId="{0A965233-77D1-4EA6-96A3-BB14281D64E4}"/>
-          </ac:spMkLst>
-        </pc:spChg>
-      </pc:sldChg>
-    </pc:docChg>
-  </pc:docChgLst>
-  <pc:docChgLst>
-    <pc:chgData name="Christel Maes" userId="7e61469a-7c21-464c-bace-a1bda262211a" providerId="ADAL" clId="{DECCEE9B-912D-4854-9D6A-3558908B4FA9}"/>
-    <pc:docChg chg="delSld modSld">
-      <pc:chgData name="Christel Maes" userId="7e61469a-7c21-464c-bace-a1bda262211a" providerId="ADAL" clId="{DECCEE9B-912D-4854-9D6A-3558908B4FA9}" dt="2020-02-13T15:54:48.542" v="9" actId="20577"/>
-      <pc:docMkLst>
-        <pc:docMk/>
-      </pc:docMkLst>
-      <pc:sldChg chg="del">
-        <pc:chgData name="Christel Maes" userId="7e61469a-7c21-464c-bace-a1bda262211a" providerId="ADAL" clId="{DECCEE9B-912D-4854-9D6A-3558908B4FA9}" dt="2020-02-13T15:54:42.581" v="0" actId="47"/>
-        <pc:sldMkLst>
-          <pc:docMk/>
-          <pc:sldMk cId="54334544" sldId="256"/>
-        </pc:sldMkLst>
-      </pc:sldChg>
-      <pc:sldChg chg="del">
-        <pc:chgData name="Christel Maes" userId="7e61469a-7c21-464c-bace-a1bda262211a" providerId="ADAL" clId="{DECCEE9B-912D-4854-9D6A-3558908B4FA9}" dt="2020-02-13T15:54:42.581" v="0" actId="47"/>
-        <pc:sldMkLst>
-          <pc:docMk/>
-          <pc:sldMk cId="1055868665" sldId="257"/>
-        </pc:sldMkLst>
-      </pc:sldChg>
-      <pc:sldChg chg="del">
-        <pc:chgData name="Christel Maes" userId="7e61469a-7c21-464c-bace-a1bda262211a" providerId="ADAL" clId="{DECCEE9B-912D-4854-9D6A-3558908B4FA9}" dt="2020-02-13T15:54:42.581" v="0" actId="47"/>
-        <pc:sldMkLst>
-          <pc:docMk/>
-          <pc:sldMk cId="620147385" sldId="258"/>
-        </pc:sldMkLst>
-      </pc:sldChg>
-      <pc:sldChg chg="del">
-        <pc:chgData name="Christel Maes" userId="7e61469a-7c21-464c-bace-a1bda262211a" providerId="ADAL" clId="{DECCEE9B-912D-4854-9D6A-3558908B4FA9}" dt="2020-02-13T15:54:42.581" v="0" actId="47"/>
-        <pc:sldMkLst>
-          <pc:docMk/>
-          <pc:sldMk cId="2303287502" sldId="259"/>
-        </pc:sldMkLst>
-      </pc:sldChg>
-      <pc:sldChg chg="del">
-        <pc:chgData name="Christel Maes" userId="7e61469a-7c21-464c-bace-a1bda262211a" providerId="ADAL" clId="{DECCEE9B-912D-4854-9D6A-3558908B4FA9}" dt="2020-02-13T15:54:42.581" v="0" actId="47"/>
-        <pc:sldMkLst>
-          <pc:docMk/>
-          <pc:sldMk cId="1438263673" sldId="260"/>
-        </pc:sldMkLst>
-      </pc:sldChg>
-      <pc:sldChg chg="del">
-        <pc:chgData name="Christel Maes" userId="7e61469a-7c21-464c-bace-a1bda262211a" providerId="ADAL" clId="{DECCEE9B-912D-4854-9D6A-3558908B4FA9}" dt="2020-02-13T15:54:42.581" v="0" actId="47"/>
-        <pc:sldMkLst>
-          <pc:docMk/>
-          <pc:sldMk cId="3855885531" sldId="261"/>
-        </pc:sldMkLst>
-      </pc:sldChg>
-      <pc:sldChg chg="del">
-        <pc:chgData name="Christel Maes" userId="7e61469a-7c21-464c-bace-a1bda262211a" providerId="ADAL" clId="{DECCEE9B-912D-4854-9D6A-3558908B4FA9}" dt="2020-02-13T15:54:42.581" v="0" actId="47"/>
-        <pc:sldMkLst>
-          <pc:docMk/>
-          <pc:sldMk cId="2006118848" sldId="262"/>
-        </pc:sldMkLst>
-      </pc:sldChg>
-      <pc:sldChg chg="del">
-        <pc:chgData name="Christel Maes" userId="7e61469a-7c21-464c-bace-a1bda262211a" providerId="ADAL" clId="{DECCEE9B-912D-4854-9D6A-3558908B4FA9}" dt="2020-02-13T15:54:42.581" v="0" actId="47"/>
-        <pc:sldMkLst>
-          <pc:docMk/>
-          <pc:sldMk cId="977749703" sldId="263"/>
-        </pc:sldMkLst>
-      </pc:sldChg>
-      <pc:sldChg chg="del">
-        <pc:chgData name="Christel Maes" userId="7e61469a-7c21-464c-bace-a1bda262211a" providerId="ADAL" clId="{DECCEE9B-912D-4854-9D6A-3558908B4FA9}" dt="2020-02-13T15:54:42.581" v="0" actId="47"/>
-        <pc:sldMkLst>
-          <pc:docMk/>
-          <pc:sldMk cId="2290807259" sldId="264"/>
-        </pc:sldMkLst>
-      </pc:sldChg>
-      <pc:sldChg chg="del">
-        <pc:chgData name="Christel Maes" userId="7e61469a-7c21-464c-bace-a1bda262211a" providerId="ADAL" clId="{DECCEE9B-912D-4854-9D6A-3558908B4FA9}" dt="2020-02-13T15:54:42.581" v="0" actId="47"/>
-        <pc:sldMkLst>
-          <pc:docMk/>
-          <pc:sldMk cId="556707363" sldId="265"/>
-        </pc:sldMkLst>
-      </pc:sldChg>
-      <pc:sldChg chg="del">
-        <pc:chgData name="Christel Maes" userId="7e61469a-7c21-464c-bace-a1bda262211a" providerId="ADAL" clId="{DECCEE9B-912D-4854-9D6A-3558908B4FA9}" dt="2020-02-13T15:54:42.581" v="0" actId="47"/>
-        <pc:sldMkLst>
-          <pc:docMk/>
-          <pc:sldMk cId="112707644" sldId="266"/>
-        </pc:sldMkLst>
-      </pc:sldChg>
-      <pc:sldChg chg="del">
-        <pc:chgData name="Christel Maes" userId="7e61469a-7c21-464c-bace-a1bda262211a" providerId="ADAL" clId="{DECCEE9B-912D-4854-9D6A-3558908B4FA9}" dt="2020-02-13T15:54:42.581" v="0" actId="47"/>
-        <pc:sldMkLst>
-          <pc:docMk/>
-          <pc:sldMk cId="2513866126" sldId="267"/>
-        </pc:sldMkLst>
-      </pc:sldChg>
-      <pc:sldChg chg="del">
-        <pc:chgData name="Christel Maes" userId="7e61469a-7c21-464c-bace-a1bda262211a" providerId="ADAL" clId="{DECCEE9B-912D-4854-9D6A-3558908B4FA9}" dt="2020-02-13T15:54:42.581" v="0" actId="47"/>
-        <pc:sldMkLst>
-          <pc:docMk/>
-          <pc:sldMk cId="1292866038" sldId="268"/>
-        </pc:sldMkLst>
-      </pc:sldChg>
-      <pc:sldChg chg="del">
-        <pc:chgData name="Christel Maes" userId="7e61469a-7c21-464c-bace-a1bda262211a" providerId="ADAL" clId="{DECCEE9B-912D-4854-9D6A-3558908B4FA9}" dt="2020-02-13T15:54:42.581" v="0" actId="47"/>
-        <pc:sldMkLst>
-          <pc:docMk/>
-          <pc:sldMk cId="2667205004" sldId="269"/>
-        </pc:sldMkLst>
-      </pc:sldChg>
-      <pc:sldChg chg="del">
-        <pc:chgData name="Christel Maes" userId="7e61469a-7c21-464c-bace-a1bda262211a" providerId="ADAL" clId="{DECCEE9B-912D-4854-9D6A-3558908B4FA9}" dt="2020-02-13T15:54:42.581" v="0" actId="47"/>
-        <pc:sldMkLst>
-          <pc:docMk/>
-          <pc:sldMk cId="2718411288" sldId="270"/>
-        </pc:sldMkLst>
-      </pc:sldChg>
-      <pc:sldChg chg="del">
-        <pc:chgData name="Christel Maes" userId="7e61469a-7c21-464c-bace-a1bda262211a" providerId="ADAL" clId="{DECCEE9B-912D-4854-9D6A-3558908B4FA9}" dt="2020-02-13T15:54:42.581" v="0" actId="47"/>
-        <pc:sldMkLst>
-          <pc:docMk/>
-          <pc:sldMk cId="523898943" sldId="271"/>
-        </pc:sldMkLst>
-      </pc:sldChg>
-      <pc:sldChg chg="del">
-        <pc:chgData name="Christel Maes" userId="7e61469a-7c21-464c-bace-a1bda262211a" providerId="ADAL" clId="{DECCEE9B-912D-4854-9D6A-3558908B4FA9}" dt="2020-02-13T15:54:42.581" v="0" actId="47"/>
-        <pc:sldMkLst>
-          <pc:docMk/>
-          <pc:sldMk cId="448105480" sldId="272"/>
-        </pc:sldMkLst>
-      </pc:sldChg>
-      <pc:sldChg chg="del">
-        <pc:chgData name="Christel Maes" userId="7e61469a-7c21-464c-bace-a1bda262211a" providerId="ADAL" clId="{DECCEE9B-912D-4854-9D6A-3558908B4FA9}" dt="2020-02-13T15:54:42.581" v="0" actId="47"/>
-        <pc:sldMkLst>
-          <pc:docMk/>
-          <pc:sldMk cId="2442765326" sldId="273"/>
-        </pc:sldMkLst>
-      </pc:sldChg>
-      <pc:sldChg chg="del">
-        <pc:chgData name="Christel Maes" userId="7e61469a-7c21-464c-bace-a1bda262211a" providerId="ADAL" clId="{DECCEE9B-912D-4854-9D6A-3558908B4FA9}" dt="2020-02-13T15:54:42.581" v="0" actId="47"/>
-        <pc:sldMkLst>
-          <pc:docMk/>
-          <pc:sldMk cId="1505779418" sldId="274"/>
-        </pc:sldMkLst>
-      </pc:sldChg>
-      <pc:sldChg chg="del">
-        <pc:chgData name="Christel Maes" userId="7e61469a-7c21-464c-bace-a1bda262211a" providerId="ADAL" clId="{DECCEE9B-912D-4854-9D6A-3558908B4FA9}" dt="2020-02-13T15:54:42.581" v="0" actId="47"/>
-        <pc:sldMkLst>
-          <pc:docMk/>
-          <pc:sldMk cId="399813621" sldId="275"/>
-        </pc:sldMkLst>
-      </pc:sldChg>
-      <pc:sldChg chg="del">
-        <pc:chgData name="Christel Maes" userId="7e61469a-7c21-464c-bace-a1bda262211a" providerId="ADAL" clId="{DECCEE9B-912D-4854-9D6A-3558908B4FA9}" dt="2020-02-13T15:54:42.581" v="0" actId="47"/>
-        <pc:sldMkLst>
-          <pc:docMk/>
-          <pc:sldMk cId="2708364635" sldId="276"/>
-        </pc:sldMkLst>
-      </pc:sldChg>
-      <pc:sldChg chg="del">
-        <pc:chgData name="Christel Maes" userId="7e61469a-7c21-464c-bace-a1bda262211a" providerId="ADAL" clId="{DECCEE9B-912D-4854-9D6A-3558908B4FA9}" dt="2020-02-13T15:54:42.581" v="0" actId="47"/>
-        <pc:sldMkLst>
-          <pc:docMk/>
-          <pc:sldMk cId="937416680" sldId="277"/>
-        </pc:sldMkLst>
-      </pc:sldChg>
-      <pc:sldChg chg="del">
-        <pc:chgData name="Christel Maes" userId="7e61469a-7c21-464c-bace-a1bda262211a" providerId="ADAL" clId="{DECCEE9B-912D-4854-9D6A-3558908B4FA9}" dt="2020-02-13T15:54:42.581" v="0" actId="47"/>
-        <pc:sldMkLst>
-          <pc:docMk/>
-          <pc:sldMk cId="2442208220" sldId="278"/>
-        </pc:sldMkLst>
-      </pc:sldChg>
-      <pc:sldChg chg="del">
-        <pc:chgData name="Christel Maes" userId="7e61469a-7c21-464c-bace-a1bda262211a" providerId="ADAL" clId="{DECCEE9B-912D-4854-9D6A-3558908B4FA9}" dt="2020-02-13T15:54:42.581" v="0" actId="47"/>
-        <pc:sldMkLst>
-          <pc:docMk/>
-          <pc:sldMk cId="3473159973" sldId="279"/>
-        </pc:sldMkLst>
-      </pc:sldChg>
-      <pc:sldChg chg="del">
-        <pc:chgData name="Christel Maes" userId="7e61469a-7c21-464c-bace-a1bda262211a" providerId="ADAL" clId="{DECCEE9B-912D-4854-9D6A-3558908B4FA9}" dt="2020-02-13T15:54:42.581" v="0" actId="47"/>
-        <pc:sldMkLst>
-          <pc:docMk/>
-          <pc:sldMk cId="3707028608" sldId="280"/>
-        </pc:sldMkLst>
-      </pc:sldChg>
-      <pc:sldChg chg="del">
-        <pc:chgData name="Christel Maes" userId="7e61469a-7c21-464c-bace-a1bda262211a" providerId="ADAL" clId="{DECCEE9B-912D-4854-9D6A-3558908B4FA9}" dt="2020-02-13T15:54:42.581" v="0" actId="47"/>
-        <pc:sldMkLst>
-          <pc:docMk/>
-          <pc:sldMk cId="2497475297" sldId="281"/>
-        </pc:sldMkLst>
-      </pc:sldChg>
-      <pc:sldChg chg="del">
-        <pc:chgData name="Christel Maes" userId="7e61469a-7c21-464c-bace-a1bda262211a" providerId="ADAL" clId="{DECCEE9B-912D-4854-9D6A-3558908B4FA9}" dt="2020-02-13T15:54:42.581" v="0" actId="47"/>
-        <pc:sldMkLst>
-          <pc:docMk/>
-          <pc:sldMk cId="580256068" sldId="282"/>
-        </pc:sldMkLst>
-      </pc:sldChg>
-      <pc:sldChg chg="del">
-        <pc:chgData name="Christel Maes" userId="7e61469a-7c21-464c-bace-a1bda262211a" providerId="ADAL" clId="{DECCEE9B-912D-4854-9D6A-3558908B4FA9}" dt="2020-02-13T15:54:42.581" v="0" actId="47"/>
-        <pc:sldMkLst>
-          <pc:docMk/>
-          <pc:sldMk cId="4167317431" sldId="283"/>
-        </pc:sldMkLst>
-      </pc:sldChg>
-      <pc:sldChg chg="del">
-        <pc:chgData name="Christel Maes" userId="7e61469a-7c21-464c-bace-a1bda262211a" providerId="ADAL" clId="{DECCEE9B-912D-4854-9D6A-3558908B4FA9}" dt="2020-02-13T15:54:42.581" v="0" actId="47"/>
-        <pc:sldMkLst>
-          <pc:docMk/>
-          <pc:sldMk cId="76180516" sldId="284"/>
-        </pc:sldMkLst>
-      </pc:sldChg>
-      <pc:sldChg chg="del">
-        <pc:chgData name="Christel Maes" userId="7e61469a-7c21-464c-bace-a1bda262211a" providerId="ADAL" clId="{DECCEE9B-912D-4854-9D6A-3558908B4FA9}" dt="2020-02-13T15:54:42.581" v="0" actId="47"/>
-        <pc:sldMkLst>
-          <pc:docMk/>
-          <pc:sldMk cId="59728421" sldId="285"/>
-        </pc:sldMkLst>
-      </pc:sldChg>
-      <pc:sldChg chg="del">
-        <pc:chgData name="Christel Maes" userId="7e61469a-7c21-464c-bace-a1bda262211a" providerId="ADAL" clId="{DECCEE9B-912D-4854-9D6A-3558908B4FA9}" dt="2020-02-13T15:54:42.581" v="0" actId="47"/>
-        <pc:sldMkLst>
-          <pc:docMk/>
-          <pc:sldMk cId="4200910606" sldId="286"/>
-        </pc:sldMkLst>
-      </pc:sldChg>
-      <pc:sldChg chg="del">
-        <pc:chgData name="Christel Maes" userId="7e61469a-7c21-464c-bace-a1bda262211a" providerId="ADAL" clId="{DECCEE9B-912D-4854-9D6A-3558908B4FA9}" dt="2020-02-13T15:54:42.581" v="0" actId="47"/>
-        <pc:sldMkLst>
-          <pc:docMk/>
-          <pc:sldMk cId="4009331374" sldId="287"/>
-        </pc:sldMkLst>
-      </pc:sldChg>
-      <pc:sldChg chg="del">
-        <pc:chgData name="Christel Maes" userId="7e61469a-7c21-464c-bace-a1bda262211a" providerId="ADAL" clId="{DECCEE9B-912D-4854-9D6A-3558908B4FA9}" dt="2020-02-13T15:54:42.581" v="0" actId="47"/>
-        <pc:sldMkLst>
-          <pc:docMk/>
-          <pc:sldMk cId="43088005" sldId="288"/>
-        </pc:sldMkLst>
-      </pc:sldChg>
-      <pc:sldChg chg="del">
-        <pc:chgData name="Christel Maes" userId="7e61469a-7c21-464c-bace-a1bda262211a" providerId="ADAL" clId="{DECCEE9B-912D-4854-9D6A-3558908B4FA9}" dt="2020-02-13T15:54:42.581" v="0" actId="47"/>
-        <pc:sldMkLst>
-          <pc:docMk/>
-          <pc:sldMk cId="1022641883" sldId="289"/>
-        </pc:sldMkLst>
-      </pc:sldChg>
-      <pc:sldChg chg="del">
-        <pc:chgData name="Christel Maes" userId="7e61469a-7c21-464c-bace-a1bda262211a" providerId="ADAL" clId="{DECCEE9B-912D-4854-9D6A-3558908B4FA9}" dt="2020-02-13T15:54:42.581" v="0" actId="47"/>
-        <pc:sldMkLst>
-          <pc:docMk/>
-          <pc:sldMk cId="4294783759" sldId="290"/>
-        </pc:sldMkLst>
-      </pc:sldChg>
-      <pc:sldChg chg="del">
-        <pc:chgData name="Christel Maes" userId="7e61469a-7c21-464c-bace-a1bda262211a" providerId="ADAL" clId="{DECCEE9B-912D-4854-9D6A-3558908B4FA9}" dt="2020-02-13T15:54:42.581" v="0" actId="47"/>
-        <pc:sldMkLst>
-          <pc:docMk/>
-          <pc:sldMk cId="406789815" sldId="291"/>
-        </pc:sldMkLst>
-      </pc:sldChg>
-      <pc:sldChg chg="del">
-        <pc:chgData name="Christel Maes" userId="7e61469a-7c21-464c-bace-a1bda262211a" providerId="ADAL" clId="{DECCEE9B-912D-4854-9D6A-3558908B4FA9}" dt="2020-02-13T15:54:42.581" v="0" actId="47"/>
-        <pc:sldMkLst>
-          <pc:docMk/>
-          <pc:sldMk cId="3595008463" sldId="292"/>
-        </pc:sldMkLst>
-      </pc:sldChg>
-      <pc:sldChg chg="del">
-        <pc:chgData name="Christel Maes" userId="7e61469a-7c21-464c-bace-a1bda262211a" providerId="ADAL" clId="{DECCEE9B-912D-4854-9D6A-3558908B4FA9}" dt="2020-02-13T15:54:42.581" v="0" actId="47"/>
-        <pc:sldMkLst>
-          <pc:docMk/>
-          <pc:sldMk cId="4222728465" sldId="293"/>
-        </pc:sldMkLst>
-      </pc:sldChg>
-      <pc:sldChg chg="del">
-        <pc:chgData name="Christel Maes" userId="7e61469a-7c21-464c-bace-a1bda262211a" providerId="ADAL" clId="{DECCEE9B-912D-4854-9D6A-3558908B4FA9}" dt="2020-02-13T15:54:42.581" v="0" actId="47"/>
-        <pc:sldMkLst>
-          <pc:docMk/>
-          <pc:sldMk cId="2357875275" sldId="294"/>
-        </pc:sldMkLst>
-      </pc:sldChg>
-      <pc:sldChg chg="del">
-        <pc:chgData name="Christel Maes" userId="7e61469a-7c21-464c-bace-a1bda262211a" providerId="ADAL" clId="{DECCEE9B-912D-4854-9D6A-3558908B4FA9}" dt="2020-02-13T15:54:42.581" v="0" actId="47"/>
-        <pc:sldMkLst>
-          <pc:docMk/>
-          <pc:sldMk cId="2904059153" sldId="295"/>
-        </pc:sldMkLst>
-      </pc:sldChg>
-      <pc:sldChg chg="del">
-        <pc:chgData name="Christel Maes" userId="7e61469a-7c21-464c-bace-a1bda262211a" providerId="ADAL" clId="{DECCEE9B-912D-4854-9D6A-3558908B4FA9}" dt="2020-02-13T15:54:42.581" v="0" actId="47"/>
-        <pc:sldMkLst>
-          <pc:docMk/>
-          <pc:sldMk cId="1956145419" sldId="296"/>
-        </pc:sldMkLst>
-      </pc:sldChg>
-      <pc:sldChg chg="del">
-        <pc:chgData name="Christel Maes" userId="7e61469a-7c21-464c-bace-a1bda262211a" providerId="ADAL" clId="{DECCEE9B-912D-4854-9D6A-3558908B4FA9}" dt="2020-02-13T15:54:42.581" v="0" actId="47"/>
-        <pc:sldMkLst>
-          <pc:docMk/>
-          <pc:sldMk cId="1613200239" sldId="297"/>
-        </pc:sldMkLst>
-      </pc:sldChg>
-      <pc:sldChg chg="del">
-        <pc:chgData name="Christel Maes" userId="7e61469a-7c21-464c-bace-a1bda262211a" providerId="ADAL" clId="{DECCEE9B-912D-4854-9D6A-3558908B4FA9}" dt="2020-02-13T15:54:42.581" v="0" actId="47"/>
-        <pc:sldMkLst>
-          <pc:docMk/>
-          <pc:sldMk cId="3876857091" sldId="298"/>
-        </pc:sldMkLst>
-      </pc:sldChg>
-      <pc:sldChg chg="del">
-        <pc:chgData name="Christel Maes" userId="7e61469a-7c21-464c-bace-a1bda262211a" providerId="ADAL" clId="{DECCEE9B-912D-4854-9D6A-3558908B4FA9}" dt="2020-02-13T15:54:42.581" v="0" actId="47"/>
-        <pc:sldMkLst>
-          <pc:docMk/>
-          <pc:sldMk cId="2167334292" sldId="299"/>
-        </pc:sldMkLst>
-      </pc:sldChg>
-      <pc:sldChg chg="del">
-        <pc:chgData name="Christel Maes" userId="7e61469a-7c21-464c-bace-a1bda262211a" providerId="ADAL" clId="{DECCEE9B-912D-4854-9D6A-3558908B4FA9}" dt="2020-02-13T15:54:42.581" v="0" actId="47"/>
-        <pc:sldMkLst>
-          <pc:docMk/>
-          <pc:sldMk cId="3317549591" sldId="300"/>
-        </pc:sldMkLst>
-      </pc:sldChg>
-      <pc:sldChg chg="del">
-        <pc:chgData name="Christel Maes" userId="7e61469a-7c21-464c-bace-a1bda262211a" providerId="ADAL" clId="{DECCEE9B-912D-4854-9D6A-3558908B4FA9}" dt="2020-02-13T15:54:42.581" v="0" actId="47"/>
-        <pc:sldMkLst>
-          <pc:docMk/>
-          <pc:sldMk cId="4186174628" sldId="301"/>
-        </pc:sldMkLst>
-      </pc:sldChg>
-      <pc:sldChg chg="del">
-        <pc:chgData name="Christel Maes" userId="7e61469a-7c21-464c-bace-a1bda262211a" providerId="ADAL" clId="{DECCEE9B-912D-4854-9D6A-3558908B4FA9}" dt="2020-02-13T15:54:42.581" v="0" actId="47"/>
-        <pc:sldMkLst>
-          <pc:docMk/>
-          <pc:sldMk cId="524085819" sldId="302"/>
-        </pc:sldMkLst>
-      </pc:sldChg>
-      <pc:sldChg chg="del">
-        <pc:chgData name="Christel Maes" userId="7e61469a-7c21-464c-bace-a1bda262211a" providerId="ADAL" clId="{DECCEE9B-912D-4854-9D6A-3558908B4FA9}" dt="2020-02-13T15:54:42.581" v="0" actId="47"/>
-        <pc:sldMkLst>
-          <pc:docMk/>
-          <pc:sldMk cId="2011064558" sldId="303"/>
-        </pc:sldMkLst>
-      </pc:sldChg>
-      <pc:sldChg chg="del">
-        <pc:chgData name="Christel Maes" userId="7e61469a-7c21-464c-bace-a1bda262211a" providerId="ADAL" clId="{DECCEE9B-912D-4854-9D6A-3558908B4FA9}" dt="2020-02-13T15:54:42.581" v="0" actId="47"/>
-        <pc:sldMkLst>
-          <pc:docMk/>
-          <pc:sldMk cId="3814101728" sldId="304"/>
-        </pc:sldMkLst>
-      </pc:sldChg>
-      <pc:sldChg chg="del">
-        <pc:chgData name="Christel Maes" userId="7e61469a-7c21-464c-bace-a1bda262211a" providerId="ADAL" clId="{DECCEE9B-912D-4854-9D6A-3558908B4FA9}" dt="2020-02-13T15:54:42.581" v="0" actId="47"/>
-        <pc:sldMkLst>
-          <pc:docMk/>
-          <pc:sldMk cId="1088796419" sldId="305"/>
-        </pc:sldMkLst>
-      </pc:sldChg>
-      <pc:sldChg chg="del">
-        <pc:chgData name="Christel Maes" userId="7e61469a-7c21-464c-bace-a1bda262211a" providerId="ADAL" clId="{DECCEE9B-912D-4854-9D6A-3558908B4FA9}" dt="2020-02-13T15:54:42.581" v="0" actId="47"/>
-        <pc:sldMkLst>
-          <pc:docMk/>
-          <pc:sldMk cId="2208920561" sldId="306"/>
-        </pc:sldMkLst>
-      </pc:sldChg>
-      <pc:sldChg chg="del">
-        <pc:chgData name="Christel Maes" userId="7e61469a-7c21-464c-bace-a1bda262211a" providerId="ADAL" clId="{DECCEE9B-912D-4854-9D6A-3558908B4FA9}" dt="2020-02-13T15:54:42.581" v="0" actId="47"/>
-        <pc:sldMkLst>
-          <pc:docMk/>
-          <pc:sldMk cId="911337620" sldId="307"/>
-        </pc:sldMkLst>
-      </pc:sldChg>
-      <pc:sldChg chg="del">
-        <pc:chgData name="Christel Maes" userId="7e61469a-7c21-464c-bace-a1bda262211a" providerId="ADAL" clId="{DECCEE9B-912D-4854-9D6A-3558908B4FA9}" dt="2020-02-13T15:54:42.581" v="0" actId="47"/>
-        <pc:sldMkLst>
-          <pc:docMk/>
-          <pc:sldMk cId="46570853" sldId="308"/>
-        </pc:sldMkLst>
-      </pc:sldChg>
-      <pc:sldChg chg="del">
-        <pc:chgData name="Christel Maes" userId="7e61469a-7c21-464c-bace-a1bda262211a" providerId="ADAL" clId="{DECCEE9B-912D-4854-9D6A-3558908B4FA9}" dt="2020-02-13T15:54:42.581" v="0" actId="47"/>
-        <pc:sldMkLst>
-          <pc:docMk/>
-          <pc:sldMk cId="2531460558" sldId="309"/>
-        </pc:sldMkLst>
-      </pc:sldChg>
-      <pc:sldChg chg="del">
-        <pc:chgData name="Christel Maes" userId="7e61469a-7c21-464c-bace-a1bda262211a" providerId="ADAL" clId="{DECCEE9B-912D-4854-9D6A-3558908B4FA9}" dt="2020-02-13T15:54:42.581" v="0" actId="47"/>
-        <pc:sldMkLst>
-          <pc:docMk/>
-          <pc:sldMk cId="3374308686" sldId="310"/>
-        </pc:sldMkLst>
-      </pc:sldChg>
-      <pc:sldChg chg="del">
-        <pc:chgData name="Christel Maes" userId="7e61469a-7c21-464c-bace-a1bda262211a" providerId="ADAL" clId="{DECCEE9B-912D-4854-9D6A-3558908B4FA9}" dt="2020-02-13T15:54:42.581" v="0" actId="47"/>
-        <pc:sldMkLst>
-          <pc:docMk/>
-          <pc:sldMk cId="2488015683" sldId="311"/>
-        </pc:sldMkLst>
-      </pc:sldChg>
-      <pc:sldChg chg="del">
-        <pc:chgData name="Christel Maes" userId="7e61469a-7c21-464c-bace-a1bda262211a" providerId="ADAL" clId="{DECCEE9B-912D-4854-9D6A-3558908B4FA9}" dt="2020-02-13T15:54:42.581" v="0" actId="47"/>
-        <pc:sldMkLst>
-          <pc:docMk/>
-          <pc:sldMk cId="1517140393" sldId="312"/>
-        </pc:sldMkLst>
-      </pc:sldChg>
-      <pc:sldChg chg="del">
-        <pc:chgData name="Christel Maes" userId="7e61469a-7c21-464c-bace-a1bda262211a" providerId="ADAL" clId="{DECCEE9B-912D-4854-9D6A-3558908B4FA9}" dt="2020-02-13T15:54:42.581" v="0" actId="47"/>
-        <pc:sldMkLst>
-          <pc:docMk/>
-          <pc:sldMk cId="4048209516" sldId="313"/>
-        </pc:sldMkLst>
-      </pc:sldChg>
-      <pc:sldChg chg="del">
-        <pc:chgData name="Christel Maes" userId="7e61469a-7c21-464c-bace-a1bda262211a" providerId="ADAL" clId="{DECCEE9B-912D-4854-9D6A-3558908B4FA9}" dt="2020-02-13T15:54:42.581" v="0" actId="47"/>
-        <pc:sldMkLst>
-          <pc:docMk/>
-          <pc:sldMk cId="3024926684" sldId="314"/>
-        </pc:sldMkLst>
-      </pc:sldChg>
-      <pc:sldChg chg="del">
-        <pc:chgData name="Christel Maes" userId="7e61469a-7c21-464c-bace-a1bda262211a" providerId="ADAL" clId="{DECCEE9B-912D-4854-9D6A-3558908B4FA9}" dt="2020-02-13T15:54:42.581" v="0" actId="47"/>
-        <pc:sldMkLst>
-          <pc:docMk/>
-          <pc:sldMk cId="1078311508" sldId="315"/>
-        </pc:sldMkLst>
-      </pc:sldChg>
-      <pc:sldChg chg="del">
-        <pc:chgData name="Christel Maes" userId="7e61469a-7c21-464c-bace-a1bda262211a" providerId="ADAL" clId="{DECCEE9B-912D-4854-9D6A-3558908B4FA9}" dt="2020-02-13T15:54:42.581" v="0" actId="47"/>
-        <pc:sldMkLst>
-          <pc:docMk/>
-          <pc:sldMk cId="1803311581" sldId="316"/>
-        </pc:sldMkLst>
-      </pc:sldChg>
-      <pc:sldChg chg="del">
-        <pc:chgData name="Christel Maes" userId="7e61469a-7c21-464c-bace-a1bda262211a" providerId="ADAL" clId="{DECCEE9B-912D-4854-9D6A-3558908B4FA9}" dt="2020-02-13T15:54:42.581" v="0" actId="47"/>
-        <pc:sldMkLst>
-          <pc:docMk/>
-          <pc:sldMk cId="1905648038" sldId="317"/>
-        </pc:sldMkLst>
-      </pc:sldChg>
-      <pc:sldChg chg="del">
-        <pc:chgData name="Christel Maes" userId="7e61469a-7c21-464c-bace-a1bda262211a" providerId="ADAL" clId="{DECCEE9B-912D-4854-9D6A-3558908B4FA9}" dt="2020-02-13T15:54:42.581" v="0" actId="47"/>
-        <pc:sldMkLst>
-          <pc:docMk/>
-          <pc:sldMk cId="3182756895" sldId="318"/>
-        </pc:sldMkLst>
-      </pc:sldChg>
-      <pc:sldChg chg="del">
-        <pc:chgData name="Christel Maes" userId="7e61469a-7c21-464c-bace-a1bda262211a" providerId="ADAL" clId="{DECCEE9B-912D-4854-9D6A-3558908B4FA9}" dt="2020-02-13T15:54:42.581" v="0" actId="47"/>
-        <pc:sldMkLst>
-          <pc:docMk/>
-          <pc:sldMk cId="947904471" sldId="319"/>
-        </pc:sldMkLst>
-      </pc:sldChg>
-      <pc:sldChg chg="del">
-        <pc:chgData name="Christel Maes" userId="7e61469a-7c21-464c-bace-a1bda262211a" providerId="ADAL" clId="{DECCEE9B-912D-4854-9D6A-3558908B4FA9}" dt="2020-02-13T15:54:42.581" v="0" actId="47"/>
-        <pc:sldMkLst>
-          <pc:docMk/>
-          <pc:sldMk cId="562100808" sldId="320"/>
-        </pc:sldMkLst>
-      </pc:sldChg>
-      <pc:sldChg chg="del">
-        <pc:chgData name="Christel Maes" userId="7e61469a-7c21-464c-bace-a1bda262211a" providerId="ADAL" clId="{DECCEE9B-912D-4854-9D6A-3558908B4FA9}" dt="2020-02-13T15:54:42.581" v="0" actId="47"/>
-        <pc:sldMkLst>
-          <pc:docMk/>
-          <pc:sldMk cId="1156503486" sldId="321"/>
-        </pc:sldMkLst>
-      </pc:sldChg>
-      <pc:sldChg chg="del">
-        <pc:chgData name="Christel Maes" userId="7e61469a-7c21-464c-bace-a1bda262211a" providerId="ADAL" clId="{DECCEE9B-912D-4854-9D6A-3558908B4FA9}" dt="2020-02-13T15:54:42.581" v="0" actId="47"/>
-        <pc:sldMkLst>
-          <pc:docMk/>
-          <pc:sldMk cId="3808164008" sldId="322"/>
-        </pc:sldMkLst>
-      </pc:sldChg>
-      <pc:sldChg chg="del">
-        <pc:chgData name="Christel Maes" userId="7e61469a-7c21-464c-bace-a1bda262211a" providerId="ADAL" clId="{DECCEE9B-912D-4854-9D6A-3558908B4FA9}" dt="2020-02-13T15:54:42.581" v="0" actId="47"/>
-        <pc:sldMkLst>
-          <pc:docMk/>
-          <pc:sldMk cId="2016632305" sldId="323"/>
-        </pc:sldMkLst>
-      </pc:sldChg>
-      <pc:sldChg chg="del">
-        <pc:chgData name="Christel Maes" userId="7e61469a-7c21-464c-bace-a1bda262211a" providerId="ADAL" clId="{DECCEE9B-912D-4854-9D6A-3558908B4FA9}" dt="2020-02-13T15:54:42.581" v="0" actId="47"/>
-        <pc:sldMkLst>
-          <pc:docMk/>
-          <pc:sldMk cId="3783347161" sldId="324"/>
-        </pc:sldMkLst>
-      </pc:sldChg>
-      <pc:sldChg chg="del">
-        <pc:chgData name="Christel Maes" userId="7e61469a-7c21-464c-bace-a1bda262211a" providerId="ADAL" clId="{DECCEE9B-912D-4854-9D6A-3558908B4FA9}" dt="2020-02-13T15:54:42.581" v="0" actId="47"/>
-        <pc:sldMkLst>
-          <pc:docMk/>
-          <pc:sldMk cId="2142414191" sldId="325"/>
-        </pc:sldMkLst>
-      </pc:sldChg>
-      <pc:sldChg chg="del">
-        <pc:chgData name="Christel Maes" userId="7e61469a-7c21-464c-bace-a1bda262211a" providerId="ADAL" clId="{DECCEE9B-912D-4854-9D6A-3558908B4FA9}" dt="2020-02-13T15:54:42.581" v="0" actId="47"/>
-        <pc:sldMkLst>
-          <pc:docMk/>
-          <pc:sldMk cId="1117753684" sldId="326"/>
-        </pc:sldMkLst>
-      </pc:sldChg>
-      <pc:sldChg chg="del">
-        <pc:chgData name="Christel Maes" userId="7e61469a-7c21-464c-bace-a1bda262211a" providerId="ADAL" clId="{DECCEE9B-912D-4854-9D6A-3558908B4FA9}" dt="2020-02-13T15:54:42.581" v="0" actId="47"/>
-        <pc:sldMkLst>
-          <pc:docMk/>
-          <pc:sldMk cId="1429437477" sldId="327"/>
-        </pc:sldMkLst>
-      </pc:sldChg>
-      <pc:sldChg chg="del">
-        <pc:chgData name="Christel Maes" userId="7e61469a-7c21-464c-bace-a1bda262211a" providerId="ADAL" clId="{DECCEE9B-912D-4854-9D6A-3558908B4FA9}" dt="2020-02-13T15:54:42.581" v="0" actId="47"/>
-        <pc:sldMkLst>
-          <pc:docMk/>
-          <pc:sldMk cId="3413869346" sldId="328"/>
-        </pc:sldMkLst>
-      </pc:sldChg>
-      <pc:sldChg chg="del">
-        <pc:chgData name="Christel Maes" userId="7e61469a-7c21-464c-bace-a1bda262211a" providerId="ADAL" clId="{DECCEE9B-912D-4854-9D6A-3558908B4FA9}" dt="2020-02-13T15:54:42.581" v="0" actId="47"/>
-        <pc:sldMkLst>
-          <pc:docMk/>
-          <pc:sldMk cId="3651078787" sldId="329"/>
-        </pc:sldMkLst>
-      </pc:sldChg>
-      <pc:sldChg chg="del">
-        <pc:chgData name="Christel Maes" userId="7e61469a-7c21-464c-bace-a1bda262211a" providerId="ADAL" clId="{DECCEE9B-912D-4854-9D6A-3558908B4FA9}" dt="2020-02-13T15:54:42.581" v="0" actId="47"/>
-        <pc:sldMkLst>
-          <pc:docMk/>
-          <pc:sldMk cId="1934378523" sldId="330"/>
-        </pc:sldMkLst>
-      </pc:sldChg>
-      <pc:sldChg chg="del">
-        <pc:chgData name="Christel Maes" userId="7e61469a-7c21-464c-bace-a1bda262211a" providerId="ADAL" clId="{DECCEE9B-912D-4854-9D6A-3558908B4FA9}" dt="2020-02-13T15:54:42.581" v="0" actId="47"/>
-        <pc:sldMkLst>
-          <pc:docMk/>
-          <pc:sldMk cId="1064636568" sldId="331"/>
-        </pc:sldMkLst>
-      </pc:sldChg>
-      <pc:sldChg chg="del">
-        <pc:chgData name="Christel Maes" userId="7e61469a-7c21-464c-bace-a1bda262211a" providerId="ADAL" clId="{DECCEE9B-912D-4854-9D6A-3558908B4FA9}" dt="2020-02-13T15:54:42.581" v="0" actId="47"/>
-        <pc:sldMkLst>
-          <pc:docMk/>
-          <pc:sldMk cId="1592028612" sldId="332"/>
-        </pc:sldMkLst>
-      </pc:sldChg>
-      <pc:sldChg chg="del">
-        <pc:chgData name="Christel Maes" userId="7e61469a-7c21-464c-bace-a1bda262211a" providerId="ADAL" clId="{DECCEE9B-912D-4854-9D6A-3558908B4FA9}" dt="2020-02-13T15:54:42.581" v="0" actId="47"/>
-        <pc:sldMkLst>
-          <pc:docMk/>
-          <pc:sldMk cId="1100755747" sldId="333"/>
-        </pc:sldMkLst>
-      </pc:sldChg>
-      <pc:sldChg chg="del">
-        <pc:chgData name="Christel Maes" userId="7e61469a-7c21-464c-bace-a1bda262211a" providerId="ADAL" clId="{DECCEE9B-912D-4854-9D6A-3558908B4FA9}" dt="2020-02-13T15:54:42.581" v="0" actId="47"/>
-        <pc:sldMkLst>
-          <pc:docMk/>
-          <pc:sldMk cId="144764828" sldId="334"/>
-        </pc:sldMkLst>
-      </pc:sldChg>
-      <pc:sldChg chg="del">
-        <pc:chgData name="Christel Maes" userId="7e61469a-7c21-464c-bace-a1bda262211a" providerId="ADAL" clId="{DECCEE9B-912D-4854-9D6A-3558908B4FA9}" dt="2020-02-13T15:54:42.581" v="0" actId="47"/>
-        <pc:sldMkLst>
-          <pc:docMk/>
-          <pc:sldMk cId="3016154555" sldId="335"/>
-        </pc:sldMkLst>
-      </pc:sldChg>
-      <pc:sldChg chg="del">
-        <pc:chgData name="Christel Maes" userId="7e61469a-7c21-464c-bace-a1bda262211a" providerId="ADAL" clId="{DECCEE9B-912D-4854-9D6A-3558908B4FA9}" dt="2020-02-13T15:54:42.581" v="0" actId="47"/>
-        <pc:sldMkLst>
-          <pc:docMk/>
-          <pc:sldMk cId="656598503" sldId="336"/>
-        </pc:sldMkLst>
-      </pc:sldChg>
-      <pc:sldChg chg="del">
-        <pc:chgData name="Christel Maes" userId="7e61469a-7c21-464c-bace-a1bda262211a" providerId="ADAL" clId="{DECCEE9B-912D-4854-9D6A-3558908B4FA9}" dt="2020-02-13T15:54:42.581" v="0" actId="47"/>
-        <pc:sldMkLst>
-          <pc:docMk/>
-          <pc:sldMk cId="1246612953" sldId="337"/>
-        </pc:sldMkLst>
-      </pc:sldChg>
-      <pc:sldChg chg="del">
-        <pc:chgData name="Christel Maes" userId="7e61469a-7c21-464c-bace-a1bda262211a" providerId="ADAL" clId="{DECCEE9B-912D-4854-9D6A-3558908B4FA9}" dt="2020-02-13T15:54:42.581" v="0" actId="47"/>
-        <pc:sldMkLst>
-          <pc:docMk/>
-          <pc:sldMk cId="1602889662" sldId="338"/>
-        </pc:sldMkLst>
-      </pc:sldChg>
-      <pc:sldChg chg="del">
-        <pc:chgData name="Christel Maes" userId="7e61469a-7c21-464c-bace-a1bda262211a" providerId="ADAL" clId="{DECCEE9B-912D-4854-9D6A-3558908B4FA9}" dt="2020-02-13T15:54:42.581" v="0" actId="47"/>
-        <pc:sldMkLst>
-          <pc:docMk/>
-          <pc:sldMk cId="4032910288" sldId="339"/>
-        </pc:sldMkLst>
-      </pc:sldChg>
-      <pc:sldChg chg="del">
-        <pc:chgData name="Christel Maes" userId="7e61469a-7c21-464c-bace-a1bda262211a" providerId="ADAL" clId="{DECCEE9B-912D-4854-9D6A-3558908B4FA9}" dt="2020-02-13T15:54:42.581" v="0" actId="47"/>
-        <pc:sldMkLst>
-          <pc:docMk/>
-          <pc:sldMk cId="3937273183" sldId="340"/>
-        </pc:sldMkLst>
-      </pc:sldChg>
-      <pc:sldChg chg="del">
-        <pc:chgData name="Christel Maes" userId="7e61469a-7c21-464c-bace-a1bda262211a" providerId="ADAL" clId="{DECCEE9B-912D-4854-9D6A-3558908B4FA9}" dt="2020-02-13T15:54:42.581" v="0" actId="47"/>
-        <pc:sldMkLst>
-          <pc:docMk/>
-          <pc:sldMk cId="3723926041" sldId="341"/>
-        </pc:sldMkLst>
-      </pc:sldChg>
-      <pc:sldChg chg="del">
-        <pc:chgData name="Christel Maes" userId="7e61469a-7c21-464c-bace-a1bda262211a" providerId="ADAL" clId="{DECCEE9B-912D-4854-9D6A-3558908B4FA9}" dt="2020-02-13T15:54:42.581" v="0" actId="47"/>
-        <pc:sldMkLst>
-          <pc:docMk/>
-          <pc:sldMk cId="3464027270" sldId="342"/>
-        </pc:sldMkLst>
-      </pc:sldChg>
-      <pc:sldChg chg="del">
-        <pc:chgData name="Christel Maes" userId="7e61469a-7c21-464c-bace-a1bda262211a" providerId="ADAL" clId="{DECCEE9B-912D-4854-9D6A-3558908B4FA9}" dt="2020-02-13T15:54:42.581" v="0" actId="47"/>
-        <pc:sldMkLst>
-          <pc:docMk/>
-          <pc:sldMk cId="1543302064" sldId="343"/>
-        </pc:sldMkLst>
-      </pc:sldChg>
-      <pc:sldChg chg="del">
-        <pc:chgData name="Christel Maes" userId="7e61469a-7c21-464c-bace-a1bda262211a" providerId="ADAL" clId="{DECCEE9B-912D-4854-9D6A-3558908B4FA9}" dt="2020-02-13T15:54:42.581" v="0" actId="47"/>
-        <pc:sldMkLst>
-          <pc:docMk/>
-          <pc:sldMk cId="3669195357" sldId="344"/>
-        </pc:sldMkLst>
-      </pc:sldChg>
-      <pc:sldChg chg="del">
-        <pc:chgData name="Christel Maes" userId="7e61469a-7c21-464c-bace-a1bda262211a" providerId="ADAL" clId="{DECCEE9B-912D-4854-9D6A-3558908B4FA9}" dt="2020-02-13T15:54:42.581" v="0" actId="47"/>
-        <pc:sldMkLst>
-          <pc:docMk/>
-          <pc:sldMk cId="2127847359" sldId="345"/>
-        </pc:sldMkLst>
-      </pc:sldChg>
-      <pc:sldChg chg="del">
-        <pc:chgData name="Christel Maes" userId="7e61469a-7c21-464c-bace-a1bda262211a" providerId="ADAL" clId="{DECCEE9B-912D-4854-9D6A-3558908B4FA9}" dt="2020-02-13T15:54:42.581" v="0" actId="47"/>
-        <pc:sldMkLst>
-          <pc:docMk/>
-          <pc:sldMk cId="3545147380" sldId="346"/>
-        </pc:sldMkLst>
-      </pc:sldChg>
-      <pc:sldChg chg="del">
-        <pc:chgData name="Christel Maes" userId="7e61469a-7c21-464c-bace-a1bda262211a" providerId="ADAL" clId="{DECCEE9B-912D-4854-9D6A-3558908B4FA9}" dt="2020-02-13T15:54:42.581" v="0" actId="47"/>
-        <pc:sldMkLst>
-          <pc:docMk/>
-          <pc:sldMk cId="1983722418" sldId="347"/>
-        </pc:sldMkLst>
-      </pc:sldChg>
-      <pc:sldChg chg="del">
-        <pc:chgData name="Christel Maes" userId="7e61469a-7c21-464c-bace-a1bda262211a" providerId="ADAL" clId="{DECCEE9B-912D-4854-9D6A-3558908B4FA9}" dt="2020-02-13T15:54:42.581" v="0" actId="47"/>
-        <pc:sldMkLst>
-          <pc:docMk/>
-          <pc:sldMk cId="4077165117" sldId="348"/>
-        </pc:sldMkLst>
-      </pc:sldChg>
-      <pc:sldChg chg="del">
-        <pc:chgData name="Christel Maes" userId="7e61469a-7c21-464c-bace-a1bda262211a" providerId="ADAL" clId="{DECCEE9B-912D-4854-9D6A-3558908B4FA9}" dt="2020-02-13T15:54:42.581" v="0" actId="47"/>
-        <pc:sldMkLst>
-          <pc:docMk/>
-          <pc:sldMk cId="1917669945" sldId="349"/>
-        </pc:sldMkLst>
-      </pc:sldChg>
-      <pc:sldChg chg="del">
-        <pc:chgData name="Christel Maes" userId="7e61469a-7c21-464c-bace-a1bda262211a" providerId="ADAL" clId="{DECCEE9B-912D-4854-9D6A-3558908B4FA9}" dt="2020-02-13T15:54:42.581" v="0" actId="47"/>
-        <pc:sldMkLst>
-          <pc:docMk/>
-          <pc:sldMk cId="2218130536" sldId="350"/>
-        </pc:sldMkLst>
-      </pc:sldChg>
-      <pc:sldChg chg="del">
-        <pc:chgData name="Christel Maes" userId="7e61469a-7c21-464c-bace-a1bda262211a" providerId="ADAL" clId="{DECCEE9B-912D-4854-9D6A-3558908B4FA9}" dt="2020-02-13T15:54:42.581" v="0" actId="47"/>
-        <pc:sldMkLst>
-          <pc:docMk/>
-          <pc:sldMk cId="802877074" sldId="351"/>
-        </pc:sldMkLst>
-      </pc:sldChg>
-      <pc:sldChg chg="del">
-        <pc:chgData name="Christel Maes" userId="7e61469a-7c21-464c-bace-a1bda262211a" providerId="ADAL" clId="{DECCEE9B-912D-4854-9D6A-3558908B4FA9}" dt="2020-02-13T15:54:42.581" v="0" actId="47"/>
-        <pc:sldMkLst>
-          <pc:docMk/>
-          <pc:sldMk cId="1043037631" sldId="352"/>
-        </pc:sldMkLst>
-      </pc:sldChg>
-      <pc:sldChg chg="del">
-        <pc:chgData name="Christel Maes" userId="7e61469a-7c21-464c-bace-a1bda262211a" providerId="ADAL" clId="{DECCEE9B-912D-4854-9D6A-3558908B4FA9}" dt="2020-02-13T15:54:42.581" v="0" actId="47"/>
-        <pc:sldMkLst>
-          <pc:docMk/>
-          <pc:sldMk cId="3228618666" sldId="353"/>
-        </pc:sldMkLst>
-      </pc:sldChg>
-      <pc:sldChg chg="del">
-        <pc:chgData name="Christel Maes" userId="7e61469a-7c21-464c-bace-a1bda262211a" providerId="ADAL" clId="{DECCEE9B-912D-4854-9D6A-3558908B4FA9}" dt="2020-02-13T15:54:42.581" v="0" actId="47"/>
-        <pc:sldMkLst>
-          <pc:docMk/>
-          <pc:sldMk cId="2506921208" sldId="354"/>
-        </pc:sldMkLst>
-      </pc:sldChg>
-      <pc:sldChg chg="del">
-        <pc:chgData name="Christel Maes" userId="7e61469a-7c21-464c-bace-a1bda262211a" providerId="ADAL" clId="{DECCEE9B-912D-4854-9D6A-3558908B4FA9}" dt="2020-02-13T15:54:42.581" v="0" actId="47"/>
-        <pc:sldMkLst>
-          <pc:docMk/>
-          <pc:sldMk cId="502674860" sldId="355"/>
-        </pc:sldMkLst>
-      </pc:sldChg>
-      <pc:sldChg chg="del">
-        <pc:chgData name="Christel Maes" userId="7e61469a-7c21-464c-bace-a1bda262211a" providerId="ADAL" clId="{DECCEE9B-912D-4854-9D6A-3558908B4FA9}" dt="2020-02-13T15:54:42.581" v="0" actId="47"/>
-        <pc:sldMkLst>
-          <pc:docMk/>
-          <pc:sldMk cId="2681611279" sldId="356"/>
-        </pc:sldMkLst>
-      </pc:sldChg>
-      <pc:sldChg chg="del">
-        <pc:chgData name="Christel Maes" userId="7e61469a-7c21-464c-bace-a1bda262211a" providerId="ADAL" clId="{DECCEE9B-912D-4854-9D6A-3558908B4FA9}" dt="2020-02-13T15:54:42.581" v="0" actId="47"/>
-        <pc:sldMkLst>
-          <pc:docMk/>
-          <pc:sldMk cId="4136785010" sldId="357"/>
-        </pc:sldMkLst>
-      </pc:sldChg>
-      <pc:sldChg chg="del">
-        <pc:chgData name="Christel Maes" userId="7e61469a-7c21-464c-bace-a1bda262211a" providerId="ADAL" clId="{DECCEE9B-912D-4854-9D6A-3558908B4FA9}" dt="2020-02-13T15:54:42.581" v="0" actId="47"/>
-        <pc:sldMkLst>
-          <pc:docMk/>
-          <pc:sldMk cId="3345094231" sldId="358"/>
-        </pc:sldMkLst>
-      </pc:sldChg>
-      <pc:sldChg chg="del">
-        <pc:chgData name="Christel Maes" userId="7e61469a-7c21-464c-bace-a1bda262211a" providerId="ADAL" clId="{DECCEE9B-912D-4854-9D6A-3558908B4FA9}" dt="2020-02-13T15:54:42.581" v="0" actId="47"/>
-        <pc:sldMkLst>
-          <pc:docMk/>
-          <pc:sldMk cId="1848413618" sldId="359"/>
-        </pc:sldMkLst>
-      </pc:sldChg>
-      <pc:sldChg chg="del">
-        <pc:chgData name="Christel Maes" userId="7e61469a-7c21-464c-bace-a1bda262211a" providerId="ADAL" clId="{DECCEE9B-912D-4854-9D6A-3558908B4FA9}" dt="2020-02-13T15:54:42.581" v="0" actId="47"/>
-        <pc:sldMkLst>
-          <pc:docMk/>
-          <pc:sldMk cId="3064109824" sldId="360"/>
-        </pc:sldMkLst>
-      </pc:sldChg>
-      <pc:sldChg chg="del">
-        <pc:chgData name="Christel Maes" userId="7e61469a-7c21-464c-bace-a1bda262211a" providerId="ADAL" clId="{DECCEE9B-912D-4854-9D6A-3558908B4FA9}" dt="2020-02-13T15:54:42.581" v="0" actId="47"/>
-        <pc:sldMkLst>
-          <pc:docMk/>
-          <pc:sldMk cId="1107403542" sldId="361"/>
-        </pc:sldMkLst>
-      </pc:sldChg>
-      <pc:sldChg chg="del">
-        <pc:chgData name="Christel Maes" userId="7e61469a-7c21-464c-bace-a1bda262211a" providerId="ADAL" clId="{DECCEE9B-912D-4854-9D6A-3558908B4FA9}" dt="2020-02-13T15:54:42.581" v="0" actId="47"/>
-        <pc:sldMkLst>
-          <pc:docMk/>
-          <pc:sldMk cId="1831006325" sldId="362"/>
-        </pc:sldMkLst>
-      </pc:sldChg>
-      <pc:sldChg chg="del">
-        <pc:chgData name="Christel Maes" userId="7e61469a-7c21-464c-bace-a1bda262211a" providerId="ADAL" clId="{DECCEE9B-912D-4854-9D6A-3558908B4FA9}" dt="2020-02-13T15:54:42.581" v="0" actId="47"/>
-        <pc:sldMkLst>
-          <pc:docMk/>
-          <pc:sldMk cId="3689873442" sldId="363"/>
-        </pc:sldMkLst>
-      </pc:sldChg>
-      <pc:sldChg chg="del">
-        <pc:chgData name="Christel Maes" userId="7e61469a-7c21-464c-bace-a1bda262211a" providerId="ADAL" clId="{DECCEE9B-912D-4854-9D6A-3558908B4FA9}" dt="2020-02-13T15:54:42.581" v="0" actId="47"/>
-        <pc:sldMkLst>
-          <pc:docMk/>
-          <pc:sldMk cId="3324110288" sldId="364"/>
-        </pc:sldMkLst>
-      </pc:sldChg>
-      <pc:sldChg chg="del">
-        <pc:chgData name="Christel Maes" userId="7e61469a-7c21-464c-bace-a1bda262211a" providerId="ADAL" clId="{DECCEE9B-912D-4854-9D6A-3558908B4FA9}" dt="2020-02-13T15:54:42.581" v="0" actId="47"/>
-        <pc:sldMkLst>
-          <pc:docMk/>
-          <pc:sldMk cId="91678138" sldId="365"/>
-        </pc:sldMkLst>
-      </pc:sldChg>
-      <pc:sldChg chg="del">
-        <pc:chgData name="Christel Maes" userId="7e61469a-7c21-464c-bace-a1bda262211a" providerId="ADAL" clId="{DECCEE9B-912D-4854-9D6A-3558908B4FA9}" dt="2020-02-13T15:54:42.581" v="0" actId="47"/>
-        <pc:sldMkLst>
-          <pc:docMk/>
-          <pc:sldMk cId="748743706" sldId="366"/>
-        </pc:sldMkLst>
-      </pc:sldChg>
-      <pc:sldChg chg="del">
-        <pc:chgData name="Christel Maes" userId="7e61469a-7c21-464c-bace-a1bda262211a" providerId="ADAL" clId="{DECCEE9B-912D-4854-9D6A-3558908B4FA9}" dt="2020-02-13T15:54:42.581" v="0" actId="47"/>
-        <pc:sldMkLst>
-          <pc:docMk/>
-          <pc:sldMk cId="86436684" sldId="367"/>
-        </pc:sldMkLst>
-      </pc:sldChg>
-      <pc:sldChg chg="del">
-        <pc:chgData name="Christel Maes" userId="7e61469a-7c21-464c-bace-a1bda262211a" providerId="ADAL" clId="{DECCEE9B-912D-4854-9D6A-3558908B4FA9}" dt="2020-02-13T15:54:42.581" v="0" actId="47"/>
-        <pc:sldMkLst>
-          <pc:docMk/>
-          <pc:sldMk cId="3629507239" sldId="368"/>
-        </pc:sldMkLst>
-      </pc:sldChg>
-      <pc:sldChg chg="del">
-        <pc:chgData name="Christel Maes" userId="7e61469a-7c21-464c-bace-a1bda262211a" providerId="ADAL" clId="{DECCEE9B-912D-4854-9D6A-3558908B4FA9}" dt="2020-02-13T15:54:42.581" v="0" actId="47"/>
-        <pc:sldMkLst>
-          <pc:docMk/>
-          <pc:sldMk cId="3248364615" sldId="369"/>
-        </pc:sldMkLst>
-      </pc:sldChg>
-      <pc:sldChg chg="del">
-        <pc:chgData name="Christel Maes" userId="7e61469a-7c21-464c-bace-a1bda262211a" providerId="ADAL" clId="{DECCEE9B-912D-4854-9D6A-3558908B4FA9}" dt="2020-02-13T15:54:42.581" v="0" actId="47"/>
-        <pc:sldMkLst>
-          <pc:docMk/>
-          <pc:sldMk cId="2951010051" sldId="370"/>
-        </pc:sldMkLst>
-      </pc:sldChg>
-      <pc:sldChg chg="del">
-        <pc:chgData name="Christel Maes" userId="7e61469a-7c21-464c-bace-a1bda262211a" providerId="ADAL" clId="{DECCEE9B-912D-4854-9D6A-3558908B4FA9}" dt="2020-02-13T15:54:42.581" v="0" actId="47"/>
-        <pc:sldMkLst>
-          <pc:docMk/>
-          <pc:sldMk cId="3100576318" sldId="371"/>
-        </pc:sldMkLst>
-      </pc:sldChg>
-      <pc:sldChg chg="del">
-        <pc:chgData name="Christel Maes" userId="7e61469a-7c21-464c-bace-a1bda262211a" providerId="ADAL" clId="{DECCEE9B-912D-4854-9D6A-3558908B4FA9}" dt="2020-02-13T15:54:42.581" v="0" actId="47"/>
-        <pc:sldMkLst>
-          <pc:docMk/>
-          <pc:sldMk cId="516730407" sldId="372"/>
-        </pc:sldMkLst>
-      </pc:sldChg>
-      <pc:sldChg chg="del">
-        <pc:chgData name="Christel Maes" userId="7e61469a-7c21-464c-bace-a1bda262211a" providerId="ADAL" clId="{DECCEE9B-912D-4854-9D6A-3558908B4FA9}" dt="2020-02-13T15:54:42.581" v="0" actId="47"/>
-        <pc:sldMkLst>
-          <pc:docMk/>
-          <pc:sldMk cId="2998353248" sldId="373"/>
-        </pc:sldMkLst>
-      </pc:sldChg>
-      <pc:sldChg chg="del">
-        <pc:chgData name="Christel Maes" userId="7e61469a-7c21-464c-bace-a1bda262211a" providerId="ADAL" clId="{DECCEE9B-912D-4854-9D6A-3558908B4FA9}" dt="2020-02-13T15:54:42.581" v="0" actId="47"/>
-        <pc:sldMkLst>
-          <pc:docMk/>
-          <pc:sldMk cId="3037424715" sldId="374"/>
-        </pc:sldMkLst>
-      </pc:sldChg>
-      <pc:sldChg chg="del">
-        <pc:chgData name="Christel Maes" userId="7e61469a-7c21-464c-bace-a1bda262211a" providerId="ADAL" clId="{DECCEE9B-912D-4854-9D6A-3558908B4FA9}" dt="2020-02-13T15:54:42.581" v="0" actId="47"/>
-        <pc:sldMkLst>
-          <pc:docMk/>
-          <pc:sldMk cId="370688825" sldId="375"/>
-        </pc:sldMkLst>
-      </pc:sldChg>
-      <pc:sldChg chg="del">
-        <pc:chgData name="Christel Maes" userId="7e61469a-7c21-464c-bace-a1bda262211a" providerId="ADAL" clId="{DECCEE9B-912D-4854-9D6A-3558908B4FA9}" dt="2020-02-13T15:54:42.581" v="0" actId="47"/>
-        <pc:sldMkLst>
-          <pc:docMk/>
-          <pc:sldMk cId="1593611673" sldId="376"/>
-        </pc:sldMkLst>
-      </pc:sldChg>
-      <pc:sldChg chg="del">
-        <pc:chgData name="Christel Maes" userId="7e61469a-7c21-464c-bace-a1bda262211a" providerId="ADAL" clId="{DECCEE9B-912D-4854-9D6A-3558908B4FA9}" dt="2020-02-13T15:54:42.581" v="0" actId="47"/>
-        <pc:sldMkLst>
-          <pc:docMk/>
-          <pc:sldMk cId="3383447715" sldId="377"/>
-        </pc:sldMkLst>
-      </pc:sldChg>
-      <pc:sldChg chg="del">
-        <pc:chgData name="Christel Maes" userId="7e61469a-7c21-464c-bace-a1bda262211a" providerId="ADAL" clId="{DECCEE9B-912D-4854-9D6A-3558908B4FA9}" dt="2020-02-13T15:54:42.581" v="0" actId="47"/>
-        <pc:sldMkLst>
-          <pc:docMk/>
-          <pc:sldMk cId="2331350841" sldId="378"/>
-        </pc:sldMkLst>
-      </pc:sldChg>
-      <pc:sldChg chg="del">
-        <pc:chgData name="Christel Maes" userId="7e61469a-7c21-464c-bace-a1bda262211a" providerId="ADAL" clId="{DECCEE9B-912D-4854-9D6A-3558908B4FA9}" dt="2020-02-13T15:54:42.581" v="0" actId="47"/>
-        <pc:sldMkLst>
-          <pc:docMk/>
-          <pc:sldMk cId="1254915660" sldId="379"/>
-        </pc:sldMkLst>
-      </pc:sldChg>
-      <pc:sldChg chg="del">
-        <pc:chgData name="Christel Maes" userId="7e61469a-7c21-464c-bace-a1bda262211a" providerId="ADAL" clId="{DECCEE9B-912D-4854-9D6A-3558908B4FA9}" dt="2020-02-13T15:54:42.581" v="0" actId="47"/>
-        <pc:sldMkLst>
-          <pc:docMk/>
-          <pc:sldMk cId="4212797311" sldId="380"/>
-        </pc:sldMkLst>
-      </pc:sldChg>
-      <pc:sldChg chg="del">
-        <pc:chgData name="Christel Maes" userId="7e61469a-7c21-464c-bace-a1bda262211a" providerId="ADAL" clId="{DECCEE9B-912D-4854-9D6A-3558908B4FA9}" dt="2020-02-13T15:54:42.581" v="0" actId="47"/>
-        <pc:sldMkLst>
-          <pc:docMk/>
-          <pc:sldMk cId="1566779199" sldId="381"/>
-        </pc:sldMkLst>
-      </pc:sldChg>
-      <pc:sldChg chg="del">
-        <pc:chgData name="Christel Maes" userId="7e61469a-7c21-464c-bace-a1bda262211a" providerId="ADAL" clId="{DECCEE9B-912D-4854-9D6A-3558908B4FA9}" dt="2020-02-13T15:54:42.581" v="0" actId="47"/>
-        <pc:sldMkLst>
-          <pc:docMk/>
-          <pc:sldMk cId="1166803639" sldId="382"/>
-        </pc:sldMkLst>
-      </pc:sldChg>
-      <pc:sldChg chg="del">
-        <pc:chgData name="Christel Maes" userId="7e61469a-7c21-464c-bace-a1bda262211a" providerId="ADAL" clId="{DECCEE9B-912D-4854-9D6A-3558908B4FA9}" dt="2020-02-13T15:54:42.581" v="0" actId="47"/>
-        <pc:sldMkLst>
-          <pc:docMk/>
-          <pc:sldMk cId="1087261940" sldId="383"/>
-        </pc:sldMkLst>
-      </pc:sldChg>
-      <pc:sldChg chg="del">
-        <pc:chgData name="Christel Maes" userId="7e61469a-7c21-464c-bace-a1bda262211a" providerId="ADAL" clId="{DECCEE9B-912D-4854-9D6A-3558908B4FA9}" dt="2020-02-13T15:54:42.581" v="0" actId="47"/>
-        <pc:sldMkLst>
-          <pc:docMk/>
-          <pc:sldMk cId="3318822371" sldId="384"/>
-        </pc:sldMkLst>
-      </pc:sldChg>
-      <pc:sldChg chg="del">
-        <pc:chgData name="Christel Maes" userId="7e61469a-7c21-464c-bace-a1bda262211a" providerId="ADAL" clId="{DECCEE9B-912D-4854-9D6A-3558908B4FA9}" dt="2020-02-13T15:54:42.581" v="0" actId="47"/>
-        <pc:sldMkLst>
-          <pc:docMk/>
-          <pc:sldMk cId="893941719" sldId="385"/>
-        </pc:sldMkLst>
-      </pc:sldChg>
-      <pc:sldChg chg="del">
-        <pc:chgData name="Christel Maes" userId="7e61469a-7c21-464c-bace-a1bda262211a" providerId="ADAL" clId="{DECCEE9B-912D-4854-9D6A-3558908B4FA9}" dt="2020-02-13T15:54:42.581" v="0" actId="47"/>
-        <pc:sldMkLst>
-          <pc:docMk/>
-          <pc:sldMk cId="2505551138" sldId="386"/>
-        </pc:sldMkLst>
-      </pc:sldChg>
-      <pc:sldChg chg="del">
-        <pc:chgData name="Christel Maes" userId="7e61469a-7c21-464c-bace-a1bda262211a" providerId="ADAL" clId="{DECCEE9B-912D-4854-9D6A-3558908B4FA9}" dt="2020-02-13T15:54:42.581" v="0" actId="47"/>
-        <pc:sldMkLst>
-          <pc:docMk/>
-          <pc:sldMk cId="4287158562" sldId="387"/>
-        </pc:sldMkLst>
-      </pc:sldChg>
-      <pc:sldChg chg="del">
-        <pc:chgData name="Christel Maes" userId="7e61469a-7c21-464c-bace-a1bda262211a" providerId="ADAL" clId="{DECCEE9B-912D-4854-9D6A-3558908B4FA9}" dt="2020-02-13T15:54:42.581" v="0" actId="47"/>
-        <pc:sldMkLst>
-          <pc:docMk/>
-          <pc:sldMk cId="1999447413" sldId="388"/>
-        </pc:sldMkLst>
-      </pc:sldChg>
-      <pc:sldChg chg="del">
-        <pc:chgData name="Christel Maes" userId="7e61469a-7c21-464c-bace-a1bda262211a" providerId="ADAL" clId="{DECCEE9B-912D-4854-9D6A-3558908B4FA9}" dt="2020-02-13T15:54:42.581" v="0" actId="47"/>
-        <pc:sldMkLst>
-          <pc:docMk/>
-          <pc:sldMk cId="1616033037" sldId="389"/>
-        </pc:sldMkLst>
-      </pc:sldChg>
-      <pc:sldChg chg="del">
-        <pc:chgData name="Christel Maes" userId="7e61469a-7c21-464c-bace-a1bda262211a" providerId="ADAL" clId="{DECCEE9B-912D-4854-9D6A-3558908B4FA9}" dt="2020-02-13T15:54:42.581" v="0" actId="47"/>
-        <pc:sldMkLst>
-          <pc:docMk/>
-          <pc:sldMk cId="4182809745" sldId="390"/>
-        </pc:sldMkLst>
-      </pc:sldChg>
-      <pc:sldChg chg="modSp">
-        <pc:chgData name="Christel Maes" userId="7e61469a-7c21-464c-bace-a1bda262211a" providerId="ADAL" clId="{DECCEE9B-912D-4854-9D6A-3558908B4FA9}" dt="2020-02-13T15:54:48.542" v="9" actId="20577"/>
-        <pc:sldMkLst>
-          <pc:docMk/>
-          <pc:sldMk cId="3221931466" sldId="391"/>
-        </pc:sldMkLst>
-        <pc:spChg chg="mod">
-          <ac:chgData name="Christel Maes" userId="7e61469a-7c21-464c-bace-a1bda262211a" providerId="ADAL" clId="{DECCEE9B-912D-4854-9D6A-3558908B4FA9}" dt="2020-02-13T15:54:48.542" v="9" actId="20577"/>
-          <ac:spMkLst>
-            <pc:docMk/>
-            <pc:sldMk cId="3221931466" sldId="391"/>
-            <ac:spMk id="3" creationId="{00000000-0000-0000-0000-000000000000}"/>
-          </ac:spMkLst>
-        </pc:spChg>
-      </pc:sldChg>
-    </pc:docChg>
-  </pc:docChgLst>
-  <pc:docChgLst>
-    <pc:chgData name="Christel Maes" userId="7e61469a-7c21-464c-bace-a1bda262211a" providerId="ADAL" clId="{9CD5A685-83CE-423C-AACA-A94A85481066}"/>
-    <pc:docChg chg="modSld">
-      <pc:chgData name="Christel Maes" userId="7e61469a-7c21-464c-bace-a1bda262211a" providerId="ADAL" clId="{9CD5A685-83CE-423C-AACA-A94A85481066}" dt="2020-10-08T11:44:13.782" v="3" actId="20577"/>
-      <pc:docMkLst>
-        <pc:docMk/>
-      </pc:docMkLst>
-      <pc:sldChg chg="delSp modAnim">
-        <pc:chgData name="Christel Maes" userId="7e61469a-7c21-464c-bace-a1bda262211a" providerId="ADAL" clId="{9CD5A685-83CE-423C-AACA-A94A85481066}" dt="2020-09-10T15:20:57.208" v="0"/>
-        <pc:sldMkLst>
-          <pc:docMk/>
-          <pc:sldMk cId="3221931466" sldId="391"/>
-        </pc:sldMkLst>
-        <pc:picChg chg="del">
-          <ac:chgData name="Christel Maes" userId="7e61469a-7c21-464c-bace-a1bda262211a" providerId="ADAL" clId="{9CD5A685-83CE-423C-AACA-A94A85481066}" dt="2020-09-10T15:20:57.208" v="0"/>
-          <ac:picMkLst>
-            <pc:docMk/>
-            <pc:sldMk cId="3221931466" sldId="391"/>
-            <ac:picMk id="4" creationId="{8AB5C596-6459-4205-8D4F-DAAD1B473041}"/>
-          </ac:picMkLst>
-        </pc:picChg>
-      </pc:sldChg>
-      <pc:sldChg chg="delSp modAnim">
-        <pc:chgData name="Christel Maes" userId="7e61469a-7c21-464c-bace-a1bda262211a" providerId="ADAL" clId="{9CD5A685-83CE-423C-AACA-A94A85481066}" dt="2020-09-10T15:20:57.208" v="0"/>
-        <pc:sldMkLst>
-          <pc:docMk/>
-          <pc:sldMk cId="803592390" sldId="392"/>
-        </pc:sldMkLst>
-        <pc:picChg chg="del">
-          <ac:chgData name="Christel Maes" userId="7e61469a-7c21-464c-bace-a1bda262211a" providerId="ADAL" clId="{9CD5A685-83CE-423C-AACA-A94A85481066}" dt="2020-09-10T15:20:57.208" v="0"/>
-          <ac:picMkLst>
-            <pc:docMk/>
-            <pc:sldMk cId="803592390" sldId="392"/>
-            <ac:picMk id="5" creationId="{EF08A1D4-DC40-44C2-8C9A-366578CB8B96}"/>
-          </ac:picMkLst>
-        </pc:picChg>
-      </pc:sldChg>
-      <pc:sldChg chg="delSp modAnim">
-        <pc:chgData name="Christel Maes" userId="7e61469a-7c21-464c-bace-a1bda262211a" providerId="ADAL" clId="{9CD5A685-83CE-423C-AACA-A94A85481066}" dt="2020-09-10T15:20:57.208" v="0"/>
-        <pc:sldMkLst>
-          <pc:docMk/>
-          <pc:sldMk cId="1020751144" sldId="393"/>
-        </pc:sldMkLst>
-        <pc:picChg chg="del">
-          <ac:chgData name="Christel Maes" userId="7e61469a-7c21-464c-bace-a1bda262211a" providerId="ADAL" clId="{9CD5A685-83CE-423C-AACA-A94A85481066}" dt="2020-09-10T15:20:57.208" v="0"/>
-          <ac:picMkLst>
-            <pc:docMk/>
-            <pc:sldMk cId="1020751144" sldId="393"/>
-            <ac:picMk id="5" creationId="{A1F4DA3B-78F6-4186-B1EA-F234EE253567}"/>
-          </ac:picMkLst>
-        </pc:picChg>
-      </pc:sldChg>
-      <pc:sldChg chg="delSp modAnim">
-        <pc:chgData name="Christel Maes" userId="7e61469a-7c21-464c-bace-a1bda262211a" providerId="ADAL" clId="{9CD5A685-83CE-423C-AACA-A94A85481066}" dt="2020-09-10T15:20:57.208" v="0"/>
-        <pc:sldMkLst>
-          <pc:docMk/>
-          <pc:sldMk cId="2123403007" sldId="394"/>
-        </pc:sldMkLst>
-        <pc:picChg chg="del">
-          <ac:chgData name="Christel Maes" userId="7e61469a-7c21-464c-bace-a1bda262211a" providerId="ADAL" clId="{9CD5A685-83CE-423C-AACA-A94A85481066}" dt="2020-09-10T15:20:57.208" v="0"/>
-          <ac:picMkLst>
-            <pc:docMk/>
-            <pc:sldMk cId="2123403007" sldId="394"/>
-            <ac:picMk id="7" creationId="{280A34EB-9C7C-44EA-8421-4A7151020C4B}"/>
-          </ac:picMkLst>
-        </pc:picChg>
-      </pc:sldChg>
-      <pc:sldChg chg="delSp modAnim">
-        <pc:chgData name="Christel Maes" userId="7e61469a-7c21-464c-bace-a1bda262211a" providerId="ADAL" clId="{9CD5A685-83CE-423C-AACA-A94A85481066}" dt="2020-09-10T15:20:57.208" v="0"/>
-        <pc:sldMkLst>
-          <pc:docMk/>
-          <pc:sldMk cId="1725756798" sldId="395"/>
-        </pc:sldMkLst>
-        <pc:picChg chg="del">
-          <ac:chgData name="Christel Maes" userId="7e61469a-7c21-464c-bace-a1bda262211a" providerId="ADAL" clId="{9CD5A685-83CE-423C-AACA-A94A85481066}" dt="2020-09-10T15:20:57.208" v="0"/>
-          <ac:picMkLst>
-            <pc:docMk/>
-            <pc:sldMk cId="1725756798" sldId="395"/>
-            <ac:picMk id="5" creationId="{BB2D9BAF-9105-4761-95C1-EF2F81D0A91B}"/>
-          </ac:picMkLst>
-        </pc:picChg>
-      </pc:sldChg>
-      <pc:sldChg chg="delSp modSp mod modAnim">
-        <pc:chgData name="Christel Maes" userId="7e61469a-7c21-464c-bace-a1bda262211a" providerId="ADAL" clId="{9CD5A685-83CE-423C-AACA-A94A85481066}" dt="2020-10-08T11:44:13.782" v="3" actId="20577"/>
-        <pc:sldMkLst>
-          <pc:docMk/>
-          <pc:sldMk cId="3410206391" sldId="396"/>
-        </pc:sldMkLst>
-        <pc:spChg chg="mod">
-          <ac:chgData name="Christel Maes" userId="7e61469a-7c21-464c-bace-a1bda262211a" providerId="ADAL" clId="{9CD5A685-83CE-423C-AACA-A94A85481066}" dt="2020-10-08T11:44:13.782" v="3" actId="20577"/>
-          <ac:spMkLst>
-            <pc:docMk/>
-            <pc:sldMk cId="3410206391" sldId="396"/>
-            <ac:spMk id="2" creationId="{44B0FA13-D5C8-4B4E-BE01-BACD93D81166}"/>
-          </ac:spMkLst>
-        </pc:spChg>
-        <pc:picChg chg="del">
-          <ac:chgData name="Christel Maes" userId="7e61469a-7c21-464c-bace-a1bda262211a" providerId="ADAL" clId="{9CD5A685-83CE-423C-AACA-A94A85481066}" dt="2020-09-10T15:20:57.208" v="0"/>
-          <ac:picMkLst>
-            <pc:docMk/>
-            <pc:sldMk cId="3410206391" sldId="396"/>
-            <ac:picMk id="5" creationId="{7E21AE78-07AB-4922-91F8-315AEDAAEF98}"/>
-          </ac:picMkLst>
-        </pc:picChg>
-      </pc:sldChg>
-      <pc:sldChg chg="delSp modAnim">
-        <pc:chgData name="Christel Maes" userId="7e61469a-7c21-464c-bace-a1bda262211a" providerId="ADAL" clId="{9CD5A685-83CE-423C-AACA-A94A85481066}" dt="2020-09-10T15:20:57.208" v="0"/>
-        <pc:sldMkLst>
-          <pc:docMk/>
-          <pc:sldMk cId="72634776" sldId="397"/>
-        </pc:sldMkLst>
-        <pc:picChg chg="del">
-          <ac:chgData name="Christel Maes" userId="7e61469a-7c21-464c-bace-a1bda262211a" providerId="ADAL" clId="{9CD5A685-83CE-423C-AACA-A94A85481066}" dt="2020-09-10T15:20:57.208" v="0"/>
-          <ac:picMkLst>
-            <pc:docMk/>
-            <pc:sldMk cId="72634776" sldId="397"/>
-            <ac:picMk id="11" creationId="{3F746871-62B3-46D9-8637-FCDF16705189}"/>
-          </ac:picMkLst>
-        </pc:picChg>
-      </pc:sldChg>
-      <pc:sldChg chg="delSp modAnim">
-        <pc:chgData name="Christel Maes" userId="7e61469a-7c21-464c-bace-a1bda262211a" providerId="ADAL" clId="{9CD5A685-83CE-423C-AACA-A94A85481066}" dt="2020-09-10T15:20:57.208" v="0"/>
-        <pc:sldMkLst>
-          <pc:docMk/>
-          <pc:sldMk cId="1695146199" sldId="398"/>
-        </pc:sldMkLst>
-        <pc:picChg chg="del">
-          <ac:chgData name="Christel Maes" userId="7e61469a-7c21-464c-bace-a1bda262211a" providerId="ADAL" clId="{9CD5A685-83CE-423C-AACA-A94A85481066}" dt="2020-09-10T15:20:57.208" v="0"/>
-          <ac:picMkLst>
-            <pc:docMk/>
-            <pc:sldMk cId="1695146199" sldId="398"/>
-            <ac:picMk id="6" creationId="{4D192942-3E00-489A-9782-5BD046F9DD1D}"/>
-          </ac:picMkLst>
-        </pc:picChg>
-      </pc:sldChg>
-      <pc:sldChg chg="delSp modAnim">
-        <pc:chgData name="Christel Maes" userId="7e61469a-7c21-464c-bace-a1bda262211a" providerId="ADAL" clId="{9CD5A685-83CE-423C-AACA-A94A85481066}" dt="2020-09-10T15:20:57.208" v="0"/>
-        <pc:sldMkLst>
-          <pc:docMk/>
-          <pc:sldMk cId="336358061" sldId="399"/>
-        </pc:sldMkLst>
-        <pc:picChg chg="del">
-          <ac:chgData name="Christel Maes" userId="7e61469a-7c21-464c-bace-a1bda262211a" providerId="ADAL" clId="{9CD5A685-83CE-423C-AACA-A94A85481066}" dt="2020-09-10T15:20:57.208" v="0"/>
-          <ac:picMkLst>
-            <pc:docMk/>
-            <pc:sldMk cId="336358061" sldId="399"/>
-            <ac:picMk id="5" creationId="{66F9C7FD-39E6-4962-A3E3-25FD94236202}"/>
-          </ac:picMkLst>
-        </pc:picChg>
-      </pc:sldChg>
-      <pc:sldChg chg="delSp modAnim">
-        <pc:chgData name="Christel Maes" userId="7e61469a-7c21-464c-bace-a1bda262211a" providerId="ADAL" clId="{9CD5A685-83CE-423C-AACA-A94A85481066}" dt="2020-09-10T15:20:57.208" v="0"/>
-        <pc:sldMkLst>
-          <pc:docMk/>
-          <pc:sldMk cId="582579784" sldId="400"/>
-        </pc:sldMkLst>
-        <pc:picChg chg="del">
-          <ac:chgData name="Christel Maes" userId="7e61469a-7c21-464c-bace-a1bda262211a" providerId="ADAL" clId="{9CD5A685-83CE-423C-AACA-A94A85481066}" dt="2020-09-10T15:20:57.208" v="0"/>
-          <ac:picMkLst>
-            <pc:docMk/>
-            <pc:sldMk cId="582579784" sldId="400"/>
-            <ac:picMk id="5" creationId="{A2992E5A-3F3D-4060-B8FB-05F6735E0BFB}"/>
-          </ac:picMkLst>
-        </pc:picChg>
-      </pc:sldChg>
-      <pc:sldChg chg="delSp modAnim">
-        <pc:chgData name="Christel Maes" userId="7e61469a-7c21-464c-bace-a1bda262211a" providerId="ADAL" clId="{9CD5A685-83CE-423C-AACA-A94A85481066}" dt="2020-09-10T15:20:57.208" v="0"/>
-        <pc:sldMkLst>
-          <pc:docMk/>
-          <pc:sldMk cId="150046510" sldId="401"/>
-        </pc:sldMkLst>
-        <pc:picChg chg="del">
-          <ac:chgData name="Christel Maes" userId="7e61469a-7c21-464c-bace-a1bda262211a" providerId="ADAL" clId="{9CD5A685-83CE-423C-AACA-A94A85481066}" dt="2020-09-10T15:20:57.208" v="0"/>
-          <ac:picMkLst>
-            <pc:docMk/>
-            <pc:sldMk cId="150046510" sldId="401"/>
-            <ac:picMk id="7" creationId="{9DFFA204-C777-4EAA-B104-726DC670EFBF}"/>
-          </ac:picMkLst>
-        </pc:picChg>
-      </pc:sldChg>
-      <pc:sldChg chg="delSp modAnim">
-        <pc:chgData name="Christel Maes" userId="7e61469a-7c21-464c-bace-a1bda262211a" providerId="ADAL" clId="{9CD5A685-83CE-423C-AACA-A94A85481066}" dt="2020-09-10T15:20:57.208" v="0"/>
-        <pc:sldMkLst>
-          <pc:docMk/>
-          <pc:sldMk cId="1456187511" sldId="402"/>
-        </pc:sldMkLst>
-        <pc:picChg chg="del">
-          <ac:chgData name="Christel Maes" userId="7e61469a-7c21-464c-bace-a1bda262211a" providerId="ADAL" clId="{9CD5A685-83CE-423C-AACA-A94A85481066}" dt="2020-09-10T15:20:57.208" v="0"/>
-          <ac:picMkLst>
-            <pc:docMk/>
-            <pc:sldMk cId="1456187511" sldId="402"/>
-            <ac:picMk id="5" creationId="{CE654021-8E74-4BD5-997D-F5DBE5088C97}"/>
-          </ac:picMkLst>
-        </pc:picChg>
-      </pc:sldChg>
-      <pc:sldChg chg="delSp modAnim">
-        <pc:chgData name="Christel Maes" userId="7e61469a-7c21-464c-bace-a1bda262211a" providerId="ADAL" clId="{9CD5A685-83CE-423C-AACA-A94A85481066}" dt="2020-09-10T15:20:57.208" v="0"/>
-        <pc:sldMkLst>
-          <pc:docMk/>
-          <pc:sldMk cId="2026055494" sldId="403"/>
-        </pc:sldMkLst>
-        <pc:picChg chg="del">
-          <ac:chgData name="Christel Maes" userId="7e61469a-7c21-464c-bace-a1bda262211a" providerId="ADAL" clId="{9CD5A685-83CE-423C-AACA-A94A85481066}" dt="2020-09-10T15:20:57.208" v="0"/>
-          <ac:picMkLst>
-            <pc:docMk/>
-            <pc:sldMk cId="2026055494" sldId="403"/>
-            <ac:picMk id="10" creationId="{AD260D52-E5D1-4A5C-961C-0256CA45CDE7}"/>
-          </ac:picMkLst>
-        </pc:picChg>
-      </pc:sldChg>
-      <pc:sldChg chg="delSp modAnim">
-        <pc:chgData name="Christel Maes" userId="7e61469a-7c21-464c-bace-a1bda262211a" providerId="ADAL" clId="{9CD5A685-83CE-423C-AACA-A94A85481066}" dt="2020-09-10T15:20:57.208" v="0"/>
-        <pc:sldMkLst>
-          <pc:docMk/>
-          <pc:sldMk cId="1682296062" sldId="404"/>
-        </pc:sldMkLst>
-        <pc:picChg chg="del">
-          <ac:chgData name="Christel Maes" userId="7e61469a-7c21-464c-bace-a1bda262211a" providerId="ADAL" clId="{9CD5A685-83CE-423C-AACA-A94A85481066}" dt="2020-09-10T15:20:57.208" v="0"/>
-          <ac:picMkLst>
-            <pc:docMk/>
-            <pc:sldMk cId="1682296062" sldId="404"/>
-            <ac:picMk id="5" creationId="{E78820E4-DA8D-4690-A2DC-20638F4D6664}"/>
-          </ac:picMkLst>
-        </pc:picChg>
-      </pc:sldChg>
-      <pc:sldChg chg="delSp modAnim">
-        <pc:chgData name="Christel Maes" userId="7e61469a-7c21-464c-bace-a1bda262211a" providerId="ADAL" clId="{9CD5A685-83CE-423C-AACA-A94A85481066}" dt="2020-09-10T15:20:57.208" v="0"/>
-        <pc:sldMkLst>
-          <pc:docMk/>
-          <pc:sldMk cId="1242255682" sldId="405"/>
-        </pc:sldMkLst>
-        <pc:picChg chg="del">
-          <ac:chgData name="Christel Maes" userId="7e61469a-7c21-464c-bace-a1bda262211a" providerId="ADAL" clId="{9CD5A685-83CE-423C-AACA-A94A85481066}" dt="2020-09-10T15:20:57.208" v="0"/>
-          <ac:picMkLst>
-            <pc:docMk/>
-            <pc:sldMk cId="1242255682" sldId="405"/>
-            <ac:picMk id="5" creationId="{BDF5D114-A741-4ED9-BAD0-7D6C409816F0}"/>
-          </ac:picMkLst>
-        </pc:picChg>
-      </pc:sldChg>
-      <pc:sldChg chg="delSp modAnim">
-        <pc:chgData name="Christel Maes" userId="7e61469a-7c21-464c-bace-a1bda262211a" providerId="ADAL" clId="{9CD5A685-83CE-423C-AACA-A94A85481066}" dt="2020-09-10T15:20:57.208" v="0"/>
-        <pc:sldMkLst>
-          <pc:docMk/>
-          <pc:sldMk cId="381192279" sldId="406"/>
-        </pc:sldMkLst>
-        <pc:picChg chg="del">
-          <ac:chgData name="Christel Maes" userId="7e61469a-7c21-464c-bace-a1bda262211a" providerId="ADAL" clId="{9CD5A685-83CE-423C-AACA-A94A85481066}" dt="2020-09-10T15:20:57.208" v="0"/>
-          <ac:picMkLst>
-            <pc:docMk/>
-            <pc:sldMk cId="381192279" sldId="406"/>
-            <ac:picMk id="5" creationId="{3870535C-82B4-45C1-A163-42E2DC008712}"/>
-          </ac:picMkLst>
-        </pc:picChg>
-      </pc:sldChg>
-      <pc:sldChg chg="delSp modAnim">
-        <pc:chgData name="Christel Maes" userId="7e61469a-7c21-464c-bace-a1bda262211a" providerId="ADAL" clId="{9CD5A685-83CE-423C-AACA-A94A85481066}" dt="2020-09-10T15:20:57.208" v="0"/>
-        <pc:sldMkLst>
-          <pc:docMk/>
-          <pc:sldMk cId="908991994" sldId="407"/>
-        </pc:sldMkLst>
-        <pc:picChg chg="del">
-          <ac:chgData name="Christel Maes" userId="7e61469a-7c21-464c-bace-a1bda262211a" providerId="ADAL" clId="{9CD5A685-83CE-423C-AACA-A94A85481066}" dt="2020-09-10T15:20:57.208" v="0"/>
-          <ac:picMkLst>
-            <pc:docMk/>
-            <pc:sldMk cId="908991994" sldId="407"/>
-            <ac:picMk id="6" creationId="{269E5D79-16B5-450D-A7A8-AFA6D39DD3FB}"/>
-          </ac:picMkLst>
-        </pc:picChg>
-      </pc:sldChg>
-      <pc:sldChg chg="delSp modAnim">
-        <pc:chgData name="Christel Maes" userId="7e61469a-7c21-464c-bace-a1bda262211a" providerId="ADAL" clId="{9CD5A685-83CE-423C-AACA-A94A85481066}" dt="2020-09-10T15:20:57.208" v="0"/>
-        <pc:sldMkLst>
-          <pc:docMk/>
-          <pc:sldMk cId="1515343629" sldId="408"/>
-        </pc:sldMkLst>
-        <pc:picChg chg="del">
-          <ac:chgData name="Christel Maes" userId="7e61469a-7c21-464c-bace-a1bda262211a" providerId="ADAL" clId="{9CD5A685-83CE-423C-AACA-A94A85481066}" dt="2020-09-10T15:20:57.208" v="0"/>
-          <ac:picMkLst>
-            <pc:docMk/>
-            <pc:sldMk cId="1515343629" sldId="408"/>
-            <ac:picMk id="5" creationId="{464F2E9D-6911-4301-84B6-24C7EBF05A5D}"/>
-          </ac:picMkLst>
-        </pc:picChg>
-      </pc:sldChg>
-      <pc:sldChg chg="delSp modAnim">
-        <pc:chgData name="Christel Maes" userId="7e61469a-7c21-464c-bace-a1bda262211a" providerId="ADAL" clId="{9CD5A685-83CE-423C-AACA-A94A85481066}" dt="2020-09-10T15:20:57.208" v="0"/>
-        <pc:sldMkLst>
-          <pc:docMk/>
-          <pc:sldMk cId="849228038" sldId="409"/>
-        </pc:sldMkLst>
-        <pc:picChg chg="del">
-          <ac:chgData name="Christel Maes" userId="7e61469a-7c21-464c-bace-a1bda262211a" providerId="ADAL" clId="{9CD5A685-83CE-423C-AACA-A94A85481066}" dt="2020-09-10T15:20:57.208" v="0"/>
-          <ac:picMkLst>
-            <pc:docMk/>
-            <pc:sldMk cId="849228038" sldId="409"/>
-            <ac:picMk id="5" creationId="{CFD5D1F5-8937-425F-8A96-5034BAD4F6FA}"/>
-          </ac:picMkLst>
-        </pc:picChg>
-      </pc:sldChg>
-      <pc:sldChg chg="delSp modAnim">
-        <pc:chgData name="Christel Maes" userId="7e61469a-7c21-464c-bace-a1bda262211a" providerId="ADAL" clId="{9CD5A685-83CE-423C-AACA-A94A85481066}" dt="2020-09-10T15:20:57.208" v="0"/>
-        <pc:sldMkLst>
-          <pc:docMk/>
-          <pc:sldMk cId="1841263431" sldId="410"/>
-        </pc:sldMkLst>
-        <pc:picChg chg="del">
-          <ac:chgData name="Christel Maes" userId="7e61469a-7c21-464c-bace-a1bda262211a" providerId="ADAL" clId="{9CD5A685-83CE-423C-AACA-A94A85481066}" dt="2020-09-10T15:20:57.208" v="0"/>
-          <ac:picMkLst>
-            <pc:docMk/>
-            <pc:sldMk cId="1841263431" sldId="410"/>
-            <ac:picMk id="3" creationId="{F3D4C3ED-B7C5-4003-BC35-F6CA52052501}"/>
-          </ac:picMkLst>
-        </pc:picChg>
-      </pc:sldChg>
-      <pc:sldChg chg="delSp modAnim">
-        <pc:chgData name="Christel Maes" userId="7e61469a-7c21-464c-bace-a1bda262211a" providerId="ADAL" clId="{9CD5A685-83CE-423C-AACA-A94A85481066}" dt="2020-09-10T15:20:57.208" v="0"/>
-        <pc:sldMkLst>
-          <pc:docMk/>
-          <pc:sldMk cId="3349740050" sldId="411"/>
-        </pc:sldMkLst>
-        <pc:picChg chg="del">
-          <ac:chgData name="Christel Maes" userId="7e61469a-7c21-464c-bace-a1bda262211a" providerId="ADAL" clId="{9CD5A685-83CE-423C-AACA-A94A85481066}" dt="2020-09-10T15:20:57.208" v="0"/>
-          <ac:picMkLst>
-            <pc:docMk/>
-            <pc:sldMk cId="3349740050" sldId="411"/>
-            <ac:picMk id="5" creationId="{C8B4B344-2288-46AB-B431-0200E90CB702}"/>
-          </ac:picMkLst>
-        </pc:picChg>
-      </pc:sldChg>
-      <pc:sldChg chg="delSp modAnim">
-        <pc:chgData name="Christel Maes" userId="7e61469a-7c21-464c-bace-a1bda262211a" providerId="ADAL" clId="{9CD5A685-83CE-423C-AACA-A94A85481066}" dt="2020-09-10T15:20:57.208" v="0"/>
-        <pc:sldMkLst>
-          <pc:docMk/>
-          <pc:sldMk cId="1520487891" sldId="412"/>
-        </pc:sldMkLst>
-        <pc:picChg chg="del">
-          <ac:chgData name="Christel Maes" userId="7e61469a-7c21-464c-bace-a1bda262211a" providerId="ADAL" clId="{9CD5A685-83CE-423C-AACA-A94A85481066}" dt="2020-09-10T15:20:57.208" v="0"/>
-          <ac:picMkLst>
-            <pc:docMk/>
-            <pc:sldMk cId="1520487891" sldId="412"/>
-            <ac:picMk id="5" creationId="{DF9A1A69-A72D-488C-BAA1-B828DDD4F06D}"/>
-          </ac:picMkLst>
-        </pc:picChg>
-      </pc:sldChg>
-      <pc:sldChg chg="delSp modAnim">
-        <pc:chgData name="Christel Maes" userId="7e61469a-7c21-464c-bace-a1bda262211a" providerId="ADAL" clId="{9CD5A685-83CE-423C-AACA-A94A85481066}" dt="2020-09-10T15:20:57.208" v="0"/>
-        <pc:sldMkLst>
-          <pc:docMk/>
-          <pc:sldMk cId="3854847980" sldId="413"/>
-        </pc:sldMkLst>
-        <pc:picChg chg="del">
-          <ac:chgData name="Christel Maes" userId="7e61469a-7c21-464c-bace-a1bda262211a" providerId="ADAL" clId="{9CD5A685-83CE-423C-AACA-A94A85481066}" dt="2020-09-10T15:20:57.208" v="0"/>
-          <ac:picMkLst>
-            <pc:docMk/>
-            <pc:sldMk cId="3854847980" sldId="413"/>
-            <ac:picMk id="5" creationId="{A7B89352-7397-4E83-9308-85113531E0E8}"/>
-          </ac:picMkLst>
-        </pc:picChg>
-      </pc:sldChg>
-      <pc:sldChg chg="delSp modAnim">
-        <pc:chgData name="Christel Maes" userId="7e61469a-7c21-464c-bace-a1bda262211a" providerId="ADAL" clId="{9CD5A685-83CE-423C-AACA-A94A85481066}" dt="2020-09-10T15:20:57.208" v="0"/>
-        <pc:sldMkLst>
-          <pc:docMk/>
-          <pc:sldMk cId="3480970570" sldId="414"/>
-        </pc:sldMkLst>
-        <pc:picChg chg="del">
-          <ac:chgData name="Christel Maes" userId="7e61469a-7c21-464c-bace-a1bda262211a" providerId="ADAL" clId="{9CD5A685-83CE-423C-AACA-A94A85481066}" dt="2020-09-10T15:20:57.208" v="0"/>
-          <ac:picMkLst>
-            <pc:docMk/>
-            <pc:sldMk cId="3480970570" sldId="414"/>
-            <ac:picMk id="6" creationId="{774398A8-5953-4808-A63A-CCB547A355F3}"/>
-          </ac:picMkLst>
-        </pc:picChg>
-      </pc:sldChg>
-      <pc:sldChg chg="delSp modAnim">
-        <pc:chgData name="Christel Maes" userId="7e61469a-7c21-464c-bace-a1bda262211a" providerId="ADAL" clId="{9CD5A685-83CE-423C-AACA-A94A85481066}" dt="2020-09-10T15:20:57.208" v="0"/>
-        <pc:sldMkLst>
-          <pc:docMk/>
-          <pc:sldMk cId="196390062" sldId="415"/>
-        </pc:sldMkLst>
-        <pc:picChg chg="del">
-          <ac:chgData name="Christel Maes" userId="7e61469a-7c21-464c-bace-a1bda262211a" providerId="ADAL" clId="{9CD5A685-83CE-423C-AACA-A94A85481066}" dt="2020-09-10T15:20:57.208" v="0"/>
-          <ac:picMkLst>
-            <pc:docMk/>
-            <pc:sldMk cId="196390062" sldId="415"/>
-            <ac:picMk id="5" creationId="{73573CD4-0584-4A1D-955F-646E9E9B2510}"/>
-          </ac:picMkLst>
-        </pc:picChg>
-      </pc:sldChg>
-      <pc:sldChg chg="delSp modAnim">
-        <pc:chgData name="Christel Maes" userId="7e61469a-7c21-464c-bace-a1bda262211a" providerId="ADAL" clId="{9CD5A685-83CE-423C-AACA-A94A85481066}" dt="2020-09-10T15:20:57.208" v="0"/>
-        <pc:sldMkLst>
-          <pc:docMk/>
-          <pc:sldMk cId="3982574100" sldId="416"/>
-        </pc:sldMkLst>
-        <pc:picChg chg="del">
-          <ac:chgData name="Christel Maes" userId="7e61469a-7c21-464c-bace-a1bda262211a" providerId="ADAL" clId="{9CD5A685-83CE-423C-AACA-A94A85481066}" dt="2020-09-10T15:20:57.208" v="0"/>
-          <ac:picMkLst>
-            <pc:docMk/>
-            <pc:sldMk cId="3982574100" sldId="416"/>
-            <ac:picMk id="6" creationId="{18EBF37D-E82F-446D-AC85-05A373A02019}"/>
-          </ac:picMkLst>
-        </pc:picChg>
-      </pc:sldChg>
-      <pc:sldChg chg="delSp modAnim">
-        <pc:chgData name="Christel Maes" userId="7e61469a-7c21-464c-bace-a1bda262211a" providerId="ADAL" clId="{9CD5A685-83CE-423C-AACA-A94A85481066}" dt="2020-09-10T15:20:57.208" v="0"/>
-        <pc:sldMkLst>
-          <pc:docMk/>
-          <pc:sldMk cId="3105006182" sldId="417"/>
-        </pc:sldMkLst>
-        <pc:picChg chg="del">
-          <ac:chgData name="Christel Maes" userId="7e61469a-7c21-464c-bace-a1bda262211a" providerId="ADAL" clId="{9CD5A685-83CE-423C-AACA-A94A85481066}" dt="2020-09-10T15:20:57.208" v="0"/>
-          <ac:picMkLst>
-            <pc:docMk/>
-            <pc:sldMk cId="3105006182" sldId="417"/>
-            <ac:picMk id="5" creationId="{9C72A019-D2EF-476B-B543-AD3214AD1599}"/>
-          </ac:picMkLst>
-        </pc:picChg>
-      </pc:sldChg>
-      <pc:sldChg chg="delSp modAnim">
-        <pc:chgData name="Christel Maes" userId="7e61469a-7c21-464c-bace-a1bda262211a" providerId="ADAL" clId="{9CD5A685-83CE-423C-AACA-A94A85481066}" dt="2020-09-10T15:20:57.208" v="0"/>
-        <pc:sldMkLst>
-          <pc:docMk/>
-          <pc:sldMk cId="3167971348" sldId="418"/>
-        </pc:sldMkLst>
-        <pc:picChg chg="del">
-          <ac:chgData name="Christel Maes" userId="7e61469a-7c21-464c-bace-a1bda262211a" providerId="ADAL" clId="{9CD5A685-83CE-423C-AACA-A94A85481066}" dt="2020-09-10T15:20:57.208" v="0"/>
-          <ac:picMkLst>
-            <pc:docMk/>
-            <pc:sldMk cId="3167971348" sldId="418"/>
-            <ac:picMk id="5" creationId="{10A3F8B1-AB18-4491-89E6-2A032275F6E0}"/>
-          </ac:picMkLst>
-        </pc:picChg>
-      </pc:sldChg>
-      <pc:sldChg chg="delSp modAnim">
-        <pc:chgData name="Christel Maes" userId="7e61469a-7c21-464c-bace-a1bda262211a" providerId="ADAL" clId="{9CD5A685-83CE-423C-AACA-A94A85481066}" dt="2020-09-10T15:20:57.208" v="0"/>
-        <pc:sldMkLst>
-          <pc:docMk/>
-          <pc:sldMk cId="2378511427" sldId="419"/>
-        </pc:sldMkLst>
-        <pc:picChg chg="del">
-          <ac:chgData name="Christel Maes" userId="7e61469a-7c21-464c-bace-a1bda262211a" providerId="ADAL" clId="{9CD5A685-83CE-423C-AACA-A94A85481066}" dt="2020-09-10T15:20:57.208" v="0"/>
-          <ac:picMkLst>
-            <pc:docMk/>
-            <pc:sldMk cId="2378511427" sldId="419"/>
-            <ac:picMk id="6" creationId="{F2B1867E-2338-4064-99F7-7F292F55E7EB}"/>
-          </ac:picMkLst>
-        </pc:picChg>
-      </pc:sldChg>
-      <pc:sldChg chg="delSp modAnim">
-        <pc:chgData name="Christel Maes" userId="7e61469a-7c21-464c-bace-a1bda262211a" providerId="ADAL" clId="{9CD5A685-83CE-423C-AACA-A94A85481066}" dt="2020-09-10T15:20:57.208" v="0"/>
-        <pc:sldMkLst>
-          <pc:docMk/>
-          <pc:sldMk cId="186737167" sldId="420"/>
-        </pc:sldMkLst>
-        <pc:picChg chg="del">
-          <ac:chgData name="Christel Maes" userId="7e61469a-7c21-464c-bace-a1bda262211a" providerId="ADAL" clId="{9CD5A685-83CE-423C-AACA-A94A85481066}" dt="2020-09-10T15:20:57.208" v="0"/>
-          <ac:picMkLst>
-            <pc:docMk/>
-            <pc:sldMk cId="186737167" sldId="420"/>
-            <ac:picMk id="10" creationId="{FFD74854-9520-4A0F-BEEC-6E6D73AE7148}"/>
-          </ac:picMkLst>
-        </pc:picChg>
-      </pc:sldChg>
-      <pc:sldChg chg="delSp modAnim">
-        <pc:chgData name="Christel Maes" userId="7e61469a-7c21-464c-bace-a1bda262211a" providerId="ADAL" clId="{9CD5A685-83CE-423C-AACA-A94A85481066}" dt="2020-09-10T15:20:57.208" v="0"/>
-        <pc:sldMkLst>
-          <pc:docMk/>
-          <pc:sldMk cId="95761461" sldId="421"/>
-        </pc:sldMkLst>
-        <pc:picChg chg="del">
-          <ac:chgData name="Christel Maes" userId="7e61469a-7c21-464c-bace-a1bda262211a" providerId="ADAL" clId="{9CD5A685-83CE-423C-AACA-A94A85481066}" dt="2020-09-10T15:20:57.208" v="0"/>
-          <ac:picMkLst>
-            <pc:docMk/>
-            <pc:sldMk cId="95761461" sldId="421"/>
-            <ac:picMk id="7" creationId="{D2984898-8331-4B3D-BB53-F01C7699CF3A}"/>
-          </ac:picMkLst>
-        </pc:picChg>
-      </pc:sldChg>
-      <pc:sldChg chg="delSp modAnim">
-        <pc:chgData name="Christel Maes" userId="7e61469a-7c21-464c-bace-a1bda262211a" providerId="ADAL" clId="{9CD5A685-83CE-423C-AACA-A94A85481066}" dt="2020-09-10T15:20:57.208" v="0"/>
-        <pc:sldMkLst>
-          <pc:docMk/>
-          <pc:sldMk cId="1380650295" sldId="422"/>
-        </pc:sldMkLst>
-        <pc:picChg chg="del">
-          <ac:chgData name="Christel Maes" userId="7e61469a-7c21-464c-bace-a1bda262211a" providerId="ADAL" clId="{9CD5A685-83CE-423C-AACA-A94A85481066}" dt="2020-09-10T15:20:57.208" v="0"/>
-          <ac:picMkLst>
-            <pc:docMk/>
-            <pc:sldMk cId="1380650295" sldId="422"/>
-            <ac:picMk id="5" creationId="{D4ED90A6-6E2E-4110-BDCF-5D6157F46574}"/>
-          </ac:picMkLst>
-        </pc:picChg>
-      </pc:sldChg>
-      <pc:sldChg chg="delSp modAnim">
-        <pc:chgData name="Christel Maes" userId="7e61469a-7c21-464c-bace-a1bda262211a" providerId="ADAL" clId="{9CD5A685-83CE-423C-AACA-A94A85481066}" dt="2020-09-10T15:20:57.208" v="0"/>
-        <pc:sldMkLst>
-          <pc:docMk/>
-          <pc:sldMk cId="2174993830" sldId="423"/>
-        </pc:sldMkLst>
-        <pc:picChg chg="del">
-          <ac:chgData name="Christel Maes" userId="7e61469a-7c21-464c-bace-a1bda262211a" providerId="ADAL" clId="{9CD5A685-83CE-423C-AACA-A94A85481066}" dt="2020-09-10T15:20:57.208" v="0"/>
-          <ac:picMkLst>
-            <pc:docMk/>
-            <pc:sldMk cId="2174993830" sldId="423"/>
-            <ac:picMk id="5" creationId="{AB9597D3-33E4-4ADE-805D-192E680756D0}"/>
-          </ac:picMkLst>
-        </pc:picChg>
-      </pc:sldChg>
-      <pc:sldChg chg="delSp modAnim">
-        <pc:chgData name="Christel Maes" userId="7e61469a-7c21-464c-bace-a1bda262211a" providerId="ADAL" clId="{9CD5A685-83CE-423C-AACA-A94A85481066}" dt="2020-09-10T15:20:57.208" v="0"/>
-        <pc:sldMkLst>
-          <pc:docMk/>
-          <pc:sldMk cId="2777295993" sldId="424"/>
-        </pc:sldMkLst>
-        <pc:picChg chg="del">
-          <ac:chgData name="Christel Maes" userId="7e61469a-7c21-464c-bace-a1bda262211a" providerId="ADAL" clId="{9CD5A685-83CE-423C-AACA-A94A85481066}" dt="2020-09-10T15:20:57.208" v="0"/>
-          <ac:picMkLst>
-            <pc:docMk/>
-            <pc:sldMk cId="2777295993" sldId="424"/>
-            <ac:picMk id="5" creationId="{B592BE2E-4668-4498-B664-63EAC5D5AF33}"/>
-          </ac:picMkLst>
-        </pc:picChg>
-      </pc:sldChg>
     </pc:docChg>
   </pc:docChgLst>
   <pc:docChgLst>
@@ -1781,12 +306,345 @@
     </pc:docChg>
   </pc:docChgLst>
   <pc:docChgLst>
-    <pc:chgData name="Dirk Mervis" userId="197c8981-22eb-4dca-b603-0aa0f7d3451e" providerId="ADAL" clId="{559ED1B4-E990-4EA3-864D-FAFC9D8D4D72}"/>
-    <pc:docChg chg="modShowInfo">
-      <pc:chgData name="Dirk Mervis" userId="197c8981-22eb-4dca-b603-0aa0f7d3451e" providerId="ADAL" clId="{559ED1B4-E990-4EA3-864D-FAFC9D8D4D72}" dt="2021-03-16T07:49:05.689" v="0" actId="2744"/>
+    <pc:chgData name="Hans Bartholomeus" userId="fdad893c-ea0f-4e18-a760-ac9a83339ccd" providerId="ADAL" clId="{C6C1E749-A471-4218-AC31-8BA2C3931A00}"/>
+    <pc:docChg chg="modSld">
+      <pc:chgData name="Hans Bartholomeus" userId="fdad893c-ea0f-4e18-a760-ac9a83339ccd" providerId="ADAL" clId="{C6C1E749-A471-4218-AC31-8BA2C3931A00}" dt="2020-08-25T12:53:59.654" v="8" actId="6549"/>
       <pc:docMkLst>
         <pc:docMk/>
       </pc:docMkLst>
+      <pc:sldChg chg="modSp mod">
+        <pc:chgData name="Hans Bartholomeus" userId="fdad893c-ea0f-4e18-a760-ac9a83339ccd" providerId="ADAL" clId="{C6C1E749-A471-4218-AC31-8BA2C3931A00}" dt="2020-08-25T12:53:59.654" v="8" actId="6549"/>
+        <pc:sldMkLst>
+          <pc:docMk/>
+          <pc:sldMk cId="1020751144" sldId="393"/>
+        </pc:sldMkLst>
+        <pc:spChg chg="mod">
+          <ac:chgData name="Hans Bartholomeus" userId="fdad893c-ea0f-4e18-a760-ac9a83339ccd" providerId="ADAL" clId="{C6C1E749-A471-4218-AC31-8BA2C3931A00}" dt="2020-08-25T12:53:59.654" v="8" actId="6549"/>
+          <ac:spMkLst>
+            <pc:docMk/>
+            <pc:sldMk cId="1020751144" sldId="393"/>
+            <ac:spMk id="3" creationId="{0A965233-77D1-4EA6-96A3-BB14281D64E4}"/>
+          </ac:spMkLst>
+        </pc:spChg>
+      </pc:sldChg>
+    </pc:docChg>
+  </pc:docChgLst>
+  <pc:docChgLst>
+    <pc:chgData name="Hans Bartholomeus" userId="fdad893c-ea0f-4e18-a760-ac9a83339ccd" providerId="ADAL" clId="{25550FC0-1B1B-4314-8976-E78C75F6598E}"/>
+    <pc:docChg chg="custSel modSld">
+      <pc:chgData name="Hans Bartholomeus" userId="fdad893c-ea0f-4e18-a760-ac9a83339ccd" providerId="ADAL" clId="{25550FC0-1B1B-4314-8976-E78C75F6598E}" dt="2020-08-25T12:19:52.839" v="353" actId="20577"/>
+      <pc:docMkLst>
+        <pc:docMk/>
+      </pc:docMkLst>
+      <pc:sldChg chg="modSp mod">
+        <pc:chgData name="Hans Bartholomeus" userId="fdad893c-ea0f-4e18-a760-ac9a83339ccd" providerId="ADAL" clId="{25550FC0-1B1B-4314-8976-E78C75F6598E}" dt="2020-08-25T11:37:32.613" v="0" actId="790"/>
+        <pc:sldMkLst>
+          <pc:docMk/>
+          <pc:sldMk cId="3410206391" sldId="396"/>
+        </pc:sldMkLst>
+        <pc:spChg chg="mod">
+          <ac:chgData name="Hans Bartholomeus" userId="fdad893c-ea0f-4e18-a760-ac9a83339ccd" providerId="ADAL" clId="{25550FC0-1B1B-4314-8976-E78C75F6598E}" dt="2020-08-25T11:37:32.613" v="0" actId="790"/>
+          <ac:spMkLst>
+            <pc:docMk/>
+            <pc:sldMk cId="3410206391" sldId="396"/>
+            <ac:spMk id="3" creationId="{523F51E5-4330-469D-BFC4-365F54B69ED0}"/>
+          </ac:spMkLst>
+        </pc:spChg>
+      </pc:sldChg>
+      <pc:sldChg chg="modSp mod">
+        <pc:chgData name="Hans Bartholomeus" userId="fdad893c-ea0f-4e18-a760-ac9a83339ccd" providerId="ADAL" clId="{25550FC0-1B1B-4314-8976-E78C75F6598E}" dt="2020-08-25T11:39:45.116" v="6" actId="20577"/>
+        <pc:sldMkLst>
+          <pc:docMk/>
+          <pc:sldMk cId="1695146199" sldId="398"/>
+        </pc:sldMkLst>
+        <pc:spChg chg="mod">
+          <ac:chgData name="Hans Bartholomeus" userId="fdad893c-ea0f-4e18-a760-ac9a83339ccd" providerId="ADAL" clId="{25550FC0-1B1B-4314-8976-E78C75F6598E}" dt="2020-08-25T11:39:45.116" v="6" actId="20577"/>
+          <ac:spMkLst>
+            <pc:docMk/>
+            <pc:sldMk cId="1695146199" sldId="398"/>
+            <ac:spMk id="3" creationId="{5567B61F-8C1D-4A64-9B64-C1E36342C0E0}"/>
+          </ac:spMkLst>
+        </pc:spChg>
+      </pc:sldChg>
+      <pc:sldChg chg="modSp mod">
+        <pc:chgData name="Hans Bartholomeus" userId="fdad893c-ea0f-4e18-a760-ac9a83339ccd" providerId="ADAL" clId="{25550FC0-1B1B-4314-8976-E78C75F6598E}" dt="2020-08-25T11:41:11.864" v="10" actId="20577"/>
+        <pc:sldMkLst>
+          <pc:docMk/>
+          <pc:sldMk cId="336358061" sldId="399"/>
+        </pc:sldMkLst>
+        <pc:spChg chg="mod">
+          <ac:chgData name="Hans Bartholomeus" userId="fdad893c-ea0f-4e18-a760-ac9a83339ccd" providerId="ADAL" clId="{25550FC0-1B1B-4314-8976-E78C75F6598E}" dt="2020-08-25T11:41:11.864" v="10" actId="20577"/>
+          <ac:spMkLst>
+            <pc:docMk/>
+            <pc:sldMk cId="336358061" sldId="399"/>
+            <ac:spMk id="3" creationId="{F8ADC8CB-5282-4E37-AB15-9B66D7984E2B}"/>
+          </ac:spMkLst>
+        </pc:spChg>
+      </pc:sldChg>
+      <pc:sldChg chg="modSp mod">
+        <pc:chgData name="Hans Bartholomeus" userId="fdad893c-ea0f-4e18-a760-ac9a83339ccd" providerId="ADAL" clId="{25550FC0-1B1B-4314-8976-E78C75F6598E}" dt="2020-08-25T11:44:20.733" v="42" actId="108"/>
+        <pc:sldMkLst>
+          <pc:docMk/>
+          <pc:sldMk cId="582579784" sldId="400"/>
+        </pc:sldMkLst>
+        <pc:spChg chg="mod">
+          <ac:chgData name="Hans Bartholomeus" userId="fdad893c-ea0f-4e18-a760-ac9a83339ccd" providerId="ADAL" clId="{25550FC0-1B1B-4314-8976-E78C75F6598E}" dt="2020-08-25T11:44:20.733" v="42" actId="108"/>
+          <ac:spMkLst>
+            <pc:docMk/>
+            <pc:sldMk cId="582579784" sldId="400"/>
+            <ac:spMk id="3" creationId="{D1469E8F-5700-471E-8AA9-2AE764073725}"/>
+          </ac:spMkLst>
+        </pc:spChg>
+      </pc:sldChg>
+      <pc:sldChg chg="modSp mod">
+        <pc:chgData name="Hans Bartholomeus" userId="fdad893c-ea0f-4e18-a760-ac9a83339ccd" providerId="ADAL" clId="{25550FC0-1B1B-4314-8976-E78C75F6598E}" dt="2020-08-25T11:45:34.856" v="65" actId="6549"/>
+        <pc:sldMkLst>
+          <pc:docMk/>
+          <pc:sldMk cId="150046510" sldId="401"/>
+        </pc:sldMkLst>
+        <pc:spChg chg="mod">
+          <ac:chgData name="Hans Bartholomeus" userId="fdad893c-ea0f-4e18-a760-ac9a83339ccd" providerId="ADAL" clId="{25550FC0-1B1B-4314-8976-E78C75F6598E}" dt="2020-08-25T11:45:34.856" v="65" actId="6549"/>
+          <ac:spMkLst>
+            <pc:docMk/>
+            <pc:sldMk cId="150046510" sldId="401"/>
+            <ac:spMk id="3" creationId="{D1469E8F-5700-471E-8AA9-2AE764073725}"/>
+          </ac:spMkLst>
+        </pc:spChg>
+      </pc:sldChg>
+      <pc:sldChg chg="modSp mod setBg">
+        <pc:chgData name="Hans Bartholomeus" userId="fdad893c-ea0f-4e18-a760-ac9a83339ccd" providerId="ADAL" clId="{25550FC0-1B1B-4314-8976-E78C75F6598E}" dt="2020-08-25T11:46:09.939" v="67" actId="108"/>
+        <pc:sldMkLst>
+          <pc:docMk/>
+          <pc:sldMk cId="1456187511" sldId="402"/>
+        </pc:sldMkLst>
+        <pc:spChg chg="mod">
+          <ac:chgData name="Hans Bartholomeus" userId="fdad893c-ea0f-4e18-a760-ac9a83339ccd" providerId="ADAL" clId="{25550FC0-1B1B-4314-8976-E78C75F6598E}" dt="2020-08-25T11:46:02.566" v="66"/>
+          <ac:spMkLst>
+            <pc:docMk/>
+            <pc:sldMk cId="1456187511" sldId="402"/>
+            <ac:spMk id="2" creationId="{27E745C9-CF1F-4869-A3B4-FB417B791278}"/>
+          </ac:spMkLst>
+        </pc:spChg>
+        <pc:spChg chg="mod">
+          <ac:chgData name="Hans Bartholomeus" userId="fdad893c-ea0f-4e18-a760-ac9a83339ccd" providerId="ADAL" clId="{25550FC0-1B1B-4314-8976-E78C75F6598E}" dt="2020-08-25T11:46:09.939" v="67" actId="108"/>
+          <ac:spMkLst>
+            <pc:docMk/>
+            <pc:sldMk cId="1456187511" sldId="402"/>
+            <ac:spMk id="3" creationId="{D1469E8F-5700-471E-8AA9-2AE764073725}"/>
+          </ac:spMkLst>
+        </pc:spChg>
+        <pc:spChg chg="mod">
+          <ac:chgData name="Hans Bartholomeus" userId="fdad893c-ea0f-4e18-a760-ac9a83339ccd" providerId="ADAL" clId="{25550FC0-1B1B-4314-8976-E78C75F6598E}" dt="2020-08-25T11:46:02.566" v="66"/>
+          <ac:spMkLst>
+            <pc:docMk/>
+            <pc:sldMk cId="1456187511" sldId="402"/>
+            <ac:spMk id="4" creationId="{7B419D72-8A84-4920-ADE4-8E87F1DA4D47}"/>
+          </ac:spMkLst>
+        </pc:spChg>
+      </pc:sldChg>
+      <pc:sldChg chg="modSp mod">
+        <pc:chgData name="Hans Bartholomeus" userId="fdad893c-ea0f-4e18-a760-ac9a83339ccd" providerId="ADAL" clId="{25550FC0-1B1B-4314-8976-E78C75F6598E}" dt="2020-08-25T11:47:19.602" v="68" actId="108"/>
+        <pc:sldMkLst>
+          <pc:docMk/>
+          <pc:sldMk cId="2026055494" sldId="403"/>
+        </pc:sldMkLst>
+        <pc:spChg chg="mod">
+          <ac:chgData name="Hans Bartholomeus" userId="fdad893c-ea0f-4e18-a760-ac9a83339ccd" providerId="ADAL" clId="{25550FC0-1B1B-4314-8976-E78C75F6598E}" dt="2020-08-25T11:47:19.602" v="68" actId="108"/>
+          <ac:spMkLst>
+            <pc:docMk/>
+            <pc:sldMk cId="2026055494" sldId="403"/>
+            <ac:spMk id="5" creationId="{00000000-0000-0000-0000-000000000000}"/>
+          </ac:spMkLst>
+        </pc:spChg>
+      </pc:sldChg>
+      <pc:sldChg chg="modSp mod">
+        <pc:chgData name="Hans Bartholomeus" userId="fdad893c-ea0f-4e18-a760-ac9a83339ccd" providerId="ADAL" clId="{25550FC0-1B1B-4314-8976-E78C75F6598E}" dt="2020-08-25T11:48:53.934" v="88" actId="108"/>
+        <pc:sldMkLst>
+          <pc:docMk/>
+          <pc:sldMk cId="1242255682" sldId="405"/>
+        </pc:sldMkLst>
+        <pc:spChg chg="mod">
+          <ac:chgData name="Hans Bartholomeus" userId="fdad893c-ea0f-4e18-a760-ac9a83339ccd" providerId="ADAL" clId="{25550FC0-1B1B-4314-8976-E78C75F6598E}" dt="2020-08-25T11:48:53.934" v="88" actId="108"/>
+          <ac:spMkLst>
+            <pc:docMk/>
+            <pc:sldMk cId="1242255682" sldId="405"/>
+            <ac:spMk id="3" creationId="{D1469E8F-5700-471E-8AA9-2AE764073725}"/>
+          </ac:spMkLst>
+        </pc:spChg>
+      </pc:sldChg>
+      <pc:sldChg chg="modSp mod">
+        <pc:chgData name="Hans Bartholomeus" userId="fdad893c-ea0f-4e18-a760-ac9a83339ccd" providerId="ADAL" clId="{25550FC0-1B1B-4314-8976-E78C75F6598E}" dt="2020-08-25T11:49:32.685" v="89" actId="108"/>
+        <pc:sldMkLst>
+          <pc:docMk/>
+          <pc:sldMk cId="381192279" sldId="406"/>
+        </pc:sldMkLst>
+        <pc:spChg chg="mod">
+          <ac:chgData name="Hans Bartholomeus" userId="fdad893c-ea0f-4e18-a760-ac9a83339ccd" providerId="ADAL" clId="{25550FC0-1B1B-4314-8976-E78C75F6598E}" dt="2020-08-25T11:49:32.685" v="89" actId="108"/>
+          <ac:spMkLst>
+            <pc:docMk/>
+            <pc:sldMk cId="381192279" sldId="406"/>
+            <ac:spMk id="3" creationId="{D1469E8F-5700-471E-8AA9-2AE764073725}"/>
+          </ac:spMkLst>
+        </pc:spChg>
+      </pc:sldChg>
+      <pc:sldChg chg="modSp mod">
+        <pc:chgData name="Hans Bartholomeus" userId="fdad893c-ea0f-4e18-a760-ac9a83339ccd" providerId="ADAL" clId="{25550FC0-1B1B-4314-8976-E78C75F6598E}" dt="2020-08-25T11:50:37.961" v="100" actId="20577"/>
+        <pc:sldMkLst>
+          <pc:docMk/>
+          <pc:sldMk cId="908991994" sldId="407"/>
+        </pc:sldMkLst>
+        <pc:spChg chg="mod">
+          <ac:chgData name="Hans Bartholomeus" userId="fdad893c-ea0f-4e18-a760-ac9a83339ccd" providerId="ADAL" clId="{25550FC0-1B1B-4314-8976-E78C75F6598E}" dt="2020-08-25T11:50:37.961" v="100" actId="20577"/>
+          <ac:spMkLst>
+            <pc:docMk/>
+            <pc:sldMk cId="908991994" sldId="407"/>
+            <ac:spMk id="3" creationId="{D1469E8F-5700-471E-8AA9-2AE764073725}"/>
+          </ac:spMkLst>
+        </pc:spChg>
+      </pc:sldChg>
+      <pc:sldChg chg="modSp mod">
+        <pc:chgData name="Hans Bartholomeus" userId="fdad893c-ea0f-4e18-a760-ac9a83339ccd" providerId="ADAL" clId="{25550FC0-1B1B-4314-8976-E78C75F6598E}" dt="2020-08-25T12:06:33.193" v="208" actId="6549"/>
+        <pc:sldMkLst>
+          <pc:docMk/>
+          <pc:sldMk cId="849228038" sldId="409"/>
+        </pc:sldMkLst>
+        <pc:spChg chg="mod">
+          <ac:chgData name="Hans Bartholomeus" userId="fdad893c-ea0f-4e18-a760-ac9a83339ccd" providerId="ADAL" clId="{25550FC0-1B1B-4314-8976-E78C75F6598E}" dt="2020-08-25T12:06:33.193" v="208" actId="6549"/>
+          <ac:spMkLst>
+            <pc:docMk/>
+            <pc:sldMk cId="849228038" sldId="409"/>
+            <ac:spMk id="3" creationId="{96B8BBD0-AABC-424A-A4AB-4089BEDCDE0E}"/>
+          </ac:spMkLst>
+        </pc:spChg>
+      </pc:sldChg>
+      <pc:sldChg chg="modSp mod">
+        <pc:chgData name="Hans Bartholomeus" userId="fdad893c-ea0f-4e18-a760-ac9a83339ccd" providerId="ADAL" clId="{25550FC0-1B1B-4314-8976-E78C75F6598E}" dt="2020-08-25T12:09:59.270" v="236" actId="20577"/>
+        <pc:sldMkLst>
+          <pc:docMk/>
+          <pc:sldMk cId="3349740050" sldId="411"/>
+        </pc:sldMkLst>
+        <pc:spChg chg="mod">
+          <ac:chgData name="Hans Bartholomeus" userId="fdad893c-ea0f-4e18-a760-ac9a83339ccd" providerId="ADAL" clId="{25550FC0-1B1B-4314-8976-E78C75F6598E}" dt="2020-08-25T12:08:42.767" v="225" actId="20577"/>
+          <ac:spMkLst>
+            <pc:docMk/>
+            <pc:sldMk cId="3349740050" sldId="411"/>
+            <ac:spMk id="6" creationId="{313EFED1-DE39-4FD6-BD22-2A857321AE54}"/>
+          </ac:spMkLst>
+        </pc:spChg>
+        <pc:spChg chg="mod">
+          <ac:chgData name="Hans Bartholomeus" userId="fdad893c-ea0f-4e18-a760-ac9a83339ccd" providerId="ADAL" clId="{25550FC0-1B1B-4314-8976-E78C75F6598E}" dt="2020-08-25T12:09:59.270" v="236" actId="20577"/>
+          <ac:spMkLst>
+            <pc:docMk/>
+            <pc:sldMk cId="3349740050" sldId="411"/>
+            <ac:spMk id="7" creationId="{552BD681-7E70-4180-B608-D33C0E836321}"/>
+          </ac:spMkLst>
+        </pc:spChg>
+      </pc:sldChg>
+      <pc:sldChg chg="modSp mod">
+        <pc:chgData name="Hans Bartholomeus" userId="fdad893c-ea0f-4e18-a760-ac9a83339ccd" providerId="ADAL" clId="{25550FC0-1B1B-4314-8976-E78C75F6598E}" dt="2020-08-25T12:11:48.965" v="254" actId="20577"/>
+        <pc:sldMkLst>
+          <pc:docMk/>
+          <pc:sldMk cId="1520487891" sldId="412"/>
+        </pc:sldMkLst>
+        <pc:spChg chg="mod">
+          <ac:chgData name="Hans Bartholomeus" userId="fdad893c-ea0f-4e18-a760-ac9a83339ccd" providerId="ADAL" clId="{25550FC0-1B1B-4314-8976-E78C75F6598E}" dt="2020-08-25T12:11:48.965" v="254" actId="20577"/>
+          <ac:spMkLst>
+            <pc:docMk/>
+            <pc:sldMk cId="1520487891" sldId="412"/>
+            <ac:spMk id="6" creationId="{4B260472-D3F8-4DDD-8F65-AFECB9223496}"/>
+          </ac:spMkLst>
+        </pc:spChg>
+      </pc:sldChg>
+      <pc:sldChg chg="modSp mod">
+        <pc:chgData name="Hans Bartholomeus" userId="fdad893c-ea0f-4e18-a760-ac9a83339ccd" providerId="ADAL" clId="{25550FC0-1B1B-4314-8976-E78C75F6598E}" dt="2020-08-25T12:13:45.462" v="288" actId="20577"/>
+        <pc:sldMkLst>
+          <pc:docMk/>
+          <pc:sldMk cId="196390062" sldId="415"/>
+        </pc:sldMkLst>
+        <pc:spChg chg="mod">
+          <ac:chgData name="Hans Bartholomeus" userId="fdad893c-ea0f-4e18-a760-ac9a83339ccd" providerId="ADAL" clId="{25550FC0-1B1B-4314-8976-E78C75F6598E}" dt="2020-08-25T12:13:45.462" v="288" actId="20577"/>
+          <ac:spMkLst>
+            <pc:docMk/>
+            <pc:sldMk cId="196390062" sldId="415"/>
+            <ac:spMk id="3" creationId="{12E1FE41-66BC-4C52-BB7A-A5C70E75B2B5}"/>
+          </ac:spMkLst>
+        </pc:spChg>
+      </pc:sldChg>
+      <pc:sldChg chg="modSp mod">
+        <pc:chgData name="Hans Bartholomeus" userId="fdad893c-ea0f-4e18-a760-ac9a83339ccd" providerId="ADAL" clId="{25550FC0-1B1B-4314-8976-E78C75F6598E}" dt="2020-08-25T12:15:10.046" v="299" actId="1036"/>
+        <pc:sldMkLst>
+          <pc:docMk/>
+          <pc:sldMk cId="3167971348" sldId="418"/>
+        </pc:sldMkLst>
+        <pc:spChg chg="mod">
+          <ac:chgData name="Hans Bartholomeus" userId="fdad893c-ea0f-4e18-a760-ac9a83339ccd" providerId="ADAL" clId="{25550FC0-1B1B-4314-8976-E78C75F6598E}" dt="2020-08-25T12:15:10.046" v="299" actId="1036"/>
+          <ac:spMkLst>
+            <pc:docMk/>
+            <pc:sldMk cId="3167971348" sldId="418"/>
+            <ac:spMk id="7" creationId="{9E80DF38-C16E-408A-A522-0BDCA924DDF7}"/>
+          </ac:spMkLst>
+        </pc:spChg>
+      </pc:sldChg>
+      <pc:sldChg chg="modSp mod">
+        <pc:chgData name="Hans Bartholomeus" userId="fdad893c-ea0f-4e18-a760-ac9a83339ccd" providerId="ADAL" clId="{25550FC0-1B1B-4314-8976-E78C75F6598E}" dt="2020-08-25T12:16:25.188" v="320" actId="108"/>
+        <pc:sldMkLst>
+          <pc:docMk/>
+          <pc:sldMk cId="2378511427" sldId="419"/>
+        </pc:sldMkLst>
+        <pc:spChg chg="mod">
+          <ac:chgData name="Hans Bartholomeus" userId="fdad893c-ea0f-4e18-a760-ac9a83339ccd" providerId="ADAL" clId="{25550FC0-1B1B-4314-8976-E78C75F6598E}" dt="2020-08-25T12:16:25.188" v="320" actId="108"/>
+          <ac:spMkLst>
+            <pc:docMk/>
+            <pc:sldMk cId="2378511427" sldId="419"/>
+            <ac:spMk id="3" creationId="{DEBC61E4-AA7E-4BF7-B269-C10B0334C31B}"/>
+          </ac:spMkLst>
+        </pc:spChg>
+      </pc:sldChg>
+      <pc:sldChg chg="modSp">
+        <pc:chgData name="Hans Bartholomeus" userId="fdad893c-ea0f-4e18-a760-ac9a83339ccd" providerId="ADAL" clId="{25550FC0-1B1B-4314-8976-E78C75F6598E}" dt="2020-08-25T12:17:34.368" v="333" actId="20577"/>
+        <pc:sldMkLst>
+          <pc:docMk/>
+          <pc:sldMk cId="186737167" sldId="420"/>
+        </pc:sldMkLst>
+        <pc:spChg chg="mod">
+          <ac:chgData name="Hans Bartholomeus" userId="fdad893c-ea0f-4e18-a760-ac9a83339ccd" providerId="ADAL" clId="{25550FC0-1B1B-4314-8976-E78C75F6598E}" dt="2020-08-25T12:17:34.368" v="333" actId="20577"/>
+          <ac:spMkLst>
+            <pc:docMk/>
+            <pc:sldMk cId="186737167" sldId="420"/>
+            <ac:spMk id="3" creationId="{60C72D7F-806D-49D2-8D8B-EA0AD92142B0}"/>
+          </ac:spMkLst>
+        </pc:spChg>
+      </pc:sldChg>
+      <pc:sldChg chg="modSp mod">
+        <pc:chgData name="Hans Bartholomeus" userId="fdad893c-ea0f-4e18-a760-ac9a83339ccd" providerId="ADAL" clId="{25550FC0-1B1B-4314-8976-E78C75F6598E}" dt="2020-08-25T12:18:23.475" v="351" actId="20577"/>
+        <pc:sldMkLst>
+          <pc:docMk/>
+          <pc:sldMk cId="95761461" sldId="421"/>
+        </pc:sldMkLst>
+        <pc:spChg chg="mod">
+          <ac:chgData name="Hans Bartholomeus" userId="fdad893c-ea0f-4e18-a760-ac9a83339ccd" providerId="ADAL" clId="{25550FC0-1B1B-4314-8976-E78C75F6598E}" dt="2020-08-25T12:18:23.475" v="351" actId="20577"/>
+          <ac:spMkLst>
+            <pc:docMk/>
+            <pc:sldMk cId="95761461" sldId="421"/>
+            <ac:spMk id="3" creationId="{55FB72D3-F292-4F27-A72C-EB166EBEDEEA}"/>
+          </ac:spMkLst>
+        </pc:spChg>
+      </pc:sldChg>
+      <pc:sldChg chg="modSp mod">
+        <pc:chgData name="Hans Bartholomeus" userId="fdad893c-ea0f-4e18-a760-ac9a83339ccd" providerId="ADAL" clId="{25550FC0-1B1B-4314-8976-E78C75F6598E}" dt="2020-08-25T12:19:52.839" v="353" actId="20577"/>
+        <pc:sldMkLst>
+          <pc:docMk/>
+          <pc:sldMk cId="2777295993" sldId="424"/>
+        </pc:sldMkLst>
+        <pc:spChg chg="mod">
+          <ac:chgData name="Hans Bartholomeus" userId="fdad893c-ea0f-4e18-a760-ac9a83339ccd" providerId="ADAL" clId="{25550FC0-1B1B-4314-8976-E78C75F6598E}" dt="2020-08-25T12:19:52.839" v="353" actId="20577"/>
+          <ac:spMkLst>
+            <pc:docMk/>
+            <pc:sldMk cId="2777295993" sldId="424"/>
+            <ac:spMk id="3" creationId="{00000000-0000-0000-0000-000000000000}"/>
+          </ac:spMkLst>
+        </pc:spChg>
+      </pc:sldChg>
     </pc:docChg>
   </pc:docChgLst>
   <pc:docChgLst>
@@ -3103,320 +1961,1531 @@
     </pc:docChg>
   </pc:docChgLst>
   <pc:docChgLst>
-    <pc:chgData name="Hans Bartholomeus" userId="fdad893c-ea0f-4e18-a760-ac9a83339ccd" providerId="ADAL" clId="{25550FC0-1B1B-4314-8976-E78C75F6598E}"/>
-    <pc:docChg chg="custSel modSld">
-      <pc:chgData name="Hans Bartholomeus" userId="fdad893c-ea0f-4e18-a760-ac9a83339ccd" providerId="ADAL" clId="{25550FC0-1B1B-4314-8976-E78C75F6598E}" dt="2020-08-25T12:19:52.839" v="353" actId="20577"/>
+    <pc:chgData name="Christel Maes" userId="7e61469a-7c21-464c-bace-a1bda262211a" providerId="ADAL" clId="{DECCEE9B-912D-4854-9D6A-3558908B4FA9}"/>
+    <pc:docChg chg="delSld modSld">
+      <pc:chgData name="Christel Maes" userId="7e61469a-7c21-464c-bace-a1bda262211a" providerId="ADAL" clId="{DECCEE9B-912D-4854-9D6A-3558908B4FA9}" dt="2020-02-13T15:54:48.542" v="9" actId="20577"/>
       <pc:docMkLst>
         <pc:docMk/>
       </pc:docMkLst>
-      <pc:sldChg chg="modSp mod">
-        <pc:chgData name="Hans Bartholomeus" userId="fdad893c-ea0f-4e18-a760-ac9a83339ccd" providerId="ADAL" clId="{25550FC0-1B1B-4314-8976-E78C75F6598E}" dt="2020-08-25T11:37:32.613" v="0" actId="790"/>
+      <pc:sldChg chg="del">
+        <pc:chgData name="Christel Maes" userId="7e61469a-7c21-464c-bace-a1bda262211a" providerId="ADAL" clId="{DECCEE9B-912D-4854-9D6A-3558908B4FA9}" dt="2020-02-13T15:54:42.581" v="0" actId="47"/>
+        <pc:sldMkLst>
+          <pc:docMk/>
+          <pc:sldMk cId="54334544" sldId="256"/>
+        </pc:sldMkLst>
+      </pc:sldChg>
+      <pc:sldChg chg="del">
+        <pc:chgData name="Christel Maes" userId="7e61469a-7c21-464c-bace-a1bda262211a" providerId="ADAL" clId="{DECCEE9B-912D-4854-9D6A-3558908B4FA9}" dt="2020-02-13T15:54:42.581" v="0" actId="47"/>
+        <pc:sldMkLst>
+          <pc:docMk/>
+          <pc:sldMk cId="1055868665" sldId="257"/>
+        </pc:sldMkLst>
+      </pc:sldChg>
+      <pc:sldChg chg="del">
+        <pc:chgData name="Christel Maes" userId="7e61469a-7c21-464c-bace-a1bda262211a" providerId="ADAL" clId="{DECCEE9B-912D-4854-9D6A-3558908B4FA9}" dt="2020-02-13T15:54:42.581" v="0" actId="47"/>
+        <pc:sldMkLst>
+          <pc:docMk/>
+          <pc:sldMk cId="620147385" sldId="258"/>
+        </pc:sldMkLst>
+      </pc:sldChg>
+      <pc:sldChg chg="del">
+        <pc:chgData name="Christel Maes" userId="7e61469a-7c21-464c-bace-a1bda262211a" providerId="ADAL" clId="{DECCEE9B-912D-4854-9D6A-3558908B4FA9}" dt="2020-02-13T15:54:42.581" v="0" actId="47"/>
+        <pc:sldMkLst>
+          <pc:docMk/>
+          <pc:sldMk cId="2303287502" sldId="259"/>
+        </pc:sldMkLst>
+      </pc:sldChg>
+      <pc:sldChg chg="del">
+        <pc:chgData name="Christel Maes" userId="7e61469a-7c21-464c-bace-a1bda262211a" providerId="ADAL" clId="{DECCEE9B-912D-4854-9D6A-3558908B4FA9}" dt="2020-02-13T15:54:42.581" v="0" actId="47"/>
+        <pc:sldMkLst>
+          <pc:docMk/>
+          <pc:sldMk cId="1438263673" sldId="260"/>
+        </pc:sldMkLst>
+      </pc:sldChg>
+      <pc:sldChg chg="del">
+        <pc:chgData name="Christel Maes" userId="7e61469a-7c21-464c-bace-a1bda262211a" providerId="ADAL" clId="{DECCEE9B-912D-4854-9D6A-3558908B4FA9}" dt="2020-02-13T15:54:42.581" v="0" actId="47"/>
+        <pc:sldMkLst>
+          <pc:docMk/>
+          <pc:sldMk cId="3855885531" sldId="261"/>
+        </pc:sldMkLst>
+      </pc:sldChg>
+      <pc:sldChg chg="del">
+        <pc:chgData name="Christel Maes" userId="7e61469a-7c21-464c-bace-a1bda262211a" providerId="ADAL" clId="{DECCEE9B-912D-4854-9D6A-3558908B4FA9}" dt="2020-02-13T15:54:42.581" v="0" actId="47"/>
+        <pc:sldMkLst>
+          <pc:docMk/>
+          <pc:sldMk cId="2006118848" sldId="262"/>
+        </pc:sldMkLst>
+      </pc:sldChg>
+      <pc:sldChg chg="del">
+        <pc:chgData name="Christel Maes" userId="7e61469a-7c21-464c-bace-a1bda262211a" providerId="ADAL" clId="{DECCEE9B-912D-4854-9D6A-3558908B4FA9}" dt="2020-02-13T15:54:42.581" v="0" actId="47"/>
+        <pc:sldMkLst>
+          <pc:docMk/>
+          <pc:sldMk cId="977749703" sldId="263"/>
+        </pc:sldMkLst>
+      </pc:sldChg>
+      <pc:sldChg chg="del">
+        <pc:chgData name="Christel Maes" userId="7e61469a-7c21-464c-bace-a1bda262211a" providerId="ADAL" clId="{DECCEE9B-912D-4854-9D6A-3558908B4FA9}" dt="2020-02-13T15:54:42.581" v="0" actId="47"/>
+        <pc:sldMkLst>
+          <pc:docMk/>
+          <pc:sldMk cId="2290807259" sldId="264"/>
+        </pc:sldMkLst>
+      </pc:sldChg>
+      <pc:sldChg chg="del">
+        <pc:chgData name="Christel Maes" userId="7e61469a-7c21-464c-bace-a1bda262211a" providerId="ADAL" clId="{DECCEE9B-912D-4854-9D6A-3558908B4FA9}" dt="2020-02-13T15:54:42.581" v="0" actId="47"/>
+        <pc:sldMkLst>
+          <pc:docMk/>
+          <pc:sldMk cId="556707363" sldId="265"/>
+        </pc:sldMkLst>
+      </pc:sldChg>
+      <pc:sldChg chg="del">
+        <pc:chgData name="Christel Maes" userId="7e61469a-7c21-464c-bace-a1bda262211a" providerId="ADAL" clId="{DECCEE9B-912D-4854-9D6A-3558908B4FA9}" dt="2020-02-13T15:54:42.581" v="0" actId="47"/>
+        <pc:sldMkLst>
+          <pc:docMk/>
+          <pc:sldMk cId="112707644" sldId="266"/>
+        </pc:sldMkLst>
+      </pc:sldChg>
+      <pc:sldChg chg="del">
+        <pc:chgData name="Christel Maes" userId="7e61469a-7c21-464c-bace-a1bda262211a" providerId="ADAL" clId="{DECCEE9B-912D-4854-9D6A-3558908B4FA9}" dt="2020-02-13T15:54:42.581" v="0" actId="47"/>
+        <pc:sldMkLst>
+          <pc:docMk/>
+          <pc:sldMk cId="2513866126" sldId="267"/>
+        </pc:sldMkLst>
+      </pc:sldChg>
+      <pc:sldChg chg="del">
+        <pc:chgData name="Christel Maes" userId="7e61469a-7c21-464c-bace-a1bda262211a" providerId="ADAL" clId="{DECCEE9B-912D-4854-9D6A-3558908B4FA9}" dt="2020-02-13T15:54:42.581" v="0" actId="47"/>
+        <pc:sldMkLst>
+          <pc:docMk/>
+          <pc:sldMk cId="1292866038" sldId="268"/>
+        </pc:sldMkLst>
+      </pc:sldChg>
+      <pc:sldChg chg="del">
+        <pc:chgData name="Christel Maes" userId="7e61469a-7c21-464c-bace-a1bda262211a" providerId="ADAL" clId="{DECCEE9B-912D-4854-9D6A-3558908B4FA9}" dt="2020-02-13T15:54:42.581" v="0" actId="47"/>
+        <pc:sldMkLst>
+          <pc:docMk/>
+          <pc:sldMk cId="2667205004" sldId="269"/>
+        </pc:sldMkLst>
+      </pc:sldChg>
+      <pc:sldChg chg="del">
+        <pc:chgData name="Christel Maes" userId="7e61469a-7c21-464c-bace-a1bda262211a" providerId="ADAL" clId="{DECCEE9B-912D-4854-9D6A-3558908B4FA9}" dt="2020-02-13T15:54:42.581" v="0" actId="47"/>
+        <pc:sldMkLst>
+          <pc:docMk/>
+          <pc:sldMk cId="2718411288" sldId="270"/>
+        </pc:sldMkLst>
+      </pc:sldChg>
+      <pc:sldChg chg="del">
+        <pc:chgData name="Christel Maes" userId="7e61469a-7c21-464c-bace-a1bda262211a" providerId="ADAL" clId="{DECCEE9B-912D-4854-9D6A-3558908B4FA9}" dt="2020-02-13T15:54:42.581" v="0" actId="47"/>
+        <pc:sldMkLst>
+          <pc:docMk/>
+          <pc:sldMk cId="523898943" sldId="271"/>
+        </pc:sldMkLst>
+      </pc:sldChg>
+      <pc:sldChg chg="del">
+        <pc:chgData name="Christel Maes" userId="7e61469a-7c21-464c-bace-a1bda262211a" providerId="ADAL" clId="{DECCEE9B-912D-4854-9D6A-3558908B4FA9}" dt="2020-02-13T15:54:42.581" v="0" actId="47"/>
+        <pc:sldMkLst>
+          <pc:docMk/>
+          <pc:sldMk cId="448105480" sldId="272"/>
+        </pc:sldMkLst>
+      </pc:sldChg>
+      <pc:sldChg chg="del">
+        <pc:chgData name="Christel Maes" userId="7e61469a-7c21-464c-bace-a1bda262211a" providerId="ADAL" clId="{DECCEE9B-912D-4854-9D6A-3558908B4FA9}" dt="2020-02-13T15:54:42.581" v="0" actId="47"/>
+        <pc:sldMkLst>
+          <pc:docMk/>
+          <pc:sldMk cId="2442765326" sldId="273"/>
+        </pc:sldMkLst>
+      </pc:sldChg>
+      <pc:sldChg chg="del">
+        <pc:chgData name="Christel Maes" userId="7e61469a-7c21-464c-bace-a1bda262211a" providerId="ADAL" clId="{DECCEE9B-912D-4854-9D6A-3558908B4FA9}" dt="2020-02-13T15:54:42.581" v="0" actId="47"/>
+        <pc:sldMkLst>
+          <pc:docMk/>
+          <pc:sldMk cId="1505779418" sldId="274"/>
+        </pc:sldMkLst>
+      </pc:sldChg>
+      <pc:sldChg chg="del">
+        <pc:chgData name="Christel Maes" userId="7e61469a-7c21-464c-bace-a1bda262211a" providerId="ADAL" clId="{DECCEE9B-912D-4854-9D6A-3558908B4FA9}" dt="2020-02-13T15:54:42.581" v="0" actId="47"/>
+        <pc:sldMkLst>
+          <pc:docMk/>
+          <pc:sldMk cId="399813621" sldId="275"/>
+        </pc:sldMkLst>
+      </pc:sldChg>
+      <pc:sldChg chg="del">
+        <pc:chgData name="Christel Maes" userId="7e61469a-7c21-464c-bace-a1bda262211a" providerId="ADAL" clId="{DECCEE9B-912D-4854-9D6A-3558908B4FA9}" dt="2020-02-13T15:54:42.581" v="0" actId="47"/>
+        <pc:sldMkLst>
+          <pc:docMk/>
+          <pc:sldMk cId="2708364635" sldId="276"/>
+        </pc:sldMkLst>
+      </pc:sldChg>
+      <pc:sldChg chg="del">
+        <pc:chgData name="Christel Maes" userId="7e61469a-7c21-464c-bace-a1bda262211a" providerId="ADAL" clId="{DECCEE9B-912D-4854-9D6A-3558908B4FA9}" dt="2020-02-13T15:54:42.581" v="0" actId="47"/>
+        <pc:sldMkLst>
+          <pc:docMk/>
+          <pc:sldMk cId="937416680" sldId="277"/>
+        </pc:sldMkLst>
+      </pc:sldChg>
+      <pc:sldChg chg="del">
+        <pc:chgData name="Christel Maes" userId="7e61469a-7c21-464c-bace-a1bda262211a" providerId="ADAL" clId="{DECCEE9B-912D-4854-9D6A-3558908B4FA9}" dt="2020-02-13T15:54:42.581" v="0" actId="47"/>
+        <pc:sldMkLst>
+          <pc:docMk/>
+          <pc:sldMk cId="2442208220" sldId="278"/>
+        </pc:sldMkLst>
+      </pc:sldChg>
+      <pc:sldChg chg="del">
+        <pc:chgData name="Christel Maes" userId="7e61469a-7c21-464c-bace-a1bda262211a" providerId="ADAL" clId="{DECCEE9B-912D-4854-9D6A-3558908B4FA9}" dt="2020-02-13T15:54:42.581" v="0" actId="47"/>
+        <pc:sldMkLst>
+          <pc:docMk/>
+          <pc:sldMk cId="3473159973" sldId="279"/>
+        </pc:sldMkLst>
+      </pc:sldChg>
+      <pc:sldChg chg="del">
+        <pc:chgData name="Christel Maes" userId="7e61469a-7c21-464c-bace-a1bda262211a" providerId="ADAL" clId="{DECCEE9B-912D-4854-9D6A-3558908B4FA9}" dt="2020-02-13T15:54:42.581" v="0" actId="47"/>
+        <pc:sldMkLst>
+          <pc:docMk/>
+          <pc:sldMk cId="3707028608" sldId="280"/>
+        </pc:sldMkLst>
+      </pc:sldChg>
+      <pc:sldChg chg="del">
+        <pc:chgData name="Christel Maes" userId="7e61469a-7c21-464c-bace-a1bda262211a" providerId="ADAL" clId="{DECCEE9B-912D-4854-9D6A-3558908B4FA9}" dt="2020-02-13T15:54:42.581" v="0" actId="47"/>
+        <pc:sldMkLst>
+          <pc:docMk/>
+          <pc:sldMk cId="2497475297" sldId="281"/>
+        </pc:sldMkLst>
+      </pc:sldChg>
+      <pc:sldChg chg="del">
+        <pc:chgData name="Christel Maes" userId="7e61469a-7c21-464c-bace-a1bda262211a" providerId="ADAL" clId="{DECCEE9B-912D-4854-9D6A-3558908B4FA9}" dt="2020-02-13T15:54:42.581" v="0" actId="47"/>
+        <pc:sldMkLst>
+          <pc:docMk/>
+          <pc:sldMk cId="580256068" sldId="282"/>
+        </pc:sldMkLst>
+      </pc:sldChg>
+      <pc:sldChg chg="del">
+        <pc:chgData name="Christel Maes" userId="7e61469a-7c21-464c-bace-a1bda262211a" providerId="ADAL" clId="{DECCEE9B-912D-4854-9D6A-3558908B4FA9}" dt="2020-02-13T15:54:42.581" v="0" actId="47"/>
+        <pc:sldMkLst>
+          <pc:docMk/>
+          <pc:sldMk cId="4167317431" sldId="283"/>
+        </pc:sldMkLst>
+      </pc:sldChg>
+      <pc:sldChg chg="del">
+        <pc:chgData name="Christel Maes" userId="7e61469a-7c21-464c-bace-a1bda262211a" providerId="ADAL" clId="{DECCEE9B-912D-4854-9D6A-3558908B4FA9}" dt="2020-02-13T15:54:42.581" v="0" actId="47"/>
+        <pc:sldMkLst>
+          <pc:docMk/>
+          <pc:sldMk cId="76180516" sldId="284"/>
+        </pc:sldMkLst>
+      </pc:sldChg>
+      <pc:sldChg chg="del">
+        <pc:chgData name="Christel Maes" userId="7e61469a-7c21-464c-bace-a1bda262211a" providerId="ADAL" clId="{DECCEE9B-912D-4854-9D6A-3558908B4FA9}" dt="2020-02-13T15:54:42.581" v="0" actId="47"/>
+        <pc:sldMkLst>
+          <pc:docMk/>
+          <pc:sldMk cId="59728421" sldId="285"/>
+        </pc:sldMkLst>
+      </pc:sldChg>
+      <pc:sldChg chg="del">
+        <pc:chgData name="Christel Maes" userId="7e61469a-7c21-464c-bace-a1bda262211a" providerId="ADAL" clId="{DECCEE9B-912D-4854-9D6A-3558908B4FA9}" dt="2020-02-13T15:54:42.581" v="0" actId="47"/>
+        <pc:sldMkLst>
+          <pc:docMk/>
+          <pc:sldMk cId="4200910606" sldId="286"/>
+        </pc:sldMkLst>
+      </pc:sldChg>
+      <pc:sldChg chg="del">
+        <pc:chgData name="Christel Maes" userId="7e61469a-7c21-464c-bace-a1bda262211a" providerId="ADAL" clId="{DECCEE9B-912D-4854-9D6A-3558908B4FA9}" dt="2020-02-13T15:54:42.581" v="0" actId="47"/>
+        <pc:sldMkLst>
+          <pc:docMk/>
+          <pc:sldMk cId="4009331374" sldId="287"/>
+        </pc:sldMkLst>
+      </pc:sldChg>
+      <pc:sldChg chg="del">
+        <pc:chgData name="Christel Maes" userId="7e61469a-7c21-464c-bace-a1bda262211a" providerId="ADAL" clId="{DECCEE9B-912D-4854-9D6A-3558908B4FA9}" dt="2020-02-13T15:54:42.581" v="0" actId="47"/>
+        <pc:sldMkLst>
+          <pc:docMk/>
+          <pc:sldMk cId="43088005" sldId="288"/>
+        </pc:sldMkLst>
+      </pc:sldChg>
+      <pc:sldChg chg="del">
+        <pc:chgData name="Christel Maes" userId="7e61469a-7c21-464c-bace-a1bda262211a" providerId="ADAL" clId="{DECCEE9B-912D-4854-9D6A-3558908B4FA9}" dt="2020-02-13T15:54:42.581" v="0" actId="47"/>
+        <pc:sldMkLst>
+          <pc:docMk/>
+          <pc:sldMk cId="1022641883" sldId="289"/>
+        </pc:sldMkLst>
+      </pc:sldChg>
+      <pc:sldChg chg="del">
+        <pc:chgData name="Christel Maes" userId="7e61469a-7c21-464c-bace-a1bda262211a" providerId="ADAL" clId="{DECCEE9B-912D-4854-9D6A-3558908B4FA9}" dt="2020-02-13T15:54:42.581" v="0" actId="47"/>
+        <pc:sldMkLst>
+          <pc:docMk/>
+          <pc:sldMk cId="4294783759" sldId="290"/>
+        </pc:sldMkLst>
+      </pc:sldChg>
+      <pc:sldChg chg="del">
+        <pc:chgData name="Christel Maes" userId="7e61469a-7c21-464c-bace-a1bda262211a" providerId="ADAL" clId="{DECCEE9B-912D-4854-9D6A-3558908B4FA9}" dt="2020-02-13T15:54:42.581" v="0" actId="47"/>
+        <pc:sldMkLst>
+          <pc:docMk/>
+          <pc:sldMk cId="406789815" sldId="291"/>
+        </pc:sldMkLst>
+      </pc:sldChg>
+      <pc:sldChg chg="del">
+        <pc:chgData name="Christel Maes" userId="7e61469a-7c21-464c-bace-a1bda262211a" providerId="ADAL" clId="{DECCEE9B-912D-4854-9D6A-3558908B4FA9}" dt="2020-02-13T15:54:42.581" v="0" actId="47"/>
+        <pc:sldMkLst>
+          <pc:docMk/>
+          <pc:sldMk cId="3595008463" sldId="292"/>
+        </pc:sldMkLst>
+      </pc:sldChg>
+      <pc:sldChg chg="del">
+        <pc:chgData name="Christel Maes" userId="7e61469a-7c21-464c-bace-a1bda262211a" providerId="ADAL" clId="{DECCEE9B-912D-4854-9D6A-3558908B4FA9}" dt="2020-02-13T15:54:42.581" v="0" actId="47"/>
+        <pc:sldMkLst>
+          <pc:docMk/>
+          <pc:sldMk cId="4222728465" sldId="293"/>
+        </pc:sldMkLst>
+      </pc:sldChg>
+      <pc:sldChg chg="del">
+        <pc:chgData name="Christel Maes" userId="7e61469a-7c21-464c-bace-a1bda262211a" providerId="ADAL" clId="{DECCEE9B-912D-4854-9D6A-3558908B4FA9}" dt="2020-02-13T15:54:42.581" v="0" actId="47"/>
+        <pc:sldMkLst>
+          <pc:docMk/>
+          <pc:sldMk cId="2357875275" sldId="294"/>
+        </pc:sldMkLst>
+      </pc:sldChg>
+      <pc:sldChg chg="del">
+        <pc:chgData name="Christel Maes" userId="7e61469a-7c21-464c-bace-a1bda262211a" providerId="ADAL" clId="{DECCEE9B-912D-4854-9D6A-3558908B4FA9}" dt="2020-02-13T15:54:42.581" v="0" actId="47"/>
+        <pc:sldMkLst>
+          <pc:docMk/>
+          <pc:sldMk cId="2904059153" sldId="295"/>
+        </pc:sldMkLst>
+      </pc:sldChg>
+      <pc:sldChg chg="del">
+        <pc:chgData name="Christel Maes" userId="7e61469a-7c21-464c-bace-a1bda262211a" providerId="ADAL" clId="{DECCEE9B-912D-4854-9D6A-3558908B4FA9}" dt="2020-02-13T15:54:42.581" v="0" actId="47"/>
+        <pc:sldMkLst>
+          <pc:docMk/>
+          <pc:sldMk cId="1956145419" sldId="296"/>
+        </pc:sldMkLst>
+      </pc:sldChg>
+      <pc:sldChg chg="del">
+        <pc:chgData name="Christel Maes" userId="7e61469a-7c21-464c-bace-a1bda262211a" providerId="ADAL" clId="{DECCEE9B-912D-4854-9D6A-3558908B4FA9}" dt="2020-02-13T15:54:42.581" v="0" actId="47"/>
+        <pc:sldMkLst>
+          <pc:docMk/>
+          <pc:sldMk cId="1613200239" sldId="297"/>
+        </pc:sldMkLst>
+      </pc:sldChg>
+      <pc:sldChg chg="del">
+        <pc:chgData name="Christel Maes" userId="7e61469a-7c21-464c-bace-a1bda262211a" providerId="ADAL" clId="{DECCEE9B-912D-4854-9D6A-3558908B4FA9}" dt="2020-02-13T15:54:42.581" v="0" actId="47"/>
+        <pc:sldMkLst>
+          <pc:docMk/>
+          <pc:sldMk cId="3876857091" sldId="298"/>
+        </pc:sldMkLst>
+      </pc:sldChg>
+      <pc:sldChg chg="del">
+        <pc:chgData name="Christel Maes" userId="7e61469a-7c21-464c-bace-a1bda262211a" providerId="ADAL" clId="{DECCEE9B-912D-4854-9D6A-3558908B4FA9}" dt="2020-02-13T15:54:42.581" v="0" actId="47"/>
+        <pc:sldMkLst>
+          <pc:docMk/>
+          <pc:sldMk cId="2167334292" sldId="299"/>
+        </pc:sldMkLst>
+      </pc:sldChg>
+      <pc:sldChg chg="del">
+        <pc:chgData name="Christel Maes" userId="7e61469a-7c21-464c-bace-a1bda262211a" providerId="ADAL" clId="{DECCEE9B-912D-4854-9D6A-3558908B4FA9}" dt="2020-02-13T15:54:42.581" v="0" actId="47"/>
+        <pc:sldMkLst>
+          <pc:docMk/>
+          <pc:sldMk cId="3317549591" sldId="300"/>
+        </pc:sldMkLst>
+      </pc:sldChg>
+      <pc:sldChg chg="del">
+        <pc:chgData name="Christel Maes" userId="7e61469a-7c21-464c-bace-a1bda262211a" providerId="ADAL" clId="{DECCEE9B-912D-4854-9D6A-3558908B4FA9}" dt="2020-02-13T15:54:42.581" v="0" actId="47"/>
+        <pc:sldMkLst>
+          <pc:docMk/>
+          <pc:sldMk cId="4186174628" sldId="301"/>
+        </pc:sldMkLst>
+      </pc:sldChg>
+      <pc:sldChg chg="del">
+        <pc:chgData name="Christel Maes" userId="7e61469a-7c21-464c-bace-a1bda262211a" providerId="ADAL" clId="{DECCEE9B-912D-4854-9D6A-3558908B4FA9}" dt="2020-02-13T15:54:42.581" v="0" actId="47"/>
+        <pc:sldMkLst>
+          <pc:docMk/>
+          <pc:sldMk cId="524085819" sldId="302"/>
+        </pc:sldMkLst>
+      </pc:sldChg>
+      <pc:sldChg chg="del">
+        <pc:chgData name="Christel Maes" userId="7e61469a-7c21-464c-bace-a1bda262211a" providerId="ADAL" clId="{DECCEE9B-912D-4854-9D6A-3558908B4FA9}" dt="2020-02-13T15:54:42.581" v="0" actId="47"/>
+        <pc:sldMkLst>
+          <pc:docMk/>
+          <pc:sldMk cId="2011064558" sldId="303"/>
+        </pc:sldMkLst>
+      </pc:sldChg>
+      <pc:sldChg chg="del">
+        <pc:chgData name="Christel Maes" userId="7e61469a-7c21-464c-bace-a1bda262211a" providerId="ADAL" clId="{DECCEE9B-912D-4854-9D6A-3558908B4FA9}" dt="2020-02-13T15:54:42.581" v="0" actId="47"/>
+        <pc:sldMkLst>
+          <pc:docMk/>
+          <pc:sldMk cId="3814101728" sldId="304"/>
+        </pc:sldMkLst>
+      </pc:sldChg>
+      <pc:sldChg chg="del">
+        <pc:chgData name="Christel Maes" userId="7e61469a-7c21-464c-bace-a1bda262211a" providerId="ADAL" clId="{DECCEE9B-912D-4854-9D6A-3558908B4FA9}" dt="2020-02-13T15:54:42.581" v="0" actId="47"/>
+        <pc:sldMkLst>
+          <pc:docMk/>
+          <pc:sldMk cId="1088796419" sldId="305"/>
+        </pc:sldMkLst>
+      </pc:sldChg>
+      <pc:sldChg chg="del">
+        <pc:chgData name="Christel Maes" userId="7e61469a-7c21-464c-bace-a1bda262211a" providerId="ADAL" clId="{DECCEE9B-912D-4854-9D6A-3558908B4FA9}" dt="2020-02-13T15:54:42.581" v="0" actId="47"/>
+        <pc:sldMkLst>
+          <pc:docMk/>
+          <pc:sldMk cId="2208920561" sldId="306"/>
+        </pc:sldMkLst>
+      </pc:sldChg>
+      <pc:sldChg chg="del">
+        <pc:chgData name="Christel Maes" userId="7e61469a-7c21-464c-bace-a1bda262211a" providerId="ADAL" clId="{DECCEE9B-912D-4854-9D6A-3558908B4FA9}" dt="2020-02-13T15:54:42.581" v="0" actId="47"/>
+        <pc:sldMkLst>
+          <pc:docMk/>
+          <pc:sldMk cId="911337620" sldId="307"/>
+        </pc:sldMkLst>
+      </pc:sldChg>
+      <pc:sldChg chg="del">
+        <pc:chgData name="Christel Maes" userId="7e61469a-7c21-464c-bace-a1bda262211a" providerId="ADAL" clId="{DECCEE9B-912D-4854-9D6A-3558908B4FA9}" dt="2020-02-13T15:54:42.581" v="0" actId="47"/>
+        <pc:sldMkLst>
+          <pc:docMk/>
+          <pc:sldMk cId="46570853" sldId="308"/>
+        </pc:sldMkLst>
+      </pc:sldChg>
+      <pc:sldChg chg="del">
+        <pc:chgData name="Christel Maes" userId="7e61469a-7c21-464c-bace-a1bda262211a" providerId="ADAL" clId="{DECCEE9B-912D-4854-9D6A-3558908B4FA9}" dt="2020-02-13T15:54:42.581" v="0" actId="47"/>
+        <pc:sldMkLst>
+          <pc:docMk/>
+          <pc:sldMk cId="2531460558" sldId="309"/>
+        </pc:sldMkLst>
+      </pc:sldChg>
+      <pc:sldChg chg="del">
+        <pc:chgData name="Christel Maes" userId="7e61469a-7c21-464c-bace-a1bda262211a" providerId="ADAL" clId="{DECCEE9B-912D-4854-9D6A-3558908B4FA9}" dt="2020-02-13T15:54:42.581" v="0" actId="47"/>
+        <pc:sldMkLst>
+          <pc:docMk/>
+          <pc:sldMk cId="3374308686" sldId="310"/>
+        </pc:sldMkLst>
+      </pc:sldChg>
+      <pc:sldChg chg="del">
+        <pc:chgData name="Christel Maes" userId="7e61469a-7c21-464c-bace-a1bda262211a" providerId="ADAL" clId="{DECCEE9B-912D-4854-9D6A-3558908B4FA9}" dt="2020-02-13T15:54:42.581" v="0" actId="47"/>
+        <pc:sldMkLst>
+          <pc:docMk/>
+          <pc:sldMk cId="2488015683" sldId="311"/>
+        </pc:sldMkLst>
+      </pc:sldChg>
+      <pc:sldChg chg="del">
+        <pc:chgData name="Christel Maes" userId="7e61469a-7c21-464c-bace-a1bda262211a" providerId="ADAL" clId="{DECCEE9B-912D-4854-9D6A-3558908B4FA9}" dt="2020-02-13T15:54:42.581" v="0" actId="47"/>
+        <pc:sldMkLst>
+          <pc:docMk/>
+          <pc:sldMk cId="1517140393" sldId="312"/>
+        </pc:sldMkLst>
+      </pc:sldChg>
+      <pc:sldChg chg="del">
+        <pc:chgData name="Christel Maes" userId="7e61469a-7c21-464c-bace-a1bda262211a" providerId="ADAL" clId="{DECCEE9B-912D-4854-9D6A-3558908B4FA9}" dt="2020-02-13T15:54:42.581" v="0" actId="47"/>
+        <pc:sldMkLst>
+          <pc:docMk/>
+          <pc:sldMk cId="4048209516" sldId="313"/>
+        </pc:sldMkLst>
+      </pc:sldChg>
+      <pc:sldChg chg="del">
+        <pc:chgData name="Christel Maes" userId="7e61469a-7c21-464c-bace-a1bda262211a" providerId="ADAL" clId="{DECCEE9B-912D-4854-9D6A-3558908B4FA9}" dt="2020-02-13T15:54:42.581" v="0" actId="47"/>
+        <pc:sldMkLst>
+          <pc:docMk/>
+          <pc:sldMk cId="3024926684" sldId="314"/>
+        </pc:sldMkLst>
+      </pc:sldChg>
+      <pc:sldChg chg="del">
+        <pc:chgData name="Christel Maes" userId="7e61469a-7c21-464c-bace-a1bda262211a" providerId="ADAL" clId="{DECCEE9B-912D-4854-9D6A-3558908B4FA9}" dt="2020-02-13T15:54:42.581" v="0" actId="47"/>
+        <pc:sldMkLst>
+          <pc:docMk/>
+          <pc:sldMk cId="1078311508" sldId="315"/>
+        </pc:sldMkLst>
+      </pc:sldChg>
+      <pc:sldChg chg="del">
+        <pc:chgData name="Christel Maes" userId="7e61469a-7c21-464c-bace-a1bda262211a" providerId="ADAL" clId="{DECCEE9B-912D-4854-9D6A-3558908B4FA9}" dt="2020-02-13T15:54:42.581" v="0" actId="47"/>
+        <pc:sldMkLst>
+          <pc:docMk/>
+          <pc:sldMk cId="1803311581" sldId="316"/>
+        </pc:sldMkLst>
+      </pc:sldChg>
+      <pc:sldChg chg="del">
+        <pc:chgData name="Christel Maes" userId="7e61469a-7c21-464c-bace-a1bda262211a" providerId="ADAL" clId="{DECCEE9B-912D-4854-9D6A-3558908B4FA9}" dt="2020-02-13T15:54:42.581" v="0" actId="47"/>
+        <pc:sldMkLst>
+          <pc:docMk/>
+          <pc:sldMk cId="1905648038" sldId="317"/>
+        </pc:sldMkLst>
+      </pc:sldChg>
+      <pc:sldChg chg="del">
+        <pc:chgData name="Christel Maes" userId="7e61469a-7c21-464c-bace-a1bda262211a" providerId="ADAL" clId="{DECCEE9B-912D-4854-9D6A-3558908B4FA9}" dt="2020-02-13T15:54:42.581" v="0" actId="47"/>
+        <pc:sldMkLst>
+          <pc:docMk/>
+          <pc:sldMk cId="3182756895" sldId="318"/>
+        </pc:sldMkLst>
+      </pc:sldChg>
+      <pc:sldChg chg="del">
+        <pc:chgData name="Christel Maes" userId="7e61469a-7c21-464c-bace-a1bda262211a" providerId="ADAL" clId="{DECCEE9B-912D-4854-9D6A-3558908B4FA9}" dt="2020-02-13T15:54:42.581" v="0" actId="47"/>
+        <pc:sldMkLst>
+          <pc:docMk/>
+          <pc:sldMk cId="947904471" sldId="319"/>
+        </pc:sldMkLst>
+      </pc:sldChg>
+      <pc:sldChg chg="del">
+        <pc:chgData name="Christel Maes" userId="7e61469a-7c21-464c-bace-a1bda262211a" providerId="ADAL" clId="{DECCEE9B-912D-4854-9D6A-3558908B4FA9}" dt="2020-02-13T15:54:42.581" v="0" actId="47"/>
+        <pc:sldMkLst>
+          <pc:docMk/>
+          <pc:sldMk cId="562100808" sldId="320"/>
+        </pc:sldMkLst>
+      </pc:sldChg>
+      <pc:sldChg chg="del">
+        <pc:chgData name="Christel Maes" userId="7e61469a-7c21-464c-bace-a1bda262211a" providerId="ADAL" clId="{DECCEE9B-912D-4854-9D6A-3558908B4FA9}" dt="2020-02-13T15:54:42.581" v="0" actId="47"/>
+        <pc:sldMkLst>
+          <pc:docMk/>
+          <pc:sldMk cId="1156503486" sldId="321"/>
+        </pc:sldMkLst>
+      </pc:sldChg>
+      <pc:sldChg chg="del">
+        <pc:chgData name="Christel Maes" userId="7e61469a-7c21-464c-bace-a1bda262211a" providerId="ADAL" clId="{DECCEE9B-912D-4854-9D6A-3558908B4FA9}" dt="2020-02-13T15:54:42.581" v="0" actId="47"/>
+        <pc:sldMkLst>
+          <pc:docMk/>
+          <pc:sldMk cId="3808164008" sldId="322"/>
+        </pc:sldMkLst>
+      </pc:sldChg>
+      <pc:sldChg chg="del">
+        <pc:chgData name="Christel Maes" userId="7e61469a-7c21-464c-bace-a1bda262211a" providerId="ADAL" clId="{DECCEE9B-912D-4854-9D6A-3558908B4FA9}" dt="2020-02-13T15:54:42.581" v="0" actId="47"/>
+        <pc:sldMkLst>
+          <pc:docMk/>
+          <pc:sldMk cId="2016632305" sldId="323"/>
+        </pc:sldMkLst>
+      </pc:sldChg>
+      <pc:sldChg chg="del">
+        <pc:chgData name="Christel Maes" userId="7e61469a-7c21-464c-bace-a1bda262211a" providerId="ADAL" clId="{DECCEE9B-912D-4854-9D6A-3558908B4FA9}" dt="2020-02-13T15:54:42.581" v="0" actId="47"/>
+        <pc:sldMkLst>
+          <pc:docMk/>
+          <pc:sldMk cId="3783347161" sldId="324"/>
+        </pc:sldMkLst>
+      </pc:sldChg>
+      <pc:sldChg chg="del">
+        <pc:chgData name="Christel Maes" userId="7e61469a-7c21-464c-bace-a1bda262211a" providerId="ADAL" clId="{DECCEE9B-912D-4854-9D6A-3558908B4FA9}" dt="2020-02-13T15:54:42.581" v="0" actId="47"/>
+        <pc:sldMkLst>
+          <pc:docMk/>
+          <pc:sldMk cId="2142414191" sldId="325"/>
+        </pc:sldMkLst>
+      </pc:sldChg>
+      <pc:sldChg chg="del">
+        <pc:chgData name="Christel Maes" userId="7e61469a-7c21-464c-bace-a1bda262211a" providerId="ADAL" clId="{DECCEE9B-912D-4854-9D6A-3558908B4FA9}" dt="2020-02-13T15:54:42.581" v="0" actId="47"/>
+        <pc:sldMkLst>
+          <pc:docMk/>
+          <pc:sldMk cId="1117753684" sldId="326"/>
+        </pc:sldMkLst>
+      </pc:sldChg>
+      <pc:sldChg chg="del">
+        <pc:chgData name="Christel Maes" userId="7e61469a-7c21-464c-bace-a1bda262211a" providerId="ADAL" clId="{DECCEE9B-912D-4854-9D6A-3558908B4FA9}" dt="2020-02-13T15:54:42.581" v="0" actId="47"/>
+        <pc:sldMkLst>
+          <pc:docMk/>
+          <pc:sldMk cId="1429437477" sldId="327"/>
+        </pc:sldMkLst>
+      </pc:sldChg>
+      <pc:sldChg chg="del">
+        <pc:chgData name="Christel Maes" userId="7e61469a-7c21-464c-bace-a1bda262211a" providerId="ADAL" clId="{DECCEE9B-912D-4854-9D6A-3558908B4FA9}" dt="2020-02-13T15:54:42.581" v="0" actId="47"/>
+        <pc:sldMkLst>
+          <pc:docMk/>
+          <pc:sldMk cId="3413869346" sldId="328"/>
+        </pc:sldMkLst>
+      </pc:sldChg>
+      <pc:sldChg chg="del">
+        <pc:chgData name="Christel Maes" userId="7e61469a-7c21-464c-bace-a1bda262211a" providerId="ADAL" clId="{DECCEE9B-912D-4854-9D6A-3558908B4FA9}" dt="2020-02-13T15:54:42.581" v="0" actId="47"/>
+        <pc:sldMkLst>
+          <pc:docMk/>
+          <pc:sldMk cId="3651078787" sldId="329"/>
+        </pc:sldMkLst>
+      </pc:sldChg>
+      <pc:sldChg chg="del">
+        <pc:chgData name="Christel Maes" userId="7e61469a-7c21-464c-bace-a1bda262211a" providerId="ADAL" clId="{DECCEE9B-912D-4854-9D6A-3558908B4FA9}" dt="2020-02-13T15:54:42.581" v="0" actId="47"/>
+        <pc:sldMkLst>
+          <pc:docMk/>
+          <pc:sldMk cId="1934378523" sldId="330"/>
+        </pc:sldMkLst>
+      </pc:sldChg>
+      <pc:sldChg chg="del">
+        <pc:chgData name="Christel Maes" userId="7e61469a-7c21-464c-bace-a1bda262211a" providerId="ADAL" clId="{DECCEE9B-912D-4854-9D6A-3558908B4FA9}" dt="2020-02-13T15:54:42.581" v="0" actId="47"/>
+        <pc:sldMkLst>
+          <pc:docMk/>
+          <pc:sldMk cId="1064636568" sldId="331"/>
+        </pc:sldMkLst>
+      </pc:sldChg>
+      <pc:sldChg chg="del">
+        <pc:chgData name="Christel Maes" userId="7e61469a-7c21-464c-bace-a1bda262211a" providerId="ADAL" clId="{DECCEE9B-912D-4854-9D6A-3558908B4FA9}" dt="2020-02-13T15:54:42.581" v="0" actId="47"/>
+        <pc:sldMkLst>
+          <pc:docMk/>
+          <pc:sldMk cId="1592028612" sldId="332"/>
+        </pc:sldMkLst>
+      </pc:sldChg>
+      <pc:sldChg chg="del">
+        <pc:chgData name="Christel Maes" userId="7e61469a-7c21-464c-bace-a1bda262211a" providerId="ADAL" clId="{DECCEE9B-912D-4854-9D6A-3558908B4FA9}" dt="2020-02-13T15:54:42.581" v="0" actId="47"/>
+        <pc:sldMkLst>
+          <pc:docMk/>
+          <pc:sldMk cId="1100755747" sldId="333"/>
+        </pc:sldMkLst>
+      </pc:sldChg>
+      <pc:sldChg chg="del">
+        <pc:chgData name="Christel Maes" userId="7e61469a-7c21-464c-bace-a1bda262211a" providerId="ADAL" clId="{DECCEE9B-912D-4854-9D6A-3558908B4FA9}" dt="2020-02-13T15:54:42.581" v="0" actId="47"/>
+        <pc:sldMkLst>
+          <pc:docMk/>
+          <pc:sldMk cId="144764828" sldId="334"/>
+        </pc:sldMkLst>
+      </pc:sldChg>
+      <pc:sldChg chg="del">
+        <pc:chgData name="Christel Maes" userId="7e61469a-7c21-464c-bace-a1bda262211a" providerId="ADAL" clId="{DECCEE9B-912D-4854-9D6A-3558908B4FA9}" dt="2020-02-13T15:54:42.581" v="0" actId="47"/>
+        <pc:sldMkLst>
+          <pc:docMk/>
+          <pc:sldMk cId="3016154555" sldId="335"/>
+        </pc:sldMkLst>
+      </pc:sldChg>
+      <pc:sldChg chg="del">
+        <pc:chgData name="Christel Maes" userId="7e61469a-7c21-464c-bace-a1bda262211a" providerId="ADAL" clId="{DECCEE9B-912D-4854-9D6A-3558908B4FA9}" dt="2020-02-13T15:54:42.581" v="0" actId="47"/>
+        <pc:sldMkLst>
+          <pc:docMk/>
+          <pc:sldMk cId="656598503" sldId="336"/>
+        </pc:sldMkLst>
+      </pc:sldChg>
+      <pc:sldChg chg="del">
+        <pc:chgData name="Christel Maes" userId="7e61469a-7c21-464c-bace-a1bda262211a" providerId="ADAL" clId="{DECCEE9B-912D-4854-9D6A-3558908B4FA9}" dt="2020-02-13T15:54:42.581" v="0" actId="47"/>
+        <pc:sldMkLst>
+          <pc:docMk/>
+          <pc:sldMk cId="1246612953" sldId="337"/>
+        </pc:sldMkLst>
+      </pc:sldChg>
+      <pc:sldChg chg="del">
+        <pc:chgData name="Christel Maes" userId="7e61469a-7c21-464c-bace-a1bda262211a" providerId="ADAL" clId="{DECCEE9B-912D-4854-9D6A-3558908B4FA9}" dt="2020-02-13T15:54:42.581" v="0" actId="47"/>
+        <pc:sldMkLst>
+          <pc:docMk/>
+          <pc:sldMk cId="1602889662" sldId="338"/>
+        </pc:sldMkLst>
+      </pc:sldChg>
+      <pc:sldChg chg="del">
+        <pc:chgData name="Christel Maes" userId="7e61469a-7c21-464c-bace-a1bda262211a" providerId="ADAL" clId="{DECCEE9B-912D-4854-9D6A-3558908B4FA9}" dt="2020-02-13T15:54:42.581" v="0" actId="47"/>
+        <pc:sldMkLst>
+          <pc:docMk/>
+          <pc:sldMk cId="4032910288" sldId="339"/>
+        </pc:sldMkLst>
+      </pc:sldChg>
+      <pc:sldChg chg="del">
+        <pc:chgData name="Christel Maes" userId="7e61469a-7c21-464c-bace-a1bda262211a" providerId="ADAL" clId="{DECCEE9B-912D-4854-9D6A-3558908B4FA9}" dt="2020-02-13T15:54:42.581" v="0" actId="47"/>
+        <pc:sldMkLst>
+          <pc:docMk/>
+          <pc:sldMk cId="3937273183" sldId="340"/>
+        </pc:sldMkLst>
+      </pc:sldChg>
+      <pc:sldChg chg="del">
+        <pc:chgData name="Christel Maes" userId="7e61469a-7c21-464c-bace-a1bda262211a" providerId="ADAL" clId="{DECCEE9B-912D-4854-9D6A-3558908B4FA9}" dt="2020-02-13T15:54:42.581" v="0" actId="47"/>
+        <pc:sldMkLst>
+          <pc:docMk/>
+          <pc:sldMk cId="3723926041" sldId="341"/>
+        </pc:sldMkLst>
+      </pc:sldChg>
+      <pc:sldChg chg="del">
+        <pc:chgData name="Christel Maes" userId="7e61469a-7c21-464c-bace-a1bda262211a" providerId="ADAL" clId="{DECCEE9B-912D-4854-9D6A-3558908B4FA9}" dt="2020-02-13T15:54:42.581" v="0" actId="47"/>
+        <pc:sldMkLst>
+          <pc:docMk/>
+          <pc:sldMk cId="3464027270" sldId="342"/>
+        </pc:sldMkLst>
+      </pc:sldChg>
+      <pc:sldChg chg="del">
+        <pc:chgData name="Christel Maes" userId="7e61469a-7c21-464c-bace-a1bda262211a" providerId="ADAL" clId="{DECCEE9B-912D-4854-9D6A-3558908B4FA9}" dt="2020-02-13T15:54:42.581" v="0" actId="47"/>
+        <pc:sldMkLst>
+          <pc:docMk/>
+          <pc:sldMk cId="1543302064" sldId="343"/>
+        </pc:sldMkLst>
+      </pc:sldChg>
+      <pc:sldChg chg="del">
+        <pc:chgData name="Christel Maes" userId="7e61469a-7c21-464c-bace-a1bda262211a" providerId="ADAL" clId="{DECCEE9B-912D-4854-9D6A-3558908B4FA9}" dt="2020-02-13T15:54:42.581" v="0" actId="47"/>
+        <pc:sldMkLst>
+          <pc:docMk/>
+          <pc:sldMk cId="3669195357" sldId="344"/>
+        </pc:sldMkLst>
+      </pc:sldChg>
+      <pc:sldChg chg="del">
+        <pc:chgData name="Christel Maes" userId="7e61469a-7c21-464c-bace-a1bda262211a" providerId="ADAL" clId="{DECCEE9B-912D-4854-9D6A-3558908B4FA9}" dt="2020-02-13T15:54:42.581" v="0" actId="47"/>
+        <pc:sldMkLst>
+          <pc:docMk/>
+          <pc:sldMk cId="2127847359" sldId="345"/>
+        </pc:sldMkLst>
+      </pc:sldChg>
+      <pc:sldChg chg="del">
+        <pc:chgData name="Christel Maes" userId="7e61469a-7c21-464c-bace-a1bda262211a" providerId="ADAL" clId="{DECCEE9B-912D-4854-9D6A-3558908B4FA9}" dt="2020-02-13T15:54:42.581" v="0" actId="47"/>
+        <pc:sldMkLst>
+          <pc:docMk/>
+          <pc:sldMk cId="3545147380" sldId="346"/>
+        </pc:sldMkLst>
+      </pc:sldChg>
+      <pc:sldChg chg="del">
+        <pc:chgData name="Christel Maes" userId="7e61469a-7c21-464c-bace-a1bda262211a" providerId="ADAL" clId="{DECCEE9B-912D-4854-9D6A-3558908B4FA9}" dt="2020-02-13T15:54:42.581" v="0" actId="47"/>
+        <pc:sldMkLst>
+          <pc:docMk/>
+          <pc:sldMk cId="1983722418" sldId="347"/>
+        </pc:sldMkLst>
+      </pc:sldChg>
+      <pc:sldChg chg="del">
+        <pc:chgData name="Christel Maes" userId="7e61469a-7c21-464c-bace-a1bda262211a" providerId="ADAL" clId="{DECCEE9B-912D-4854-9D6A-3558908B4FA9}" dt="2020-02-13T15:54:42.581" v="0" actId="47"/>
+        <pc:sldMkLst>
+          <pc:docMk/>
+          <pc:sldMk cId="4077165117" sldId="348"/>
+        </pc:sldMkLst>
+      </pc:sldChg>
+      <pc:sldChg chg="del">
+        <pc:chgData name="Christel Maes" userId="7e61469a-7c21-464c-bace-a1bda262211a" providerId="ADAL" clId="{DECCEE9B-912D-4854-9D6A-3558908B4FA9}" dt="2020-02-13T15:54:42.581" v="0" actId="47"/>
+        <pc:sldMkLst>
+          <pc:docMk/>
+          <pc:sldMk cId="1917669945" sldId="349"/>
+        </pc:sldMkLst>
+      </pc:sldChg>
+      <pc:sldChg chg="del">
+        <pc:chgData name="Christel Maes" userId="7e61469a-7c21-464c-bace-a1bda262211a" providerId="ADAL" clId="{DECCEE9B-912D-4854-9D6A-3558908B4FA9}" dt="2020-02-13T15:54:42.581" v="0" actId="47"/>
+        <pc:sldMkLst>
+          <pc:docMk/>
+          <pc:sldMk cId="2218130536" sldId="350"/>
+        </pc:sldMkLst>
+      </pc:sldChg>
+      <pc:sldChg chg="del">
+        <pc:chgData name="Christel Maes" userId="7e61469a-7c21-464c-bace-a1bda262211a" providerId="ADAL" clId="{DECCEE9B-912D-4854-9D6A-3558908B4FA9}" dt="2020-02-13T15:54:42.581" v="0" actId="47"/>
+        <pc:sldMkLst>
+          <pc:docMk/>
+          <pc:sldMk cId="802877074" sldId="351"/>
+        </pc:sldMkLst>
+      </pc:sldChg>
+      <pc:sldChg chg="del">
+        <pc:chgData name="Christel Maes" userId="7e61469a-7c21-464c-bace-a1bda262211a" providerId="ADAL" clId="{DECCEE9B-912D-4854-9D6A-3558908B4FA9}" dt="2020-02-13T15:54:42.581" v="0" actId="47"/>
+        <pc:sldMkLst>
+          <pc:docMk/>
+          <pc:sldMk cId="1043037631" sldId="352"/>
+        </pc:sldMkLst>
+      </pc:sldChg>
+      <pc:sldChg chg="del">
+        <pc:chgData name="Christel Maes" userId="7e61469a-7c21-464c-bace-a1bda262211a" providerId="ADAL" clId="{DECCEE9B-912D-4854-9D6A-3558908B4FA9}" dt="2020-02-13T15:54:42.581" v="0" actId="47"/>
+        <pc:sldMkLst>
+          <pc:docMk/>
+          <pc:sldMk cId="3228618666" sldId="353"/>
+        </pc:sldMkLst>
+      </pc:sldChg>
+      <pc:sldChg chg="del">
+        <pc:chgData name="Christel Maes" userId="7e61469a-7c21-464c-bace-a1bda262211a" providerId="ADAL" clId="{DECCEE9B-912D-4854-9D6A-3558908B4FA9}" dt="2020-02-13T15:54:42.581" v="0" actId="47"/>
+        <pc:sldMkLst>
+          <pc:docMk/>
+          <pc:sldMk cId="2506921208" sldId="354"/>
+        </pc:sldMkLst>
+      </pc:sldChg>
+      <pc:sldChg chg="del">
+        <pc:chgData name="Christel Maes" userId="7e61469a-7c21-464c-bace-a1bda262211a" providerId="ADAL" clId="{DECCEE9B-912D-4854-9D6A-3558908B4FA9}" dt="2020-02-13T15:54:42.581" v="0" actId="47"/>
+        <pc:sldMkLst>
+          <pc:docMk/>
+          <pc:sldMk cId="502674860" sldId="355"/>
+        </pc:sldMkLst>
+      </pc:sldChg>
+      <pc:sldChg chg="del">
+        <pc:chgData name="Christel Maes" userId="7e61469a-7c21-464c-bace-a1bda262211a" providerId="ADAL" clId="{DECCEE9B-912D-4854-9D6A-3558908B4FA9}" dt="2020-02-13T15:54:42.581" v="0" actId="47"/>
+        <pc:sldMkLst>
+          <pc:docMk/>
+          <pc:sldMk cId="2681611279" sldId="356"/>
+        </pc:sldMkLst>
+      </pc:sldChg>
+      <pc:sldChg chg="del">
+        <pc:chgData name="Christel Maes" userId="7e61469a-7c21-464c-bace-a1bda262211a" providerId="ADAL" clId="{DECCEE9B-912D-4854-9D6A-3558908B4FA9}" dt="2020-02-13T15:54:42.581" v="0" actId="47"/>
+        <pc:sldMkLst>
+          <pc:docMk/>
+          <pc:sldMk cId="4136785010" sldId="357"/>
+        </pc:sldMkLst>
+      </pc:sldChg>
+      <pc:sldChg chg="del">
+        <pc:chgData name="Christel Maes" userId="7e61469a-7c21-464c-bace-a1bda262211a" providerId="ADAL" clId="{DECCEE9B-912D-4854-9D6A-3558908B4FA9}" dt="2020-02-13T15:54:42.581" v="0" actId="47"/>
+        <pc:sldMkLst>
+          <pc:docMk/>
+          <pc:sldMk cId="3345094231" sldId="358"/>
+        </pc:sldMkLst>
+      </pc:sldChg>
+      <pc:sldChg chg="del">
+        <pc:chgData name="Christel Maes" userId="7e61469a-7c21-464c-bace-a1bda262211a" providerId="ADAL" clId="{DECCEE9B-912D-4854-9D6A-3558908B4FA9}" dt="2020-02-13T15:54:42.581" v="0" actId="47"/>
+        <pc:sldMkLst>
+          <pc:docMk/>
+          <pc:sldMk cId="1848413618" sldId="359"/>
+        </pc:sldMkLst>
+      </pc:sldChg>
+      <pc:sldChg chg="del">
+        <pc:chgData name="Christel Maes" userId="7e61469a-7c21-464c-bace-a1bda262211a" providerId="ADAL" clId="{DECCEE9B-912D-4854-9D6A-3558908B4FA9}" dt="2020-02-13T15:54:42.581" v="0" actId="47"/>
+        <pc:sldMkLst>
+          <pc:docMk/>
+          <pc:sldMk cId="3064109824" sldId="360"/>
+        </pc:sldMkLst>
+      </pc:sldChg>
+      <pc:sldChg chg="del">
+        <pc:chgData name="Christel Maes" userId="7e61469a-7c21-464c-bace-a1bda262211a" providerId="ADAL" clId="{DECCEE9B-912D-4854-9D6A-3558908B4FA9}" dt="2020-02-13T15:54:42.581" v="0" actId="47"/>
+        <pc:sldMkLst>
+          <pc:docMk/>
+          <pc:sldMk cId="1107403542" sldId="361"/>
+        </pc:sldMkLst>
+      </pc:sldChg>
+      <pc:sldChg chg="del">
+        <pc:chgData name="Christel Maes" userId="7e61469a-7c21-464c-bace-a1bda262211a" providerId="ADAL" clId="{DECCEE9B-912D-4854-9D6A-3558908B4FA9}" dt="2020-02-13T15:54:42.581" v="0" actId="47"/>
+        <pc:sldMkLst>
+          <pc:docMk/>
+          <pc:sldMk cId="1831006325" sldId="362"/>
+        </pc:sldMkLst>
+      </pc:sldChg>
+      <pc:sldChg chg="del">
+        <pc:chgData name="Christel Maes" userId="7e61469a-7c21-464c-bace-a1bda262211a" providerId="ADAL" clId="{DECCEE9B-912D-4854-9D6A-3558908B4FA9}" dt="2020-02-13T15:54:42.581" v="0" actId="47"/>
+        <pc:sldMkLst>
+          <pc:docMk/>
+          <pc:sldMk cId="3689873442" sldId="363"/>
+        </pc:sldMkLst>
+      </pc:sldChg>
+      <pc:sldChg chg="del">
+        <pc:chgData name="Christel Maes" userId="7e61469a-7c21-464c-bace-a1bda262211a" providerId="ADAL" clId="{DECCEE9B-912D-4854-9D6A-3558908B4FA9}" dt="2020-02-13T15:54:42.581" v="0" actId="47"/>
+        <pc:sldMkLst>
+          <pc:docMk/>
+          <pc:sldMk cId="3324110288" sldId="364"/>
+        </pc:sldMkLst>
+      </pc:sldChg>
+      <pc:sldChg chg="del">
+        <pc:chgData name="Christel Maes" userId="7e61469a-7c21-464c-bace-a1bda262211a" providerId="ADAL" clId="{DECCEE9B-912D-4854-9D6A-3558908B4FA9}" dt="2020-02-13T15:54:42.581" v="0" actId="47"/>
+        <pc:sldMkLst>
+          <pc:docMk/>
+          <pc:sldMk cId="91678138" sldId="365"/>
+        </pc:sldMkLst>
+      </pc:sldChg>
+      <pc:sldChg chg="del">
+        <pc:chgData name="Christel Maes" userId="7e61469a-7c21-464c-bace-a1bda262211a" providerId="ADAL" clId="{DECCEE9B-912D-4854-9D6A-3558908B4FA9}" dt="2020-02-13T15:54:42.581" v="0" actId="47"/>
+        <pc:sldMkLst>
+          <pc:docMk/>
+          <pc:sldMk cId="748743706" sldId="366"/>
+        </pc:sldMkLst>
+      </pc:sldChg>
+      <pc:sldChg chg="del">
+        <pc:chgData name="Christel Maes" userId="7e61469a-7c21-464c-bace-a1bda262211a" providerId="ADAL" clId="{DECCEE9B-912D-4854-9D6A-3558908B4FA9}" dt="2020-02-13T15:54:42.581" v="0" actId="47"/>
+        <pc:sldMkLst>
+          <pc:docMk/>
+          <pc:sldMk cId="86436684" sldId="367"/>
+        </pc:sldMkLst>
+      </pc:sldChg>
+      <pc:sldChg chg="del">
+        <pc:chgData name="Christel Maes" userId="7e61469a-7c21-464c-bace-a1bda262211a" providerId="ADAL" clId="{DECCEE9B-912D-4854-9D6A-3558908B4FA9}" dt="2020-02-13T15:54:42.581" v="0" actId="47"/>
+        <pc:sldMkLst>
+          <pc:docMk/>
+          <pc:sldMk cId="3629507239" sldId="368"/>
+        </pc:sldMkLst>
+      </pc:sldChg>
+      <pc:sldChg chg="del">
+        <pc:chgData name="Christel Maes" userId="7e61469a-7c21-464c-bace-a1bda262211a" providerId="ADAL" clId="{DECCEE9B-912D-4854-9D6A-3558908B4FA9}" dt="2020-02-13T15:54:42.581" v="0" actId="47"/>
+        <pc:sldMkLst>
+          <pc:docMk/>
+          <pc:sldMk cId="3248364615" sldId="369"/>
+        </pc:sldMkLst>
+      </pc:sldChg>
+      <pc:sldChg chg="del">
+        <pc:chgData name="Christel Maes" userId="7e61469a-7c21-464c-bace-a1bda262211a" providerId="ADAL" clId="{DECCEE9B-912D-4854-9D6A-3558908B4FA9}" dt="2020-02-13T15:54:42.581" v="0" actId="47"/>
+        <pc:sldMkLst>
+          <pc:docMk/>
+          <pc:sldMk cId="2951010051" sldId="370"/>
+        </pc:sldMkLst>
+      </pc:sldChg>
+      <pc:sldChg chg="del">
+        <pc:chgData name="Christel Maes" userId="7e61469a-7c21-464c-bace-a1bda262211a" providerId="ADAL" clId="{DECCEE9B-912D-4854-9D6A-3558908B4FA9}" dt="2020-02-13T15:54:42.581" v="0" actId="47"/>
+        <pc:sldMkLst>
+          <pc:docMk/>
+          <pc:sldMk cId="3100576318" sldId="371"/>
+        </pc:sldMkLst>
+      </pc:sldChg>
+      <pc:sldChg chg="del">
+        <pc:chgData name="Christel Maes" userId="7e61469a-7c21-464c-bace-a1bda262211a" providerId="ADAL" clId="{DECCEE9B-912D-4854-9D6A-3558908B4FA9}" dt="2020-02-13T15:54:42.581" v="0" actId="47"/>
+        <pc:sldMkLst>
+          <pc:docMk/>
+          <pc:sldMk cId="516730407" sldId="372"/>
+        </pc:sldMkLst>
+      </pc:sldChg>
+      <pc:sldChg chg="del">
+        <pc:chgData name="Christel Maes" userId="7e61469a-7c21-464c-bace-a1bda262211a" providerId="ADAL" clId="{DECCEE9B-912D-4854-9D6A-3558908B4FA9}" dt="2020-02-13T15:54:42.581" v="0" actId="47"/>
+        <pc:sldMkLst>
+          <pc:docMk/>
+          <pc:sldMk cId="2998353248" sldId="373"/>
+        </pc:sldMkLst>
+      </pc:sldChg>
+      <pc:sldChg chg="del">
+        <pc:chgData name="Christel Maes" userId="7e61469a-7c21-464c-bace-a1bda262211a" providerId="ADAL" clId="{DECCEE9B-912D-4854-9D6A-3558908B4FA9}" dt="2020-02-13T15:54:42.581" v="0" actId="47"/>
+        <pc:sldMkLst>
+          <pc:docMk/>
+          <pc:sldMk cId="3037424715" sldId="374"/>
+        </pc:sldMkLst>
+      </pc:sldChg>
+      <pc:sldChg chg="del">
+        <pc:chgData name="Christel Maes" userId="7e61469a-7c21-464c-bace-a1bda262211a" providerId="ADAL" clId="{DECCEE9B-912D-4854-9D6A-3558908B4FA9}" dt="2020-02-13T15:54:42.581" v="0" actId="47"/>
+        <pc:sldMkLst>
+          <pc:docMk/>
+          <pc:sldMk cId="370688825" sldId="375"/>
+        </pc:sldMkLst>
+      </pc:sldChg>
+      <pc:sldChg chg="del">
+        <pc:chgData name="Christel Maes" userId="7e61469a-7c21-464c-bace-a1bda262211a" providerId="ADAL" clId="{DECCEE9B-912D-4854-9D6A-3558908B4FA9}" dt="2020-02-13T15:54:42.581" v="0" actId="47"/>
+        <pc:sldMkLst>
+          <pc:docMk/>
+          <pc:sldMk cId="1593611673" sldId="376"/>
+        </pc:sldMkLst>
+      </pc:sldChg>
+      <pc:sldChg chg="del">
+        <pc:chgData name="Christel Maes" userId="7e61469a-7c21-464c-bace-a1bda262211a" providerId="ADAL" clId="{DECCEE9B-912D-4854-9D6A-3558908B4FA9}" dt="2020-02-13T15:54:42.581" v="0" actId="47"/>
+        <pc:sldMkLst>
+          <pc:docMk/>
+          <pc:sldMk cId="3383447715" sldId="377"/>
+        </pc:sldMkLst>
+      </pc:sldChg>
+      <pc:sldChg chg="del">
+        <pc:chgData name="Christel Maes" userId="7e61469a-7c21-464c-bace-a1bda262211a" providerId="ADAL" clId="{DECCEE9B-912D-4854-9D6A-3558908B4FA9}" dt="2020-02-13T15:54:42.581" v="0" actId="47"/>
+        <pc:sldMkLst>
+          <pc:docMk/>
+          <pc:sldMk cId="2331350841" sldId="378"/>
+        </pc:sldMkLst>
+      </pc:sldChg>
+      <pc:sldChg chg="del">
+        <pc:chgData name="Christel Maes" userId="7e61469a-7c21-464c-bace-a1bda262211a" providerId="ADAL" clId="{DECCEE9B-912D-4854-9D6A-3558908B4FA9}" dt="2020-02-13T15:54:42.581" v="0" actId="47"/>
+        <pc:sldMkLst>
+          <pc:docMk/>
+          <pc:sldMk cId="1254915660" sldId="379"/>
+        </pc:sldMkLst>
+      </pc:sldChg>
+      <pc:sldChg chg="del">
+        <pc:chgData name="Christel Maes" userId="7e61469a-7c21-464c-bace-a1bda262211a" providerId="ADAL" clId="{DECCEE9B-912D-4854-9D6A-3558908B4FA9}" dt="2020-02-13T15:54:42.581" v="0" actId="47"/>
+        <pc:sldMkLst>
+          <pc:docMk/>
+          <pc:sldMk cId="4212797311" sldId="380"/>
+        </pc:sldMkLst>
+      </pc:sldChg>
+      <pc:sldChg chg="del">
+        <pc:chgData name="Christel Maes" userId="7e61469a-7c21-464c-bace-a1bda262211a" providerId="ADAL" clId="{DECCEE9B-912D-4854-9D6A-3558908B4FA9}" dt="2020-02-13T15:54:42.581" v="0" actId="47"/>
+        <pc:sldMkLst>
+          <pc:docMk/>
+          <pc:sldMk cId="1566779199" sldId="381"/>
+        </pc:sldMkLst>
+      </pc:sldChg>
+      <pc:sldChg chg="del">
+        <pc:chgData name="Christel Maes" userId="7e61469a-7c21-464c-bace-a1bda262211a" providerId="ADAL" clId="{DECCEE9B-912D-4854-9D6A-3558908B4FA9}" dt="2020-02-13T15:54:42.581" v="0" actId="47"/>
+        <pc:sldMkLst>
+          <pc:docMk/>
+          <pc:sldMk cId="1166803639" sldId="382"/>
+        </pc:sldMkLst>
+      </pc:sldChg>
+      <pc:sldChg chg="del">
+        <pc:chgData name="Christel Maes" userId="7e61469a-7c21-464c-bace-a1bda262211a" providerId="ADAL" clId="{DECCEE9B-912D-4854-9D6A-3558908B4FA9}" dt="2020-02-13T15:54:42.581" v="0" actId="47"/>
+        <pc:sldMkLst>
+          <pc:docMk/>
+          <pc:sldMk cId="1087261940" sldId="383"/>
+        </pc:sldMkLst>
+      </pc:sldChg>
+      <pc:sldChg chg="del">
+        <pc:chgData name="Christel Maes" userId="7e61469a-7c21-464c-bace-a1bda262211a" providerId="ADAL" clId="{DECCEE9B-912D-4854-9D6A-3558908B4FA9}" dt="2020-02-13T15:54:42.581" v="0" actId="47"/>
+        <pc:sldMkLst>
+          <pc:docMk/>
+          <pc:sldMk cId="3318822371" sldId="384"/>
+        </pc:sldMkLst>
+      </pc:sldChg>
+      <pc:sldChg chg="del">
+        <pc:chgData name="Christel Maes" userId="7e61469a-7c21-464c-bace-a1bda262211a" providerId="ADAL" clId="{DECCEE9B-912D-4854-9D6A-3558908B4FA9}" dt="2020-02-13T15:54:42.581" v="0" actId="47"/>
+        <pc:sldMkLst>
+          <pc:docMk/>
+          <pc:sldMk cId="893941719" sldId="385"/>
+        </pc:sldMkLst>
+      </pc:sldChg>
+      <pc:sldChg chg="del">
+        <pc:chgData name="Christel Maes" userId="7e61469a-7c21-464c-bace-a1bda262211a" providerId="ADAL" clId="{DECCEE9B-912D-4854-9D6A-3558908B4FA9}" dt="2020-02-13T15:54:42.581" v="0" actId="47"/>
+        <pc:sldMkLst>
+          <pc:docMk/>
+          <pc:sldMk cId="2505551138" sldId="386"/>
+        </pc:sldMkLst>
+      </pc:sldChg>
+      <pc:sldChg chg="del">
+        <pc:chgData name="Christel Maes" userId="7e61469a-7c21-464c-bace-a1bda262211a" providerId="ADAL" clId="{DECCEE9B-912D-4854-9D6A-3558908B4FA9}" dt="2020-02-13T15:54:42.581" v="0" actId="47"/>
+        <pc:sldMkLst>
+          <pc:docMk/>
+          <pc:sldMk cId="4287158562" sldId="387"/>
+        </pc:sldMkLst>
+      </pc:sldChg>
+      <pc:sldChg chg="del">
+        <pc:chgData name="Christel Maes" userId="7e61469a-7c21-464c-bace-a1bda262211a" providerId="ADAL" clId="{DECCEE9B-912D-4854-9D6A-3558908B4FA9}" dt="2020-02-13T15:54:42.581" v="0" actId="47"/>
+        <pc:sldMkLst>
+          <pc:docMk/>
+          <pc:sldMk cId="1999447413" sldId="388"/>
+        </pc:sldMkLst>
+      </pc:sldChg>
+      <pc:sldChg chg="del">
+        <pc:chgData name="Christel Maes" userId="7e61469a-7c21-464c-bace-a1bda262211a" providerId="ADAL" clId="{DECCEE9B-912D-4854-9D6A-3558908B4FA9}" dt="2020-02-13T15:54:42.581" v="0" actId="47"/>
+        <pc:sldMkLst>
+          <pc:docMk/>
+          <pc:sldMk cId="1616033037" sldId="389"/>
+        </pc:sldMkLst>
+      </pc:sldChg>
+      <pc:sldChg chg="del">
+        <pc:chgData name="Christel Maes" userId="7e61469a-7c21-464c-bace-a1bda262211a" providerId="ADAL" clId="{DECCEE9B-912D-4854-9D6A-3558908B4FA9}" dt="2020-02-13T15:54:42.581" v="0" actId="47"/>
+        <pc:sldMkLst>
+          <pc:docMk/>
+          <pc:sldMk cId="4182809745" sldId="390"/>
+        </pc:sldMkLst>
+      </pc:sldChg>
+      <pc:sldChg chg="modSp">
+        <pc:chgData name="Christel Maes" userId="7e61469a-7c21-464c-bace-a1bda262211a" providerId="ADAL" clId="{DECCEE9B-912D-4854-9D6A-3558908B4FA9}" dt="2020-02-13T15:54:48.542" v="9" actId="20577"/>
+        <pc:sldMkLst>
+          <pc:docMk/>
+          <pc:sldMk cId="3221931466" sldId="391"/>
+        </pc:sldMkLst>
+        <pc:spChg chg="mod">
+          <ac:chgData name="Christel Maes" userId="7e61469a-7c21-464c-bace-a1bda262211a" providerId="ADAL" clId="{DECCEE9B-912D-4854-9D6A-3558908B4FA9}" dt="2020-02-13T15:54:48.542" v="9" actId="20577"/>
+          <ac:spMkLst>
+            <pc:docMk/>
+            <pc:sldMk cId="3221931466" sldId="391"/>
+            <ac:spMk id="3" creationId="{00000000-0000-0000-0000-000000000000}"/>
+          </ac:spMkLst>
+        </pc:spChg>
+      </pc:sldChg>
+    </pc:docChg>
+  </pc:docChgLst>
+  <pc:docChgLst>
+    <pc:chgData name="Tinne Van Echelpoel" userId="46798032-b7e2-4f2e-95a1-1606ec8c5d9a" providerId="ADAL" clId="{57D26828-8502-4DF1-8890-BFA8C8DA59D6}"/>
+    <pc:docChg chg="modNotesMaster modHandout">
+      <pc:chgData name="Tinne Van Echelpoel" userId="46798032-b7e2-4f2e-95a1-1606ec8c5d9a" providerId="ADAL" clId="{57D26828-8502-4DF1-8890-BFA8C8DA59D6}" dt="2020-10-14T09:22:19.908" v="0"/>
+      <pc:docMkLst>
+        <pc:docMk/>
+      </pc:docMkLst>
+    </pc:docChg>
+  </pc:docChgLst>
+  <pc:docChgLst>
+    <pc:chgData name="Christel Maes" userId="7e61469a-7c21-464c-bace-a1bda262211a" providerId="ADAL" clId="{9CD5A685-83CE-423C-AACA-A94A85481066}"/>
+    <pc:docChg chg="modSld">
+      <pc:chgData name="Christel Maes" userId="7e61469a-7c21-464c-bace-a1bda262211a" providerId="ADAL" clId="{9CD5A685-83CE-423C-AACA-A94A85481066}" dt="2020-10-08T11:44:13.782" v="3" actId="20577"/>
+      <pc:docMkLst>
+        <pc:docMk/>
+      </pc:docMkLst>
+      <pc:sldChg chg="delSp modAnim">
+        <pc:chgData name="Christel Maes" userId="7e61469a-7c21-464c-bace-a1bda262211a" providerId="ADAL" clId="{9CD5A685-83CE-423C-AACA-A94A85481066}" dt="2020-09-10T15:20:57.208" v="0"/>
+        <pc:sldMkLst>
+          <pc:docMk/>
+          <pc:sldMk cId="3221931466" sldId="391"/>
+        </pc:sldMkLst>
+        <pc:picChg chg="del">
+          <ac:chgData name="Christel Maes" userId="7e61469a-7c21-464c-bace-a1bda262211a" providerId="ADAL" clId="{9CD5A685-83CE-423C-AACA-A94A85481066}" dt="2020-09-10T15:20:57.208" v="0"/>
+          <ac:picMkLst>
+            <pc:docMk/>
+            <pc:sldMk cId="3221931466" sldId="391"/>
+            <ac:picMk id="4" creationId="{8AB5C596-6459-4205-8D4F-DAAD1B473041}"/>
+          </ac:picMkLst>
+        </pc:picChg>
+      </pc:sldChg>
+      <pc:sldChg chg="delSp modAnim">
+        <pc:chgData name="Christel Maes" userId="7e61469a-7c21-464c-bace-a1bda262211a" providerId="ADAL" clId="{9CD5A685-83CE-423C-AACA-A94A85481066}" dt="2020-09-10T15:20:57.208" v="0"/>
+        <pc:sldMkLst>
+          <pc:docMk/>
+          <pc:sldMk cId="803592390" sldId="392"/>
+        </pc:sldMkLst>
+        <pc:picChg chg="del">
+          <ac:chgData name="Christel Maes" userId="7e61469a-7c21-464c-bace-a1bda262211a" providerId="ADAL" clId="{9CD5A685-83CE-423C-AACA-A94A85481066}" dt="2020-09-10T15:20:57.208" v="0"/>
+          <ac:picMkLst>
+            <pc:docMk/>
+            <pc:sldMk cId="803592390" sldId="392"/>
+            <ac:picMk id="5" creationId="{EF08A1D4-DC40-44C2-8C9A-366578CB8B96}"/>
+          </ac:picMkLst>
+        </pc:picChg>
+      </pc:sldChg>
+      <pc:sldChg chg="delSp modAnim">
+        <pc:chgData name="Christel Maes" userId="7e61469a-7c21-464c-bace-a1bda262211a" providerId="ADAL" clId="{9CD5A685-83CE-423C-AACA-A94A85481066}" dt="2020-09-10T15:20:57.208" v="0"/>
+        <pc:sldMkLst>
+          <pc:docMk/>
+          <pc:sldMk cId="1020751144" sldId="393"/>
+        </pc:sldMkLst>
+        <pc:picChg chg="del">
+          <ac:chgData name="Christel Maes" userId="7e61469a-7c21-464c-bace-a1bda262211a" providerId="ADAL" clId="{9CD5A685-83CE-423C-AACA-A94A85481066}" dt="2020-09-10T15:20:57.208" v="0"/>
+          <ac:picMkLst>
+            <pc:docMk/>
+            <pc:sldMk cId="1020751144" sldId="393"/>
+            <ac:picMk id="5" creationId="{A1F4DA3B-78F6-4186-B1EA-F234EE253567}"/>
+          </ac:picMkLst>
+        </pc:picChg>
+      </pc:sldChg>
+      <pc:sldChg chg="delSp modAnim">
+        <pc:chgData name="Christel Maes" userId="7e61469a-7c21-464c-bace-a1bda262211a" providerId="ADAL" clId="{9CD5A685-83CE-423C-AACA-A94A85481066}" dt="2020-09-10T15:20:57.208" v="0"/>
+        <pc:sldMkLst>
+          <pc:docMk/>
+          <pc:sldMk cId="2123403007" sldId="394"/>
+        </pc:sldMkLst>
+        <pc:picChg chg="del">
+          <ac:chgData name="Christel Maes" userId="7e61469a-7c21-464c-bace-a1bda262211a" providerId="ADAL" clId="{9CD5A685-83CE-423C-AACA-A94A85481066}" dt="2020-09-10T15:20:57.208" v="0"/>
+          <ac:picMkLst>
+            <pc:docMk/>
+            <pc:sldMk cId="2123403007" sldId="394"/>
+            <ac:picMk id="7" creationId="{280A34EB-9C7C-44EA-8421-4A7151020C4B}"/>
+          </ac:picMkLst>
+        </pc:picChg>
+      </pc:sldChg>
+      <pc:sldChg chg="delSp modAnim">
+        <pc:chgData name="Christel Maes" userId="7e61469a-7c21-464c-bace-a1bda262211a" providerId="ADAL" clId="{9CD5A685-83CE-423C-AACA-A94A85481066}" dt="2020-09-10T15:20:57.208" v="0"/>
+        <pc:sldMkLst>
+          <pc:docMk/>
+          <pc:sldMk cId="1725756798" sldId="395"/>
+        </pc:sldMkLst>
+        <pc:picChg chg="del">
+          <ac:chgData name="Christel Maes" userId="7e61469a-7c21-464c-bace-a1bda262211a" providerId="ADAL" clId="{9CD5A685-83CE-423C-AACA-A94A85481066}" dt="2020-09-10T15:20:57.208" v="0"/>
+          <ac:picMkLst>
+            <pc:docMk/>
+            <pc:sldMk cId="1725756798" sldId="395"/>
+            <ac:picMk id="5" creationId="{BB2D9BAF-9105-4761-95C1-EF2F81D0A91B}"/>
+          </ac:picMkLst>
+        </pc:picChg>
+      </pc:sldChg>
+      <pc:sldChg chg="delSp modSp mod modAnim">
+        <pc:chgData name="Christel Maes" userId="7e61469a-7c21-464c-bace-a1bda262211a" providerId="ADAL" clId="{9CD5A685-83CE-423C-AACA-A94A85481066}" dt="2020-10-08T11:44:13.782" v="3" actId="20577"/>
         <pc:sldMkLst>
           <pc:docMk/>
           <pc:sldMk cId="3410206391" sldId="396"/>
         </pc:sldMkLst>
         <pc:spChg chg="mod">
-          <ac:chgData name="Hans Bartholomeus" userId="fdad893c-ea0f-4e18-a760-ac9a83339ccd" providerId="ADAL" clId="{25550FC0-1B1B-4314-8976-E78C75F6598E}" dt="2020-08-25T11:37:32.613" v="0" actId="790"/>
+          <ac:chgData name="Christel Maes" userId="7e61469a-7c21-464c-bace-a1bda262211a" providerId="ADAL" clId="{9CD5A685-83CE-423C-AACA-A94A85481066}" dt="2020-10-08T11:44:13.782" v="3" actId="20577"/>
           <ac:spMkLst>
             <pc:docMk/>
             <pc:sldMk cId="3410206391" sldId="396"/>
-            <ac:spMk id="3" creationId="{523F51E5-4330-469D-BFC4-365F54B69ED0}"/>
+            <ac:spMk id="2" creationId="{44B0FA13-D5C8-4B4E-BE01-BACD93D81166}"/>
           </ac:spMkLst>
         </pc:spChg>
+        <pc:picChg chg="del">
+          <ac:chgData name="Christel Maes" userId="7e61469a-7c21-464c-bace-a1bda262211a" providerId="ADAL" clId="{9CD5A685-83CE-423C-AACA-A94A85481066}" dt="2020-09-10T15:20:57.208" v="0"/>
+          <ac:picMkLst>
+            <pc:docMk/>
+            <pc:sldMk cId="3410206391" sldId="396"/>
+            <ac:picMk id="5" creationId="{7E21AE78-07AB-4922-91F8-315AEDAAEF98}"/>
+          </ac:picMkLst>
+        </pc:picChg>
       </pc:sldChg>
-      <pc:sldChg chg="modSp mod">
-        <pc:chgData name="Hans Bartholomeus" userId="fdad893c-ea0f-4e18-a760-ac9a83339ccd" providerId="ADAL" clId="{25550FC0-1B1B-4314-8976-E78C75F6598E}" dt="2020-08-25T11:39:45.116" v="6" actId="20577"/>
+      <pc:sldChg chg="delSp modAnim">
+        <pc:chgData name="Christel Maes" userId="7e61469a-7c21-464c-bace-a1bda262211a" providerId="ADAL" clId="{9CD5A685-83CE-423C-AACA-A94A85481066}" dt="2020-09-10T15:20:57.208" v="0"/>
+        <pc:sldMkLst>
+          <pc:docMk/>
+          <pc:sldMk cId="72634776" sldId="397"/>
+        </pc:sldMkLst>
+        <pc:picChg chg="del">
+          <ac:chgData name="Christel Maes" userId="7e61469a-7c21-464c-bace-a1bda262211a" providerId="ADAL" clId="{9CD5A685-83CE-423C-AACA-A94A85481066}" dt="2020-09-10T15:20:57.208" v="0"/>
+          <ac:picMkLst>
+            <pc:docMk/>
+            <pc:sldMk cId="72634776" sldId="397"/>
+            <ac:picMk id="11" creationId="{3F746871-62B3-46D9-8637-FCDF16705189}"/>
+          </ac:picMkLst>
+        </pc:picChg>
+      </pc:sldChg>
+      <pc:sldChg chg="delSp modAnim">
+        <pc:chgData name="Christel Maes" userId="7e61469a-7c21-464c-bace-a1bda262211a" providerId="ADAL" clId="{9CD5A685-83CE-423C-AACA-A94A85481066}" dt="2020-09-10T15:20:57.208" v="0"/>
         <pc:sldMkLst>
           <pc:docMk/>
           <pc:sldMk cId="1695146199" sldId="398"/>
         </pc:sldMkLst>
-        <pc:spChg chg="mod">
-          <ac:chgData name="Hans Bartholomeus" userId="fdad893c-ea0f-4e18-a760-ac9a83339ccd" providerId="ADAL" clId="{25550FC0-1B1B-4314-8976-E78C75F6598E}" dt="2020-08-25T11:39:45.116" v="6" actId="20577"/>
-          <ac:spMkLst>
+        <pc:picChg chg="del">
+          <ac:chgData name="Christel Maes" userId="7e61469a-7c21-464c-bace-a1bda262211a" providerId="ADAL" clId="{9CD5A685-83CE-423C-AACA-A94A85481066}" dt="2020-09-10T15:20:57.208" v="0"/>
+          <ac:picMkLst>
             <pc:docMk/>
             <pc:sldMk cId="1695146199" sldId="398"/>
-            <ac:spMk id="3" creationId="{5567B61F-8C1D-4A64-9B64-C1E36342C0E0}"/>
-          </ac:spMkLst>
-        </pc:spChg>
+            <ac:picMk id="6" creationId="{4D192942-3E00-489A-9782-5BD046F9DD1D}"/>
+          </ac:picMkLst>
+        </pc:picChg>
       </pc:sldChg>
-      <pc:sldChg chg="modSp mod">
-        <pc:chgData name="Hans Bartholomeus" userId="fdad893c-ea0f-4e18-a760-ac9a83339ccd" providerId="ADAL" clId="{25550FC0-1B1B-4314-8976-E78C75F6598E}" dt="2020-08-25T11:41:11.864" v="10" actId="20577"/>
+      <pc:sldChg chg="delSp modAnim">
+        <pc:chgData name="Christel Maes" userId="7e61469a-7c21-464c-bace-a1bda262211a" providerId="ADAL" clId="{9CD5A685-83CE-423C-AACA-A94A85481066}" dt="2020-09-10T15:20:57.208" v="0"/>
         <pc:sldMkLst>
           <pc:docMk/>
           <pc:sldMk cId="336358061" sldId="399"/>
         </pc:sldMkLst>
-        <pc:spChg chg="mod">
-          <ac:chgData name="Hans Bartholomeus" userId="fdad893c-ea0f-4e18-a760-ac9a83339ccd" providerId="ADAL" clId="{25550FC0-1B1B-4314-8976-E78C75F6598E}" dt="2020-08-25T11:41:11.864" v="10" actId="20577"/>
-          <ac:spMkLst>
+        <pc:picChg chg="del">
+          <ac:chgData name="Christel Maes" userId="7e61469a-7c21-464c-bace-a1bda262211a" providerId="ADAL" clId="{9CD5A685-83CE-423C-AACA-A94A85481066}" dt="2020-09-10T15:20:57.208" v="0"/>
+          <ac:picMkLst>
             <pc:docMk/>
             <pc:sldMk cId="336358061" sldId="399"/>
-            <ac:spMk id="3" creationId="{F8ADC8CB-5282-4E37-AB15-9B66D7984E2B}"/>
-          </ac:spMkLst>
-        </pc:spChg>
+            <ac:picMk id="5" creationId="{66F9C7FD-39E6-4962-A3E3-25FD94236202}"/>
+          </ac:picMkLst>
+        </pc:picChg>
       </pc:sldChg>
-      <pc:sldChg chg="modSp mod">
-        <pc:chgData name="Hans Bartholomeus" userId="fdad893c-ea0f-4e18-a760-ac9a83339ccd" providerId="ADAL" clId="{25550FC0-1B1B-4314-8976-E78C75F6598E}" dt="2020-08-25T11:44:20.733" v="42" actId="108"/>
+      <pc:sldChg chg="delSp modAnim">
+        <pc:chgData name="Christel Maes" userId="7e61469a-7c21-464c-bace-a1bda262211a" providerId="ADAL" clId="{9CD5A685-83CE-423C-AACA-A94A85481066}" dt="2020-09-10T15:20:57.208" v="0"/>
         <pc:sldMkLst>
           <pc:docMk/>
           <pc:sldMk cId="582579784" sldId="400"/>
         </pc:sldMkLst>
-        <pc:spChg chg="mod">
-          <ac:chgData name="Hans Bartholomeus" userId="fdad893c-ea0f-4e18-a760-ac9a83339ccd" providerId="ADAL" clId="{25550FC0-1B1B-4314-8976-E78C75F6598E}" dt="2020-08-25T11:44:20.733" v="42" actId="108"/>
-          <ac:spMkLst>
+        <pc:picChg chg="del">
+          <ac:chgData name="Christel Maes" userId="7e61469a-7c21-464c-bace-a1bda262211a" providerId="ADAL" clId="{9CD5A685-83CE-423C-AACA-A94A85481066}" dt="2020-09-10T15:20:57.208" v="0"/>
+          <ac:picMkLst>
             <pc:docMk/>
             <pc:sldMk cId="582579784" sldId="400"/>
-            <ac:spMk id="3" creationId="{D1469E8F-5700-471E-8AA9-2AE764073725}"/>
-          </ac:spMkLst>
-        </pc:spChg>
+            <ac:picMk id="5" creationId="{A2992E5A-3F3D-4060-B8FB-05F6735E0BFB}"/>
+          </ac:picMkLst>
+        </pc:picChg>
       </pc:sldChg>
-      <pc:sldChg chg="modSp mod">
-        <pc:chgData name="Hans Bartholomeus" userId="fdad893c-ea0f-4e18-a760-ac9a83339ccd" providerId="ADAL" clId="{25550FC0-1B1B-4314-8976-E78C75F6598E}" dt="2020-08-25T11:45:34.856" v="65" actId="6549"/>
+      <pc:sldChg chg="delSp modAnim">
+        <pc:chgData name="Christel Maes" userId="7e61469a-7c21-464c-bace-a1bda262211a" providerId="ADAL" clId="{9CD5A685-83CE-423C-AACA-A94A85481066}" dt="2020-09-10T15:20:57.208" v="0"/>
         <pc:sldMkLst>
           <pc:docMk/>
           <pc:sldMk cId="150046510" sldId="401"/>
         </pc:sldMkLst>
-        <pc:spChg chg="mod">
-          <ac:chgData name="Hans Bartholomeus" userId="fdad893c-ea0f-4e18-a760-ac9a83339ccd" providerId="ADAL" clId="{25550FC0-1B1B-4314-8976-E78C75F6598E}" dt="2020-08-25T11:45:34.856" v="65" actId="6549"/>
-          <ac:spMkLst>
+        <pc:picChg chg="del">
+          <ac:chgData name="Christel Maes" userId="7e61469a-7c21-464c-bace-a1bda262211a" providerId="ADAL" clId="{9CD5A685-83CE-423C-AACA-A94A85481066}" dt="2020-09-10T15:20:57.208" v="0"/>
+          <ac:picMkLst>
             <pc:docMk/>
             <pc:sldMk cId="150046510" sldId="401"/>
-            <ac:spMk id="3" creationId="{D1469E8F-5700-471E-8AA9-2AE764073725}"/>
-          </ac:spMkLst>
-        </pc:spChg>
+            <ac:picMk id="7" creationId="{9DFFA204-C777-4EAA-B104-726DC670EFBF}"/>
+          </ac:picMkLst>
+        </pc:picChg>
       </pc:sldChg>
-      <pc:sldChg chg="modSp mod setBg">
-        <pc:chgData name="Hans Bartholomeus" userId="fdad893c-ea0f-4e18-a760-ac9a83339ccd" providerId="ADAL" clId="{25550FC0-1B1B-4314-8976-E78C75F6598E}" dt="2020-08-25T11:46:09.939" v="67" actId="108"/>
+      <pc:sldChg chg="delSp modAnim">
+        <pc:chgData name="Christel Maes" userId="7e61469a-7c21-464c-bace-a1bda262211a" providerId="ADAL" clId="{9CD5A685-83CE-423C-AACA-A94A85481066}" dt="2020-09-10T15:20:57.208" v="0"/>
         <pc:sldMkLst>
           <pc:docMk/>
           <pc:sldMk cId="1456187511" sldId="402"/>
         </pc:sldMkLst>
-        <pc:spChg chg="mod">
-          <ac:chgData name="Hans Bartholomeus" userId="fdad893c-ea0f-4e18-a760-ac9a83339ccd" providerId="ADAL" clId="{25550FC0-1B1B-4314-8976-E78C75F6598E}" dt="2020-08-25T11:46:02.566" v="66"/>
-          <ac:spMkLst>
+        <pc:picChg chg="del">
+          <ac:chgData name="Christel Maes" userId="7e61469a-7c21-464c-bace-a1bda262211a" providerId="ADAL" clId="{9CD5A685-83CE-423C-AACA-A94A85481066}" dt="2020-09-10T15:20:57.208" v="0"/>
+          <ac:picMkLst>
             <pc:docMk/>
             <pc:sldMk cId="1456187511" sldId="402"/>
-            <ac:spMk id="2" creationId="{27E745C9-CF1F-4869-A3B4-FB417B791278}"/>
-          </ac:spMkLst>
-        </pc:spChg>
-        <pc:spChg chg="mod">
-          <ac:chgData name="Hans Bartholomeus" userId="fdad893c-ea0f-4e18-a760-ac9a83339ccd" providerId="ADAL" clId="{25550FC0-1B1B-4314-8976-E78C75F6598E}" dt="2020-08-25T11:46:09.939" v="67" actId="108"/>
-          <ac:spMkLst>
-            <pc:docMk/>
-            <pc:sldMk cId="1456187511" sldId="402"/>
-            <ac:spMk id="3" creationId="{D1469E8F-5700-471E-8AA9-2AE764073725}"/>
-          </ac:spMkLst>
-        </pc:spChg>
-        <pc:spChg chg="mod">
-          <ac:chgData name="Hans Bartholomeus" userId="fdad893c-ea0f-4e18-a760-ac9a83339ccd" providerId="ADAL" clId="{25550FC0-1B1B-4314-8976-E78C75F6598E}" dt="2020-08-25T11:46:02.566" v="66"/>
-          <ac:spMkLst>
-            <pc:docMk/>
-            <pc:sldMk cId="1456187511" sldId="402"/>
-            <ac:spMk id="4" creationId="{7B419D72-8A84-4920-ADE4-8E87F1DA4D47}"/>
-          </ac:spMkLst>
-        </pc:spChg>
+            <ac:picMk id="5" creationId="{CE654021-8E74-4BD5-997D-F5DBE5088C97}"/>
+          </ac:picMkLst>
+        </pc:picChg>
       </pc:sldChg>
-      <pc:sldChg chg="modSp mod">
-        <pc:chgData name="Hans Bartholomeus" userId="fdad893c-ea0f-4e18-a760-ac9a83339ccd" providerId="ADAL" clId="{25550FC0-1B1B-4314-8976-E78C75F6598E}" dt="2020-08-25T11:47:19.602" v="68" actId="108"/>
+      <pc:sldChg chg="delSp modAnim">
+        <pc:chgData name="Christel Maes" userId="7e61469a-7c21-464c-bace-a1bda262211a" providerId="ADAL" clId="{9CD5A685-83CE-423C-AACA-A94A85481066}" dt="2020-09-10T15:20:57.208" v="0"/>
         <pc:sldMkLst>
           <pc:docMk/>
           <pc:sldMk cId="2026055494" sldId="403"/>
         </pc:sldMkLst>
-        <pc:spChg chg="mod">
-          <ac:chgData name="Hans Bartholomeus" userId="fdad893c-ea0f-4e18-a760-ac9a83339ccd" providerId="ADAL" clId="{25550FC0-1B1B-4314-8976-E78C75F6598E}" dt="2020-08-25T11:47:19.602" v="68" actId="108"/>
-          <ac:spMkLst>
+        <pc:picChg chg="del">
+          <ac:chgData name="Christel Maes" userId="7e61469a-7c21-464c-bace-a1bda262211a" providerId="ADAL" clId="{9CD5A685-83CE-423C-AACA-A94A85481066}" dt="2020-09-10T15:20:57.208" v="0"/>
+          <ac:picMkLst>
             <pc:docMk/>
             <pc:sldMk cId="2026055494" sldId="403"/>
-            <ac:spMk id="5" creationId="{00000000-0000-0000-0000-000000000000}"/>
-          </ac:spMkLst>
-        </pc:spChg>
+            <ac:picMk id="10" creationId="{AD260D52-E5D1-4A5C-961C-0256CA45CDE7}"/>
+          </ac:picMkLst>
+        </pc:picChg>
       </pc:sldChg>
-      <pc:sldChg chg="modSp mod">
-        <pc:chgData name="Hans Bartholomeus" userId="fdad893c-ea0f-4e18-a760-ac9a83339ccd" providerId="ADAL" clId="{25550FC0-1B1B-4314-8976-E78C75F6598E}" dt="2020-08-25T11:48:53.934" v="88" actId="108"/>
+      <pc:sldChg chg="delSp modAnim">
+        <pc:chgData name="Christel Maes" userId="7e61469a-7c21-464c-bace-a1bda262211a" providerId="ADAL" clId="{9CD5A685-83CE-423C-AACA-A94A85481066}" dt="2020-09-10T15:20:57.208" v="0"/>
+        <pc:sldMkLst>
+          <pc:docMk/>
+          <pc:sldMk cId="1682296062" sldId="404"/>
+        </pc:sldMkLst>
+        <pc:picChg chg="del">
+          <ac:chgData name="Christel Maes" userId="7e61469a-7c21-464c-bace-a1bda262211a" providerId="ADAL" clId="{9CD5A685-83CE-423C-AACA-A94A85481066}" dt="2020-09-10T15:20:57.208" v="0"/>
+          <ac:picMkLst>
+            <pc:docMk/>
+            <pc:sldMk cId="1682296062" sldId="404"/>
+            <ac:picMk id="5" creationId="{E78820E4-DA8D-4690-A2DC-20638F4D6664}"/>
+          </ac:picMkLst>
+        </pc:picChg>
+      </pc:sldChg>
+      <pc:sldChg chg="delSp modAnim">
+        <pc:chgData name="Christel Maes" userId="7e61469a-7c21-464c-bace-a1bda262211a" providerId="ADAL" clId="{9CD5A685-83CE-423C-AACA-A94A85481066}" dt="2020-09-10T15:20:57.208" v="0"/>
         <pc:sldMkLst>
           <pc:docMk/>
           <pc:sldMk cId="1242255682" sldId="405"/>
         </pc:sldMkLst>
-        <pc:spChg chg="mod">
-          <ac:chgData name="Hans Bartholomeus" userId="fdad893c-ea0f-4e18-a760-ac9a83339ccd" providerId="ADAL" clId="{25550FC0-1B1B-4314-8976-E78C75F6598E}" dt="2020-08-25T11:48:53.934" v="88" actId="108"/>
-          <ac:spMkLst>
+        <pc:picChg chg="del">
+          <ac:chgData name="Christel Maes" userId="7e61469a-7c21-464c-bace-a1bda262211a" providerId="ADAL" clId="{9CD5A685-83CE-423C-AACA-A94A85481066}" dt="2020-09-10T15:20:57.208" v="0"/>
+          <ac:picMkLst>
             <pc:docMk/>
             <pc:sldMk cId="1242255682" sldId="405"/>
-            <ac:spMk id="3" creationId="{D1469E8F-5700-471E-8AA9-2AE764073725}"/>
-          </ac:spMkLst>
-        </pc:spChg>
+            <ac:picMk id="5" creationId="{BDF5D114-A741-4ED9-BAD0-7D6C409816F0}"/>
+          </ac:picMkLst>
+        </pc:picChg>
       </pc:sldChg>
-      <pc:sldChg chg="modSp mod">
-        <pc:chgData name="Hans Bartholomeus" userId="fdad893c-ea0f-4e18-a760-ac9a83339ccd" providerId="ADAL" clId="{25550FC0-1B1B-4314-8976-E78C75F6598E}" dt="2020-08-25T11:49:32.685" v="89" actId="108"/>
+      <pc:sldChg chg="delSp modAnim">
+        <pc:chgData name="Christel Maes" userId="7e61469a-7c21-464c-bace-a1bda262211a" providerId="ADAL" clId="{9CD5A685-83CE-423C-AACA-A94A85481066}" dt="2020-09-10T15:20:57.208" v="0"/>
         <pc:sldMkLst>
           <pc:docMk/>
           <pc:sldMk cId="381192279" sldId="406"/>
         </pc:sldMkLst>
-        <pc:spChg chg="mod">
-          <ac:chgData name="Hans Bartholomeus" userId="fdad893c-ea0f-4e18-a760-ac9a83339ccd" providerId="ADAL" clId="{25550FC0-1B1B-4314-8976-E78C75F6598E}" dt="2020-08-25T11:49:32.685" v="89" actId="108"/>
-          <ac:spMkLst>
+        <pc:picChg chg="del">
+          <ac:chgData name="Christel Maes" userId="7e61469a-7c21-464c-bace-a1bda262211a" providerId="ADAL" clId="{9CD5A685-83CE-423C-AACA-A94A85481066}" dt="2020-09-10T15:20:57.208" v="0"/>
+          <ac:picMkLst>
             <pc:docMk/>
             <pc:sldMk cId="381192279" sldId="406"/>
-            <ac:spMk id="3" creationId="{D1469E8F-5700-471E-8AA9-2AE764073725}"/>
-          </ac:spMkLst>
-        </pc:spChg>
+            <ac:picMk id="5" creationId="{3870535C-82B4-45C1-A163-42E2DC008712}"/>
+          </ac:picMkLst>
+        </pc:picChg>
       </pc:sldChg>
-      <pc:sldChg chg="modSp mod">
-        <pc:chgData name="Hans Bartholomeus" userId="fdad893c-ea0f-4e18-a760-ac9a83339ccd" providerId="ADAL" clId="{25550FC0-1B1B-4314-8976-E78C75F6598E}" dt="2020-08-25T11:50:37.961" v="100" actId="20577"/>
+      <pc:sldChg chg="delSp modAnim">
+        <pc:chgData name="Christel Maes" userId="7e61469a-7c21-464c-bace-a1bda262211a" providerId="ADAL" clId="{9CD5A685-83CE-423C-AACA-A94A85481066}" dt="2020-09-10T15:20:57.208" v="0"/>
         <pc:sldMkLst>
           <pc:docMk/>
           <pc:sldMk cId="908991994" sldId="407"/>
         </pc:sldMkLst>
-        <pc:spChg chg="mod">
-          <ac:chgData name="Hans Bartholomeus" userId="fdad893c-ea0f-4e18-a760-ac9a83339ccd" providerId="ADAL" clId="{25550FC0-1B1B-4314-8976-E78C75F6598E}" dt="2020-08-25T11:50:37.961" v="100" actId="20577"/>
-          <ac:spMkLst>
+        <pc:picChg chg="del">
+          <ac:chgData name="Christel Maes" userId="7e61469a-7c21-464c-bace-a1bda262211a" providerId="ADAL" clId="{9CD5A685-83CE-423C-AACA-A94A85481066}" dt="2020-09-10T15:20:57.208" v="0"/>
+          <ac:picMkLst>
             <pc:docMk/>
             <pc:sldMk cId="908991994" sldId="407"/>
-            <ac:spMk id="3" creationId="{D1469E8F-5700-471E-8AA9-2AE764073725}"/>
-          </ac:spMkLst>
-        </pc:spChg>
+            <ac:picMk id="6" creationId="{269E5D79-16B5-450D-A7A8-AFA6D39DD3FB}"/>
+          </ac:picMkLst>
+        </pc:picChg>
       </pc:sldChg>
-      <pc:sldChg chg="modSp mod">
-        <pc:chgData name="Hans Bartholomeus" userId="fdad893c-ea0f-4e18-a760-ac9a83339ccd" providerId="ADAL" clId="{25550FC0-1B1B-4314-8976-E78C75F6598E}" dt="2020-08-25T12:06:33.193" v="208" actId="6549"/>
+      <pc:sldChg chg="delSp modAnim">
+        <pc:chgData name="Christel Maes" userId="7e61469a-7c21-464c-bace-a1bda262211a" providerId="ADAL" clId="{9CD5A685-83CE-423C-AACA-A94A85481066}" dt="2020-09-10T15:20:57.208" v="0"/>
+        <pc:sldMkLst>
+          <pc:docMk/>
+          <pc:sldMk cId="1515343629" sldId="408"/>
+        </pc:sldMkLst>
+        <pc:picChg chg="del">
+          <ac:chgData name="Christel Maes" userId="7e61469a-7c21-464c-bace-a1bda262211a" providerId="ADAL" clId="{9CD5A685-83CE-423C-AACA-A94A85481066}" dt="2020-09-10T15:20:57.208" v="0"/>
+          <ac:picMkLst>
+            <pc:docMk/>
+            <pc:sldMk cId="1515343629" sldId="408"/>
+            <ac:picMk id="5" creationId="{464F2E9D-6911-4301-84B6-24C7EBF05A5D}"/>
+          </ac:picMkLst>
+        </pc:picChg>
+      </pc:sldChg>
+      <pc:sldChg chg="delSp modAnim">
+        <pc:chgData name="Christel Maes" userId="7e61469a-7c21-464c-bace-a1bda262211a" providerId="ADAL" clId="{9CD5A685-83CE-423C-AACA-A94A85481066}" dt="2020-09-10T15:20:57.208" v="0"/>
         <pc:sldMkLst>
           <pc:docMk/>
           <pc:sldMk cId="849228038" sldId="409"/>
         </pc:sldMkLst>
-        <pc:spChg chg="mod">
-          <ac:chgData name="Hans Bartholomeus" userId="fdad893c-ea0f-4e18-a760-ac9a83339ccd" providerId="ADAL" clId="{25550FC0-1B1B-4314-8976-E78C75F6598E}" dt="2020-08-25T12:06:33.193" v="208" actId="6549"/>
-          <ac:spMkLst>
+        <pc:picChg chg="del">
+          <ac:chgData name="Christel Maes" userId="7e61469a-7c21-464c-bace-a1bda262211a" providerId="ADAL" clId="{9CD5A685-83CE-423C-AACA-A94A85481066}" dt="2020-09-10T15:20:57.208" v="0"/>
+          <ac:picMkLst>
             <pc:docMk/>
             <pc:sldMk cId="849228038" sldId="409"/>
-            <ac:spMk id="3" creationId="{96B8BBD0-AABC-424A-A4AB-4089BEDCDE0E}"/>
-          </ac:spMkLst>
-        </pc:spChg>
+            <ac:picMk id="5" creationId="{CFD5D1F5-8937-425F-8A96-5034BAD4F6FA}"/>
+          </ac:picMkLst>
+        </pc:picChg>
       </pc:sldChg>
-      <pc:sldChg chg="modSp mod">
-        <pc:chgData name="Hans Bartholomeus" userId="fdad893c-ea0f-4e18-a760-ac9a83339ccd" providerId="ADAL" clId="{25550FC0-1B1B-4314-8976-E78C75F6598E}" dt="2020-08-25T12:09:59.270" v="236" actId="20577"/>
+      <pc:sldChg chg="delSp modAnim">
+        <pc:chgData name="Christel Maes" userId="7e61469a-7c21-464c-bace-a1bda262211a" providerId="ADAL" clId="{9CD5A685-83CE-423C-AACA-A94A85481066}" dt="2020-09-10T15:20:57.208" v="0"/>
+        <pc:sldMkLst>
+          <pc:docMk/>
+          <pc:sldMk cId="1841263431" sldId="410"/>
+        </pc:sldMkLst>
+        <pc:picChg chg="del">
+          <ac:chgData name="Christel Maes" userId="7e61469a-7c21-464c-bace-a1bda262211a" providerId="ADAL" clId="{9CD5A685-83CE-423C-AACA-A94A85481066}" dt="2020-09-10T15:20:57.208" v="0"/>
+          <ac:picMkLst>
+            <pc:docMk/>
+            <pc:sldMk cId="1841263431" sldId="410"/>
+            <ac:picMk id="3" creationId="{F3D4C3ED-B7C5-4003-BC35-F6CA52052501}"/>
+          </ac:picMkLst>
+        </pc:picChg>
+      </pc:sldChg>
+      <pc:sldChg chg="delSp modAnim">
+        <pc:chgData name="Christel Maes" userId="7e61469a-7c21-464c-bace-a1bda262211a" providerId="ADAL" clId="{9CD5A685-83CE-423C-AACA-A94A85481066}" dt="2020-09-10T15:20:57.208" v="0"/>
         <pc:sldMkLst>
           <pc:docMk/>
           <pc:sldMk cId="3349740050" sldId="411"/>
         </pc:sldMkLst>
-        <pc:spChg chg="mod">
-          <ac:chgData name="Hans Bartholomeus" userId="fdad893c-ea0f-4e18-a760-ac9a83339ccd" providerId="ADAL" clId="{25550FC0-1B1B-4314-8976-E78C75F6598E}" dt="2020-08-25T12:08:42.767" v="225" actId="20577"/>
-          <ac:spMkLst>
+        <pc:picChg chg="del">
+          <ac:chgData name="Christel Maes" userId="7e61469a-7c21-464c-bace-a1bda262211a" providerId="ADAL" clId="{9CD5A685-83CE-423C-AACA-A94A85481066}" dt="2020-09-10T15:20:57.208" v="0"/>
+          <ac:picMkLst>
             <pc:docMk/>
             <pc:sldMk cId="3349740050" sldId="411"/>
-            <ac:spMk id="6" creationId="{313EFED1-DE39-4FD6-BD22-2A857321AE54}"/>
-          </ac:spMkLst>
-        </pc:spChg>
-        <pc:spChg chg="mod">
-          <ac:chgData name="Hans Bartholomeus" userId="fdad893c-ea0f-4e18-a760-ac9a83339ccd" providerId="ADAL" clId="{25550FC0-1B1B-4314-8976-E78C75F6598E}" dt="2020-08-25T12:09:59.270" v="236" actId="20577"/>
-          <ac:spMkLst>
-            <pc:docMk/>
-            <pc:sldMk cId="3349740050" sldId="411"/>
-            <ac:spMk id="7" creationId="{552BD681-7E70-4180-B608-D33C0E836321}"/>
-          </ac:spMkLst>
-        </pc:spChg>
+            <ac:picMk id="5" creationId="{C8B4B344-2288-46AB-B431-0200E90CB702}"/>
+          </ac:picMkLst>
+        </pc:picChg>
       </pc:sldChg>
-      <pc:sldChg chg="modSp mod">
-        <pc:chgData name="Hans Bartholomeus" userId="fdad893c-ea0f-4e18-a760-ac9a83339ccd" providerId="ADAL" clId="{25550FC0-1B1B-4314-8976-E78C75F6598E}" dt="2020-08-25T12:11:48.965" v="254" actId="20577"/>
+      <pc:sldChg chg="delSp modAnim">
+        <pc:chgData name="Christel Maes" userId="7e61469a-7c21-464c-bace-a1bda262211a" providerId="ADAL" clId="{9CD5A685-83CE-423C-AACA-A94A85481066}" dt="2020-09-10T15:20:57.208" v="0"/>
         <pc:sldMkLst>
           <pc:docMk/>
           <pc:sldMk cId="1520487891" sldId="412"/>
         </pc:sldMkLst>
-        <pc:spChg chg="mod">
-          <ac:chgData name="Hans Bartholomeus" userId="fdad893c-ea0f-4e18-a760-ac9a83339ccd" providerId="ADAL" clId="{25550FC0-1B1B-4314-8976-E78C75F6598E}" dt="2020-08-25T12:11:48.965" v="254" actId="20577"/>
-          <ac:spMkLst>
+        <pc:picChg chg="del">
+          <ac:chgData name="Christel Maes" userId="7e61469a-7c21-464c-bace-a1bda262211a" providerId="ADAL" clId="{9CD5A685-83CE-423C-AACA-A94A85481066}" dt="2020-09-10T15:20:57.208" v="0"/>
+          <ac:picMkLst>
             <pc:docMk/>
             <pc:sldMk cId="1520487891" sldId="412"/>
-            <ac:spMk id="6" creationId="{4B260472-D3F8-4DDD-8F65-AFECB9223496}"/>
-          </ac:spMkLst>
-        </pc:spChg>
+            <ac:picMk id="5" creationId="{DF9A1A69-A72D-488C-BAA1-B828DDD4F06D}"/>
+          </ac:picMkLst>
+        </pc:picChg>
       </pc:sldChg>
-      <pc:sldChg chg="modSp mod">
-        <pc:chgData name="Hans Bartholomeus" userId="fdad893c-ea0f-4e18-a760-ac9a83339ccd" providerId="ADAL" clId="{25550FC0-1B1B-4314-8976-E78C75F6598E}" dt="2020-08-25T12:13:45.462" v="288" actId="20577"/>
+      <pc:sldChg chg="delSp modAnim">
+        <pc:chgData name="Christel Maes" userId="7e61469a-7c21-464c-bace-a1bda262211a" providerId="ADAL" clId="{9CD5A685-83CE-423C-AACA-A94A85481066}" dt="2020-09-10T15:20:57.208" v="0"/>
+        <pc:sldMkLst>
+          <pc:docMk/>
+          <pc:sldMk cId="3854847980" sldId="413"/>
+        </pc:sldMkLst>
+        <pc:picChg chg="del">
+          <ac:chgData name="Christel Maes" userId="7e61469a-7c21-464c-bace-a1bda262211a" providerId="ADAL" clId="{9CD5A685-83CE-423C-AACA-A94A85481066}" dt="2020-09-10T15:20:57.208" v="0"/>
+          <ac:picMkLst>
+            <pc:docMk/>
+            <pc:sldMk cId="3854847980" sldId="413"/>
+            <ac:picMk id="5" creationId="{A7B89352-7397-4E83-9308-85113531E0E8}"/>
+          </ac:picMkLst>
+        </pc:picChg>
+      </pc:sldChg>
+      <pc:sldChg chg="delSp modAnim">
+        <pc:chgData name="Christel Maes" userId="7e61469a-7c21-464c-bace-a1bda262211a" providerId="ADAL" clId="{9CD5A685-83CE-423C-AACA-A94A85481066}" dt="2020-09-10T15:20:57.208" v="0"/>
+        <pc:sldMkLst>
+          <pc:docMk/>
+          <pc:sldMk cId="3480970570" sldId="414"/>
+        </pc:sldMkLst>
+        <pc:picChg chg="del">
+          <ac:chgData name="Christel Maes" userId="7e61469a-7c21-464c-bace-a1bda262211a" providerId="ADAL" clId="{9CD5A685-83CE-423C-AACA-A94A85481066}" dt="2020-09-10T15:20:57.208" v="0"/>
+          <ac:picMkLst>
+            <pc:docMk/>
+            <pc:sldMk cId="3480970570" sldId="414"/>
+            <ac:picMk id="6" creationId="{774398A8-5953-4808-A63A-CCB547A355F3}"/>
+          </ac:picMkLst>
+        </pc:picChg>
+      </pc:sldChg>
+      <pc:sldChg chg="delSp modAnim">
+        <pc:chgData name="Christel Maes" userId="7e61469a-7c21-464c-bace-a1bda262211a" providerId="ADAL" clId="{9CD5A685-83CE-423C-AACA-A94A85481066}" dt="2020-09-10T15:20:57.208" v="0"/>
         <pc:sldMkLst>
           <pc:docMk/>
           <pc:sldMk cId="196390062" sldId="415"/>
         </pc:sldMkLst>
-        <pc:spChg chg="mod">
-          <ac:chgData name="Hans Bartholomeus" userId="fdad893c-ea0f-4e18-a760-ac9a83339ccd" providerId="ADAL" clId="{25550FC0-1B1B-4314-8976-E78C75F6598E}" dt="2020-08-25T12:13:45.462" v="288" actId="20577"/>
-          <ac:spMkLst>
+        <pc:picChg chg="del">
+          <ac:chgData name="Christel Maes" userId="7e61469a-7c21-464c-bace-a1bda262211a" providerId="ADAL" clId="{9CD5A685-83CE-423C-AACA-A94A85481066}" dt="2020-09-10T15:20:57.208" v="0"/>
+          <ac:picMkLst>
             <pc:docMk/>
             <pc:sldMk cId="196390062" sldId="415"/>
-            <ac:spMk id="3" creationId="{12E1FE41-66BC-4C52-BB7A-A5C70E75B2B5}"/>
-          </ac:spMkLst>
-        </pc:spChg>
+            <ac:picMk id="5" creationId="{73573CD4-0584-4A1D-955F-646E9E9B2510}"/>
+          </ac:picMkLst>
+        </pc:picChg>
       </pc:sldChg>
-      <pc:sldChg chg="modSp mod">
-        <pc:chgData name="Hans Bartholomeus" userId="fdad893c-ea0f-4e18-a760-ac9a83339ccd" providerId="ADAL" clId="{25550FC0-1B1B-4314-8976-E78C75F6598E}" dt="2020-08-25T12:15:10.046" v="299" actId="1036"/>
+      <pc:sldChg chg="delSp modAnim">
+        <pc:chgData name="Christel Maes" userId="7e61469a-7c21-464c-bace-a1bda262211a" providerId="ADAL" clId="{9CD5A685-83CE-423C-AACA-A94A85481066}" dt="2020-09-10T15:20:57.208" v="0"/>
+        <pc:sldMkLst>
+          <pc:docMk/>
+          <pc:sldMk cId="3982574100" sldId="416"/>
+        </pc:sldMkLst>
+        <pc:picChg chg="del">
+          <ac:chgData name="Christel Maes" userId="7e61469a-7c21-464c-bace-a1bda262211a" providerId="ADAL" clId="{9CD5A685-83CE-423C-AACA-A94A85481066}" dt="2020-09-10T15:20:57.208" v="0"/>
+          <ac:picMkLst>
+            <pc:docMk/>
+            <pc:sldMk cId="3982574100" sldId="416"/>
+            <ac:picMk id="6" creationId="{18EBF37D-E82F-446D-AC85-05A373A02019}"/>
+          </ac:picMkLst>
+        </pc:picChg>
+      </pc:sldChg>
+      <pc:sldChg chg="delSp modAnim">
+        <pc:chgData name="Christel Maes" userId="7e61469a-7c21-464c-bace-a1bda262211a" providerId="ADAL" clId="{9CD5A685-83CE-423C-AACA-A94A85481066}" dt="2020-09-10T15:20:57.208" v="0"/>
+        <pc:sldMkLst>
+          <pc:docMk/>
+          <pc:sldMk cId="3105006182" sldId="417"/>
+        </pc:sldMkLst>
+        <pc:picChg chg="del">
+          <ac:chgData name="Christel Maes" userId="7e61469a-7c21-464c-bace-a1bda262211a" providerId="ADAL" clId="{9CD5A685-83CE-423C-AACA-A94A85481066}" dt="2020-09-10T15:20:57.208" v="0"/>
+          <ac:picMkLst>
+            <pc:docMk/>
+            <pc:sldMk cId="3105006182" sldId="417"/>
+            <ac:picMk id="5" creationId="{9C72A019-D2EF-476B-B543-AD3214AD1599}"/>
+          </ac:picMkLst>
+        </pc:picChg>
+      </pc:sldChg>
+      <pc:sldChg chg="delSp modAnim">
+        <pc:chgData name="Christel Maes" userId="7e61469a-7c21-464c-bace-a1bda262211a" providerId="ADAL" clId="{9CD5A685-83CE-423C-AACA-A94A85481066}" dt="2020-09-10T15:20:57.208" v="0"/>
         <pc:sldMkLst>
           <pc:docMk/>
           <pc:sldMk cId="3167971348" sldId="418"/>
         </pc:sldMkLst>
-        <pc:spChg chg="mod">
-          <ac:chgData name="Hans Bartholomeus" userId="fdad893c-ea0f-4e18-a760-ac9a83339ccd" providerId="ADAL" clId="{25550FC0-1B1B-4314-8976-E78C75F6598E}" dt="2020-08-25T12:15:10.046" v="299" actId="1036"/>
-          <ac:spMkLst>
+        <pc:picChg chg="del">
+          <ac:chgData name="Christel Maes" userId="7e61469a-7c21-464c-bace-a1bda262211a" providerId="ADAL" clId="{9CD5A685-83CE-423C-AACA-A94A85481066}" dt="2020-09-10T15:20:57.208" v="0"/>
+          <ac:picMkLst>
             <pc:docMk/>
             <pc:sldMk cId="3167971348" sldId="418"/>
-            <ac:spMk id="7" creationId="{9E80DF38-C16E-408A-A522-0BDCA924DDF7}"/>
-          </ac:spMkLst>
-        </pc:spChg>
+            <ac:picMk id="5" creationId="{10A3F8B1-AB18-4491-89E6-2A032275F6E0}"/>
+          </ac:picMkLst>
+        </pc:picChg>
       </pc:sldChg>
-      <pc:sldChg chg="modSp mod">
-        <pc:chgData name="Hans Bartholomeus" userId="fdad893c-ea0f-4e18-a760-ac9a83339ccd" providerId="ADAL" clId="{25550FC0-1B1B-4314-8976-E78C75F6598E}" dt="2020-08-25T12:16:25.188" v="320" actId="108"/>
+      <pc:sldChg chg="delSp modAnim">
+        <pc:chgData name="Christel Maes" userId="7e61469a-7c21-464c-bace-a1bda262211a" providerId="ADAL" clId="{9CD5A685-83CE-423C-AACA-A94A85481066}" dt="2020-09-10T15:20:57.208" v="0"/>
         <pc:sldMkLst>
           <pc:docMk/>
           <pc:sldMk cId="2378511427" sldId="419"/>
         </pc:sldMkLst>
-        <pc:spChg chg="mod">
-          <ac:chgData name="Hans Bartholomeus" userId="fdad893c-ea0f-4e18-a760-ac9a83339ccd" providerId="ADAL" clId="{25550FC0-1B1B-4314-8976-E78C75F6598E}" dt="2020-08-25T12:16:25.188" v="320" actId="108"/>
-          <ac:spMkLst>
+        <pc:picChg chg="del">
+          <ac:chgData name="Christel Maes" userId="7e61469a-7c21-464c-bace-a1bda262211a" providerId="ADAL" clId="{9CD5A685-83CE-423C-AACA-A94A85481066}" dt="2020-09-10T15:20:57.208" v="0"/>
+          <ac:picMkLst>
             <pc:docMk/>
             <pc:sldMk cId="2378511427" sldId="419"/>
-            <ac:spMk id="3" creationId="{DEBC61E4-AA7E-4BF7-B269-C10B0334C31B}"/>
-          </ac:spMkLst>
-        </pc:spChg>
+            <ac:picMk id="6" creationId="{F2B1867E-2338-4064-99F7-7F292F55E7EB}"/>
+          </ac:picMkLst>
+        </pc:picChg>
       </pc:sldChg>
-      <pc:sldChg chg="modSp">
-        <pc:chgData name="Hans Bartholomeus" userId="fdad893c-ea0f-4e18-a760-ac9a83339ccd" providerId="ADAL" clId="{25550FC0-1B1B-4314-8976-E78C75F6598E}" dt="2020-08-25T12:17:34.368" v="333" actId="20577"/>
+      <pc:sldChg chg="delSp modAnim">
+        <pc:chgData name="Christel Maes" userId="7e61469a-7c21-464c-bace-a1bda262211a" providerId="ADAL" clId="{9CD5A685-83CE-423C-AACA-A94A85481066}" dt="2020-09-10T15:20:57.208" v="0"/>
         <pc:sldMkLst>
           <pc:docMk/>
           <pc:sldMk cId="186737167" sldId="420"/>
         </pc:sldMkLst>
-        <pc:spChg chg="mod">
-          <ac:chgData name="Hans Bartholomeus" userId="fdad893c-ea0f-4e18-a760-ac9a83339ccd" providerId="ADAL" clId="{25550FC0-1B1B-4314-8976-E78C75F6598E}" dt="2020-08-25T12:17:34.368" v="333" actId="20577"/>
-          <ac:spMkLst>
+        <pc:picChg chg="del">
+          <ac:chgData name="Christel Maes" userId="7e61469a-7c21-464c-bace-a1bda262211a" providerId="ADAL" clId="{9CD5A685-83CE-423C-AACA-A94A85481066}" dt="2020-09-10T15:20:57.208" v="0"/>
+          <ac:picMkLst>
             <pc:docMk/>
             <pc:sldMk cId="186737167" sldId="420"/>
-            <ac:spMk id="3" creationId="{60C72D7F-806D-49D2-8D8B-EA0AD92142B0}"/>
-          </ac:spMkLst>
-        </pc:spChg>
+            <ac:picMk id="10" creationId="{FFD74854-9520-4A0F-BEEC-6E6D73AE7148}"/>
+          </ac:picMkLst>
+        </pc:picChg>
       </pc:sldChg>
-      <pc:sldChg chg="modSp mod">
-        <pc:chgData name="Hans Bartholomeus" userId="fdad893c-ea0f-4e18-a760-ac9a83339ccd" providerId="ADAL" clId="{25550FC0-1B1B-4314-8976-E78C75F6598E}" dt="2020-08-25T12:18:23.475" v="351" actId="20577"/>
+      <pc:sldChg chg="delSp modAnim">
+        <pc:chgData name="Christel Maes" userId="7e61469a-7c21-464c-bace-a1bda262211a" providerId="ADAL" clId="{9CD5A685-83CE-423C-AACA-A94A85481066}" dt="2020-09-10T15:20:57.208" v="0"/>
         <pc:sldMkLst>
           <pc:docMk/>
           <pc:sldMk cId="95761461" sldId="421"/>
         </pc:sldMkLst>
-        <pc:spChg chg="mod">
-          <ac:chgData name="Hans Bartholomeus" userId="fdad893c-ea0f-4e18-a760-ac9a83339ccd" providerId="ADAL" clId="{25550FC0-1B1B-4314-8976-E78C75F6598E}" dt="2020-08-25T12:18:23.475" v="351" actId="20577"/>
-          <ac:spMkLst>
+        <pc:picChg chg="del">
+          <ac:chgData name="Christel Maes" userId="7e61469a-7c21-464c-bace-a1bda262211a" providerId="ADAL" clId="{9CD5A685-83CE-423C-AACA-A94A85481066}" dt="2020-09-10T15:20:57.208" v="0"/>
+          <ac:picMkLst>
             <pc:docMk/>
             <pc:sldMk cId="95761461" sldId="421"/>
-            <ac:spMk id="3" creationId="{55FB72D3-F292-4F27-A72C-EB166EBEDEEA}"/>
-          </ac:spMkLst>
-        </pc:spChg>
+            <ac:picMk id="7" creationId="{D2984898-8331-4B3D-BB53-F01C7699CF3A}"/>
+          </ac:picMkLst>
+        </pc:picChg>
       </pc:sldChg>
-      <pc:sldChg chg="modSp mod">
-        <pc:chgData name="Hans Bartholomeus" userId="fdad893c-ea0f-4e18-a760-ac9a83339ccd" providerId="ADAL" clId="{25550FC0-1B1B-4314-8976-E78C75F6598E}" dt="2020-08-25T12:19:52.839" v="353" actId="20577"/>
+      <pc:sldChg chg="delSp modAnim">
+        <pc:chgData name="Christel Maes" userId="7e61469a-7c21-464c-bace-a1bda262211a" providerId="ADAL" clId="{9CD5A685-83CE-423C-AACA-A94A85481066}" dt="2020-09-10T15:20:57.208" v="0"/>
+        <pc:sldMkLst>
+          <pc:docMk/>
+          <pc:sldMk cId="1380650295" sldId="422"/>
+        </pc:sldMkLst>
+        <pc:picChg chg="del">
+          <ac:chgData name="Christel Maes" userId="7e61469a-7c21-464c-bace-a1bda262211a" providerId="ADAL" clId="{9CD5A685-83CE-423C-AACA-A94A85481066}" dt="2020-09-10T15:20:57.208" v="0"/>
+          <ac:picMkLst>
+            <pc:docMk/>
+            <pc:sldMk cId="1380650295" sldId="422"/>
+            <ac:picMk id="5" creationId="{D4ED90A6-6E2E-4110-BDCF-5D6157F46574}"/>
+          </ac:picMkLst>
+        </pc:picChg>
+      </pc:sldChg>
+      <pc:sldChg chg="delSp modAnim">
+        <pc:chgData name="Christel Maes" userId="7e61469a-7c21-464c-bace-a1bda262211a" providerId="ADAL" clId="{9CD5A685-83CE-423C-AACA-A94A85481066}" dt="2020-09-10T15:20:57.208" v="0"/>
+        <pc:sldMkLst>
+          <pc:docMk/>
+          <pc:sldMk cId="2174993830" sldId="423"/>
+        </pc:sldMkLst>
+        <pc:picChg chg="del">
+          <ac:chgData name="Christel Maes" userId="7e61469a-7c21-464c-bace-a1bda262211a" providerId="ADAL" clId="{9CD5A685-83CE-423C-AACA-A94A85481066}" dt="2020-09-10T15:20:57.208" v="0"/>
+          <ac:picMkLst>
+            <pc:docMk/>
+            <pc:sldMk cId="2174993830" sldId="423"/>
+            <ac:picMk id="5" creationId="{AB9597D3-33E4-4ADE-805D-192E680756D0}"/>
+          </ac:picMkLst>
+        </pc:picChg>
+      </pc:sldChg>
+      <pc:sldChg chg="delSp modAnim">
+        <pc:chgData name="Christel Maes" userId="7e61469a-7c21-464c-bace-a1bda262211a" providerId="ADAL" clId="{9CD5A685-83CE-423C-AACA-A94A85481066}" dt="2020-09-10T15:20:57.208" v="0"/>
         <pc:sldMkLst>
           <pc:docMk/>
           <pc:sldMk cId="2777295993" sldId="424"/>
         </pc:sldMkLst>
-        <pc:spChg chg="mod">
-          <ac:chgData name="Hans Bartholomeus" userId="fdad893c-ea0f-4e18-a760-ac9a83339ccd" providerId="ADAL" clId="{25550FC0-1B1B-4314-8976-E78C75F6598E}" dt="2020-08-25T12:19:52.839" v="353" actId="20577"/>
-          <ac:spMkLst>
+        <pc:picChg chg="del">
+          <ac:chgData name="Christel Maes" userId="7e61469a-7c21-464c-bace-a1bda262211a" providerId="ADAL" clId="{9CD5A685-83CE-423C-AACA-A94A85481066}" dt="2020-09-10T15:20:57.208" v="0"/>
+          <ac:picMkLst>
             <pc:docMk/>
             <pc:sldMk cId="2777295993" sldId="424"/>
-            <ac:spMk id="3" creationId="{00000000-0000-0000-0000-000000000000}"/>
-          </ac:spMkLst>
-        </pc:spChg>
+            <ac:picMk id="5" creationId="{B592BE2E-4668-4498-B664-63EAC5D5AF33}"/>
+          </ac:picMkLst>
+        </pc:picChg>
+      </pc:sldChg>
+    </pc:docChg>
+  </pc:docChgLst>
+  <pc:docChgLst>
+    <pc:chgData name="Jochen Mariën" userId="a4f8d9ed-3895-4365-b2d5-9432cb8a20d4" providerId="ADAL" clId="{805DA7DF-B8D8-4A20-9B93-0EF8E68A5961}"/>
+    <pc:docChg chg="modSld">
+      <pc:chgData name="Jochen Mariën" userId="a4f8d9ed-3895-4365-b2d5-9432cb8a20d4" providerId="ADAL" clId="{805DA7DF-B8D8-4A20-9B93-0EF8E68A5961}" dt="2022-05-25T13:08:15.536" v="0"/>
+      <pc:docMkLst>
+        <pc:docMk/>
+      </pc:docMkLst>
+      <pc:sldChg chg="addSp modSp">
+        <pc:chgData name="Jochen Mariën" userId="a4f8d9ed-3895-4365-b2d5-9432cb8a20d4" providerId="ADAL" clId="{805DA7DF-B8D8-4A20-9B93-0EF8E68A5961}" dt="2022-05-25T13:08:15.536" v="0"/>
+        <pc:sldMkLst>
+          <pc:docMk/>
+          <pc:sldMk cId="3221931466" sldId="391"/>
+        </pc:sldMkLst>
+        <pc:picChg chg="add mod">
+          <ac:chgData name="Jochen Mariën" userId="a4f8d9ed-3895-4365-b2d5-9432cb8a20d4" providerId="ADAL" clId="{805DA7DF-B8D8-4A20-9B93-0EF8E68A5961}" dt="2022-05-25T13:08:15.536" v="0"/>
+          <ac:picMkLst>
+            <pc:docMk/>
+            <pc:sldMk cId="3221931466" sldId="391"/>
+            <ac:picMk id="4" creationId="{5EA472B7-F669-2967-A4B3-05CE8FD8387F}"/>
+          </ac:picMkLst>
+        </pc:picChg>
       </pc:sldChg>
     </pc:docChg>
   </pc:docChgLst>
@@ -3517,7 +3586,7 @@
           <a:p>
             <a:fld id="{15E4F5CE-CB34-4A0C-9595-867A2C0DB20E}" type="datetimeFigureOut">
               <a:rPr lang="nl-BE" smtClean="0"/>
-              <a:t>25/05/2022</a:t>
+              <a:t>4/10/2022</a:t>
             </a:fld>
             <a:endParaRPr lang="nl-BE"/>
           </a:p>
@@ -3694,7 +3763,7 @@
           <a:p>
             <a:fld id="{4D53584B-980D-4F7D-BA36-682FCDF648BB}" type="datetimeFigureOut">
               <a:rPr lang="nl-BE" smtClean="0"/>
-              <a:t>25/05/2022</a:t>
+              <a:t>4/10/2022</a:t>
             </a:fld>
             <a:endParaRPr lang="nl-BE"/>
           </a:p>
@@ -4195,7 +4264,7 @@
           <a:p>
             <a:fld id="{F456E141-11F1-487F-A892-18B8A63336C7}" type="datetime1">
               <a:rPr lang="nl-BE" smtClean="0"/>
-              <a:t>25/05/2022</a:t>
+              <a:t>4/10/2022</a:t>
             </a:fld>
             <a:endParaRPr lang="nl-BE"/>
           </a:p>
@@ -4447,7 +4516,7 @@
           <a:p>
             <a:fld id="{85CAFD92-94F2-4CD0-8A1D-AA3295115CEC}" type="datetime1">
               <a:rPr lang="nl-BE" smtClean="0"/>
-              <a:t>25/05/2022</a:t>
+              <a:t>4/10/2022</a:t>
             </a:fld>
             <a:endParaRPr lang="nl-BE"/>
           </a:p>
@@ -4627,7 +4696,7 @@
           <a:p>
             <a:fld id="{02B84EFA-B363-4043-A12E-44B39EC7D05B}" type="datetime1">
               <a:rPr lang="nl-BE" smtClean="0"/>
-              <a:t>25/05/2022</a:t>
+              <a:t>4/10/2022</a:t>
             </a:fld>
             <a:endParaRPr lang="nl-BE"/>
           </a:p>
@@ -4826,7 +4895,7 @@
           <a:p>
             <a:fld id="{B7AA89A6-C9B9-4556-BC9E-5E3CF3322A33}" type="datetime1">
               <a:rPr lang="nl-BE" smtClean="0"/>
-              <a:t>25/05/2022</a:t>
+              <a:t>4/10/2022</a:t>
             </a:fld>
             <a:endParaRPr lang="nl-BE"/>
           </a:p>
@@ -5077,7 +5146,7 @@
           <a:p>
             <a:fld id="{6CEB42D4-4FBB-465F-AE58-8ADBDBF671C8}" type="datetime1">
               <a:rPr lang="nl-BE" smtClean="0"/>
-              <a:t>25/05/2022</a:t>
+              <a:t>4/10/2022</a:t>
             </a:fld>
             <a:endParaRPr lang="nl-BE"/>
           </a:p>
@@ -5309,7 +5378,7 @@
           <a:p>
             <a:fld id="{64B405D5-C0FD-42E0-9EB1-2670F471B7BB}" type="datetime1">
               <a:rPr lang="nl-BE" smtClean="0"/>
-              <a:t>25/05/2022</a:t>
+              <a:t>4/10/2022</a:t>
             </a:fld>
             <a:endParaRPr lang="nl-BE"/>
           </a:p>
@@ -5676,7 +5745,7 @@
           <a:p>
             <a:fld id="{4CB55C39-C031-448F-A58F-CA88F7B6F786}" type="datetime1">
               <a:rPr lang="nl-BE" smtClean="0"/>
-              <a:t>25/05/2022</a:t>
+              <a:t>4/10/2022</a:t>
             </a:fld>
             <a:endParaRPr lang="nl-BE"/>
           </a:p>
@@ -5794,7 +5863,7 @@
           <a:p>
             <a:fld id="{E29307F5-1DF0-4FFF-91A4-1E1A6A26A94A}" type="datetime1">
               <a:rPr lang="nl-BE" smtClean="0"/>
-              <a:t>25/05/2022</a:t>
+              <a:t>4/10/2022</a:t>
             </a:fld>
             <a:endParaRPr lang="nl-BE"/>
           </a:p>
@@ -5889,7 +5958,7 @@
           <a:p>
             <a:fld id="{00A9168B-A159-4E9D-A6C6-C6786C6AB2EB}" type="datetime1">
               <a:rPr lang="nl-BE" smtClean="0"/>
-              <a:t>25/05/2022</a:t>
+              <a:t>4/10/2022</a:t>
             </a:fld>
             <a:endParaRPr lang="nl-BE"/>
           </a:p>
@@ -6166,7 +6235,7 @@
           <a:p>
             <a:fld id="{E9D22159-AF82-4D23-BC06-D4277BDD9BAD}" type="datetime1">
               <a:rPr lang="nl-BE" smtClean="0"/>
-              <a:t>25/05/2022</a:t>
+              <a:t>4/10/2022</a:t>
             </a:fld>
             <a:endParaRPr lang="nl-BE"/>
           </a:p>
@@ -6419,7 +6488,7 @@
           <a:p>
             <a:fld id="{D08A7014-C292-4E4F-926C-1A31F538B52A}" type="datetime1">
               <a:rPr lang="nl-BE" smtClean="0"/>
-              <a:t>25/05/2022</a:t>
+              <a:t>4/10/2022</a:t>
             </a:fld>
             <a:endParaRPr lang="nl-BE"/>
           </a:p>
@@ -6632,7 +6701,7 @@
           <a:p>
             <a:fld id="{E9CC7161-F687-474C-905A-3CCBBA535086}" type="datetime1">
               <a:rPr lang="nl-BE" smtClean="0"/>
-              <a:t>25/05/2022</a:t>
+              <a:t>4/10/2022</a:t>
             </a:fld>
             <a:endParaRPr lang="nl-BE"/>
           </a:p>
@@ -12727,7 +12796,39 @@
                   <a:schemeClr val="tx1"/>
                 </a:solidFill>
               </a:rPr>
-              <a:t> in the function is always given the content of the argument in the function call. </a:t>
+              <a:t> in the function is </a:t>
+            </a:r>
+            <a:r>
+              <a:rPr lang="nl-BE" sz="2400" dirty="0" err="1">
+                <a:solidFill>
+                  <a:schemeClr val="tx1"/>
+                </a:solidFill>
+              </a:rPr>
+              <a:t>always</a:t>
+            </a:r>
+            <a:r>
+              <a:rPr lang="nl-BE" sz="2400" dirty="0">
+                <a:solidFill>
+                  <a:schemeClr val="tx1"/>
+                </a:solidFill>
+              </a:rPr>
+              <a:t> </a:t>
+            </a:r>
+            <a:r>
+              <a:rPr lang="nl-BE" sz="2400" dirty="0" err="1">
+                <a:solidFill>
+                  <a:schemeClr val="tx1"/>
+                </a:solidFill>
+              </a:rPr>
+              <a:t>giving</a:t>
+            </a:r>
+            <a:r>
+              <a:rPr lang="nl-BE" sz="2400" dirty="0">
+                <a:solidFill>
+                  <a:schemeClr val="tx1"/>
+                </a:solidFill>
+              </a:rPr>
+              <a:t> the content of the argument in the function call. </a:t>
             </a:r>
             <a:br>
               <a:rPr lang="nl-BE" sz="2400" dirty="0">
@@ -14851,89 +14952,6 @@
               <a:t>17</a:t>
             </a:fld>
             <a:endParaRPr lang="nl-BE" dirty="0"/>
-          </a:p>
-        </p:txBody>
-      </p:sp>
-      <p:sp>
-        <p:nvSpPr>
-          <p:cNvPr id="15" name="Rectangle 3"/>
-          <p:cNvSpPr>
-            <a:spLocks noChangeArrowheads="1"/>
-          </p:cNvSpPr>
-          <p:nvPr/>
-        </p:nvSpPr>
-        <p:spPr bwMode="auto">
-          <a:xfrm>
-            <a:off x="0" y="43934"/>
-            <a:ext cx="184731" cy="369332"/>
-          </a:xfrm>
-          <a:prstGeom prst="rect">
-            <a:avLst/>
-          </a:prstGeom>
-          <a:solidFill>
-            <a:srgbClr val="FFFFFF"/>
-          </a:solidFill>
-          <a:ln>
-            <a:noFill/>
-          </a:ln>
-          <a:effectLst/>
-          <a:extLst>
-            <a:ext uri="{91240B29-F687-4F45-9708-019B960494DF}">
-              <a14:hiddenLine xmlns:a14="http://schemas.microsoft.com/office/drawing/2010/main" w="9525">
-                <a:solidFill>
-                  <a:schemeClr val="tx1"/>
-                </a:solidFill>
-                <a:miter lim="800000"/>
-                <a:headEnd/>
-                <a:tailEnd/>
-              </a14:hiddenLine>
-            </a:ext>
-            <a:ext uri="{AF507438-7753-43E0-B8FC-AC1667EBCBE1}">
-              <a14:hiddenEffects xmlns:a14="http://schemas.microsoft.com/office/drawing/2010/main">
-                <a:effectLst>
-                  <a:outerShdw dist="35921" dir="2700000" algn="ctr" rotWithShape="0">
-                    <a:schemeClr val="bg2"/>
-                  </a:outerShdw>
-                </a:effectLst>
-              </a14:hiddenEffects>
-            </a:ext>
-          </a:extLst>
-        </p:spPr>
-        <p:txBody>
-          <a:bodyPr vert="horz" wrap="none" lIns="91440" tIns="45720" rIns="91440" bIns="45720" numCol="1" anchor="ctr" anchorCtr="0" compatLnSpc="1">
-            <a:prstTxWarp prst="textNoShape">
-              <a:avLst/>
-            </a:prstTxWarp>
-            <a:spAutoFit/>
-          </a:bodyPr>
-          <a:lstStyle/>
-          <a:p>
-            <a:pPr marL="0" marR="0" lvl="0" indent="0" algn="l" defTabSz="914400" rtl="0" eaLnBrk="0" fontAlgn="base" latinLnBrk="0" hangingPunct="0">
-              <a:lnSpc>
-                <a:spcPct val="100000"/>
-              </a:lnSpc>
-              <a:spcBef>
-                <a:spcPct val="0"/>
-              </a:spcBef>
-              <a:spcAft>
-                <a:spcPct val="0"/>
-              </a:spcAft>
-              <a:buClrTx/>
-              <a:buSzTx/>
-              <a:buFontTx/>
-              <a:buNone/>
-              <a:tabLst/>
-            </a:pPr>
-            <a:endParaRPr kumimoji="0" lang="nl-BE" altLang="nl-BE" sz="1800" b="0" i="0" u="none" strike="noStrike" cap="none" normalizeH="0" baseline="0" dirty="0">
-              <a:ln>
-                <a:noFill/>
-              </a:ln>
-              <a:solidFill>
-                <a:schemeClr val="tx1"/>
-              </a:solidFill>
-              <a:effectLst/>
-              <a:latin typeface="Arial" panose="020B0604020202020204" pitchFamily="34" charset="0"/>
-            </a:endParaRPr>
           </a:p>
         </p:txBody>
       </p:sp>
@@ -33435,16 +33453,17 @@
             </a:r>
             <a:r>
               <a:rPr lang="nl-BE" dirty="0"/>
-              <a:t> test in </a:t>
+              <a:t> test </a:t>
             </a:r>
             <a:r>
               <a:rPr lang="nl-BE" dirty="0" err="1"/>
-              <a:t>PyCharm</a:t>
-            </a:r>
-            <a:r>
-              <a:rPr lang="nl-BE" dirty="0"/>
-              <a:t>?</a:t>
-            </a:r>
+              <a:t>your</a:t>
+            </a:r>
+            <a:r>
+              <a:rPr lang="nl-BE"/>
+              <a:t> code?</a:t>
+            </a:r>
+            <a:endParaRPr lang="nl-BE" dirty="0"/>
           </a:p>
         </p:txBody>
       </p:sp>
@@ -35255,21 +35274,7 @@
                 <a:latin typeface="Calibri" pitchFamily="34" charset="0"/>
                 <a:cs typeface="Calibri" pitchFamily="34" charset="0"/>
               </a:rPr>
-              <a:t>A function performs a number of actions, </a:t>
-            </a:r>
-            <a:r>
-              <a:rPr lang="nl-NL" sz="2600" dirty="0" err="1">
-                <a:latin typeface="Calibri" pitchFamily="34" charset="0"/>
-                <a:cs typeface="Calibri" pitchFamily="34" charset="0"/>
-              </a:rPr>
-              <a:t>this</a:t>
-            </a:r>
-            <a:r>
-              <a:rPr lang="nl-NL" sz="2600" dirty="0">
-                <a:latin typeface="Calibri" pitchFamily="34" charset="0"/>
-                <a:cs typeface="Calibri" pitchFamily="34" charset="0"/>
-              </a:rPr>
-              <a:t> </a:t>
+              <a:t>A function performs a number of actions, these </a:t>
             </a:r>
             <a:r>
               <a:rPr lang="nl-NL" sz="2600" dirty="0" err="1">

--- a/Basic_python/6 Functions.pptx
+++ b/Basic_python/6 Functions.pptx
@@ -164,171 +164,6 @@
 
 <file path=ppt/changesInfos/changesInfo1.xml><?xml version="1.0" encoding="utf-8"?>
 <pc:chgInfo xmlns:a="http://schemas.openxmlformats.org/drawingml/2006/main" xmlns:r="http://schemas.openxmlformats.org/officeDocument/2006/relationships" xmlns:ac="http://schemas.microsoft.com/office/drawing/2013/main/command" xmlns:pc="http://schemas.microsoft.com/office/powerpoint/2013/main/command">
-  <pc:docChgLst>
-    <pc:chgData name="Brent Pulmans" userId="8ae858ac-1a5b-43d2-9c3f-1bf2d06d427e" providerId="ADAL" clId="{F101F929-B726-4699-B9EB-E6AB581F0FE5}"/>
-    <pc:docChg chg="modSld">
-      <pc:chgData name="Brent Pulmans" userId="8ae858ac-1a5b-43d2-9c3f-1bf2d06d427e" providerId="ADAL" clId="{F101F929-B726-4699-B9EB-E6AB581F0FE5}" dt="2022-10-04T13:17:17.271" v="23" actId="20577"/>
-      <pc:docMkLst>
-        <pc:docMk/>
-      </pc:docMkLst>
-      <pc:sldChg chg="modSp mod">
-        <pc:chgData name="Brent Pulmans" userId="8ae858ac-1a5b-43d2-9c3f-1bf2d06d427e" providerId="ADAL" clId="{F101F929-B726-4699-B9EB-E6AB581F0FE5}" dt="2022-10-04T13:04:52.953" v="4" actId="20577"/>
-        <pc:sldMkLst>
-          <pc:docMk/>
-          <pc:sldMk cId="72634776" sldId="397"/>
-        </pc:sldMkLst>
-        <pc:spChg chg="mod">
-          <ac:chgData name="Brent Pulmans" userId="8ae858ac-1a5b-43d2-9c3f-1bf2d06d427e" providerId="ADAL" clId="{F101F929-B726-4699-B9EB-E6AB581F0FE5}" dt="2022-10-04T13:04:52.953" v="4" actId="20577"/>
-          <ac:spMkLst>
-            <pc:docMk/>
-            <pc:sldMk cId="72634776" sldId="397"/>
-            <ac:spMk id="3" creationId="{1E2A09A1-F785-4563-A0A4-9607ACF146B4}"/>
-          </ac:spMkLst>
-        </pc:spChg>
-      </pc:sldChg>
-      <pc:sldChg chg="modSp">
-        <pc:chgData name="Brent Pulmans" userId="8ae858ac-1a5b-43d2-9c3f-1bf2d06d427e" providerId="ADAL" clId="{F101F929-B726-4699-B9EB-E6AB581F0FE5}" dt="2022-10-04T13:08:29.521" v="9" actId="20577"/>
-        <pc:sldMkLst>
-          <pc:docMk/>
-          <pc:sldMk cId="1242255682" sldId="405"/>
-        </pc:sldMkLst>
-        <pc:spChg chg="mod">
-          <ac:chgData name="Brent Pulmans" userId="8ae858ac-1a5b-43d2-9c3f-1bf2d06d427e" providerId="ADAL" clId="{F101F929-B726-4699-B9EB-E6AB581F0FE5}" dt="2022-10-04T13:08:29.521" v="9" actId="20577"/>
-          <ac:spMkLst>
-            <pc:docMk/>
-            <pc:sldMk cId="1242255682" sldId="405"/>
-            <ac:spMk id="8" creationId="{4A95CF93-5499-4492-BC5B-98060CB46FCC}"/>
-          </ac:spMkLst>
-        </pc:spChg>
-      </pc:sldChg>
-      <pc:sldChg chg="delSp modSp">
-        <pc:chgData name="Brent Pulmans" userId="8ae858ac-1a5b-43d2-9c3f-1bf2d06d427e" providerId="ADAL" clId="{F101F929-B726-4699-B9EB-E6AB581F0FE5}" dt="2022-10-04T13:09:19.189" v="11" actId="478"/>
-        <pc:sldMkLst>
-          <pc:docMk/>
-          <pc:sldMk cId="908991994" sldId="407"/>
-        </pc:sldMkLst>
-        <pc:spChg chg="del mod">
-          <ac:chgData name="Brent Pulmans" userId="8ae858ac-1a5b-43d2-9c3f-1bf2d06d427e" providerId="ADAL" clId="{F101F929-B726-4699-B9EB-E6AB581F0FE5}" dt="2022-10-04T13:09:19.189" v="11" actId="478"/>
-          <ac:spMkLst>
-            <pc:docMk/>
-            <pc:sldMk cId="908991994" sldId="407"/>
-            <ac:spMk id="15" creationId="{00000000-0000-0000-0000-000000000000}"/>
-          </ac:spMkLst>
-        </pc:spChg>
-      </pc:sldChg>
-      <pc:sldChg chg="modSp mod">
-        <pc:chgData name="Brent Pulmans" userId="8ae858ac-1a5b-43d2-9c3f-1bf2d06d427e" providerId="ADAL" clId="{F101F929-B726-4699-B9EB-E6AB581F0FE5}" dt="2022-10-04T13:17:17.271" v="23" actId="20577"/>
-        <pc:sldMkLst>
-          <pc:docMk/>
-          <pc:sldMk cId="2777295993" sldId="424"/>
-        </pc:sldMkLst>
-        <pc:spChg chg="mod">
-          <ac:chgData name="Brent Pulmans" userId="8ae858ac-1a5b-43d2-9c3f-1bf2d06d427e" providerId="ADAL" clId="{F101F929-B726-4699-B9EB-E6AB581F0FE5}" dt="2022-10-04T13:17:17.271" v="23" actId="20577"/>
-          <ac:spMkLst>
-            <pc:docMk/>
-            <pc:sldMk cId="2777295993" sldId="424"/>
-            <ac:spMk id="2" creationId="{00000000-0000-0000-0000-000000000000}"/>
-          </ac:spMkLst>
-        </pc:spChg>
-      </pc:sldChg>
-    </pc:docChg>
-  </pc:docChgLst>
-  <pc:docChgLst>
-    <pc:chgData name="Tinne Van Echelpoel" userId="46798032-b7e2-4f2e-95a1-1606ec8c5d9a" providerId="ADAL" clId="{88787784-46BC-416A-B219-10FF91573CCD}"/>
-    <pc:docChg chg="modSld">
-      <pc:chgData name="Tinne Van Echelpoel" userId="46798032-b7e2-4f2e-95a1-1606ec8c5d9a" providerId="ADAL" clId="{88787784-46BC-416A-B219-10FF91573CCD}" dt="2020-09-02T13:38:11.890" v="1" actId="20577"/>
-      <pc:docMkLst>
-        <pc:docMk/>
-      </pc:docMkLst>
-      <pc:sldChg chg="modSp mod">
-        <pc:chgData name="Tinne Van Echelpoel" userId="46798032-b7e2-4f2e-95a1-1606ec8c5d9a" providerId="ADAL" clId="{88787784-46BC-416A-B219-10FF91573CCD}" dt="2020-09-02T13:22:43.357" v="0" actId="20577"/>
-        <pc:sldMkLst>
-          <pc:docMk/>
-          <pc:sldMk cId="1515343629" sldId="408"/>
-        </pc:sldMkLst>
-        <pc:spChg chg="mod">
-          <ac:chgData name="Tinne Van Echelpoel" userId="46798032-b7e2-4f2e-95a1-1606ec8c5d9a" providerId="ADAL" clId="{88787784-46BC-416A-B219-10FF91573CCD}" dt="2020-09-02T13:22:43.357" v="0" actId="20577"/>
-          <ac:spMkLst>
-            <pc:docMk/>
-            <pc:sldMk cId="1515343629" sldId="408"/>
-            <ac:spMk id="15" creationId="{F75B1871-FAB4-4BF1-901A-FF975702F340}"/>
-          </ac:spMkLst>
-        </pc:spChg>
-      </pc:sldChg>
-      <pc:sldChg chg="modSp">
-        <pc:chgData name="Tinne Van Echelpoel" userId="46798032-b7e2-4f2e-95a1-1606ec8c5d9a" providerId="ADAL" clId="{88787784-46BC-416A-B219-10FF91573CCD}" dt="2020-09-02T13:38:11.890" v="1" actId="20577"/>
-        <pc:sldMkLst>
-          <pc:docMk/>
-          <pc:sldMk cId="3349740050" sldId="411"/>
-        </pc:sldMkLst>
-        <pc:spChg chg="mod">
-          <ac:chgData name="Tinne Van Echelpoel" userId="46798032-b7e2-4f2e-95a1-1606ec8c5d9a" providerId="ADAL" clId="{88787784-46BC-416A-B219-10FF91573CCD}" dt="2020-09-02T13:38:11.890" v="1" actId="20577"/>
-          <ac:spMkLst>
-            <pc:docMk/>
-            <pc:sldMk cId="3349740050" sldId="411"/>
-            <ac:spMk id="7" creationId="{552BD681-7E70-4180-B608-D33C0E836321}"/>
-          </ac:spMkLst>
-        </pc:spChg>
-      </pc:sldChg>
-    </pc:docChg>
-  </pc:docChgLst>
-  <pc:docChgLst>
-    <pc:chgData name="Dirk Mervis" userId="197c8981-22eb-4dca-b603-0aa0f7d3451e" providerId="ADAL" clId="{559ED1B4-E990-4EA3-864D-FAFC9D8D4D72}"/>
-    <pc:docChg chg="modShowInfo">
-      <pc:chgData name="Dirk Mervis" userId="197c8981-22eb-4dca-b603-0aa0f7d3451e" providerId="ADAL" clId="{559ED1B4-E990-4EA3-864D-FAFC9D8D4D72}" dt="2021-03-16T07:49:05.689" v="0" actId="2744"/>
-      <pc:docMkLst>
-        <pc:docMk/>
-      </pc:docMkLst>
-    </pc:docChg>
-  </pc:docChgLst>
-  <pc:docChgLst>
-    <pc:chgData name="Hans Bartholomeus" userId="fdad893c-ea0f-4e18-a760-ac9a83339ccd" providerId="ADAL" clId="{A8551062-27B9-442E-87B0-24F6DE15563D}"/>
-    <pc:docChg chg="modSld">
-      <pc:chgData name="Hans Bartholomeus" userId="fdad893c-ea0f-4e18-a760-ac9a83339ccd" providerId="ADAL" clId="{A8551062-27B9-442E-87B0-24F6DE15563D}" dt="2020-10-20T09:15:12.030" v="2" actId="20577"/>
-      <pc:docMkLst>
-        <pc:docMk/>
-      </pc:docMkLst>
-      <pc:sldChg chg="modSp mod">
-        <pc:chgData name="Hans Bartholomeus" userId="fdad893c-ea0f-4e18-a760-ac9a83339ccd" providerId="ADAL" clId="{A8551062-27B9-442E-87B0-24F6DE15563D}" dt="2020-10-20T09:15:12.030" v="2" actId="20577"/>
-        <pc:sldMkLst>
-          <pc:docMk/>
-          <pc:sldMk cId="196390062" sldId="415"/>
-        </pc:sldMkLst>
-        <pc:spChg chg="mod">
-          <ac:chgData name="Hans Bartholomeus" userId="fdad893c-ea0f-4e18-a760-ac9a83339ccd" providerId="ADAL" clId="{A8551062-27B9-442E-87B0-24F6DE15563D}" dt="2020-10-20T09:15:12.030" v="2" actId="20577"/>
-          <ac:spMkLst>
-            <pc:docMk/>
-            <pc:sldMk cId="196390062" sldId="415"/>
-            <ac:spMk id="6" creationId="{8106C89F-B508-43FC-8C78-669ACF5949F3}"/>
-          </ac:spMkLst>
-        </pc:spChg>
-      </pc:sldChg>
-    </pc:docChg>
-  </pc:docChgLst>
-  <pc:docChgLst>
-    <pc:chgData name="Hans Bartholomeus" userId="fdad893c-ea0f-4e18-a760-ac9a83339ccd" providerId="ADAL" clId="{C6C1E749-A471-4218-AC31-8BA2C3931A00}"/>
-    <pc:docChg chg="modSld">
-      <pc:chgData name="Hans Bartholomeus" userId="fdad893c-ea0f-4e18-a760-ac9a83339ccd" providerId="ADAL" clId="{C6C1E749-A471-4218-AC31-8BA2C3931A00}" dt="2020-08-25T12:53:59.654" v="8" actId="6549"/>
-      <pc:docMkLst>
-        <pc:docMk/>
-      </pc:docMkLst>
-      <pc:sldChg chg="modSp mod">
-        <pc:chgData name="Hans Bartholomeus" userId="fdad893c-ea0f-4e18-a760-ac9a83339ccd" providerId="ADAL" clId="{C6C1E749-A471-4218-AC31-8BA2C3931A00}" dt="2020-08-25T12:53:59.654" v="8" actId="6549"/>
-        <pc:sldMkLst>
-          <pc:docMk/>
-          <pc:sldMk cId="1020751144" sldId="393"/>
-        </pc:sldMkLst>
-        <pc:spChg chg="mod">
-          <ac:chgData name="Hans Bartholomeus" userId="fdad893c-ea0f-4e18-a760-ac9a83339ccd" providerId="ADAL" clId="{C6C1E749-A471-4218-AC31-8BA2C3931A00}" dt="2020-08-25T12:53:59.654" v="8" actId="6549"/>
-          <ac:spMkLst>
-            <pc:docMk/>
-            <pc:sldMk cId="1020751144" sldId="393"/>
-            <ac:spMk id="3" creationId="{0A965233-77D1-4EA6-96A3-BB14281D64E4}"/>
-          </ac:spMkLst>
-        </pc:spChg>
-      </pc:sldChg>
-    </pc:docChg>
-  </pc:docChgLst>
   <pc:docChgLst>
     <pc:chgData name="Hans Bartholomeus" userId="fdad893c-ea0f-4e18-a760-ac9a83339ccd" providerId="ADAL" clId="{25550FC0-1B1B-4314-8976-E78C75F6598E}"/>
     <pc:docChg chg="custSel modSld">
@@ -645,6 +480,707 @@
           </ac:spMkLst>
         </pc:spChg>
       </pc:sldChg>
+    </pc:docChg>
+  </pc:docChgLst>
+  <pc:docChgLst>
+    <pc:chgData name="Hans Bartholomeus" userId="fdad893c-ea0f-4e18-a760-ac9a83339ccd" providerId="ADAL" clId="{C6C1E749-A471-4218-AC31-8BA2C3931A00}"/>
+    <pc:docChg chg="modSld">
+      <pc:chgData name="Hans Bartholomeus" userId="fdad893c-ea0f-4e18-a760-ac9a83339ccd" providerId="ADAL" clId="{C6C1E749-A471-4218-AC31-8BA2C3931A00}" dt="2020-08-25T12:53:59.654" v="8" actId="6549"/>
+      <pc:docMkLst>
+        <pc:docMk/>
+      </pc:docMkLst>
+      <pc:sldChg chg="modSp mod">
+        <pc:chgData name="Hans Bartholomeus" userId="fdad893c-ea0f-4e18-a760-ac9a83339ccd" providerId="ADAL" clId="{C6C1E749-A471-4218-AC31-8BA2C3931A00}" dt="2020-08-25T12:53:59.654" v="8" actId="6549"/>
+        <pc:sldMkLst>
+          <pc:docMk/>
+          <pc:sldMk cId="1020751144" sldId="393"/>
+        </pc:sldMkLst>
+        <pc:spChg chg="mod">
+          <ac:chgData name="Hans Bartholomeus" userId="fdad893c-ea0f-4e18-a760-ac9a83339ccd" providerId="ADAL" clId="{C6C1E749-A471-4218-AC31-8BA2C3931A00}" dt="2020-08-25T12:53:59.654" v="8" actId="6549"/>
+          <ac:spMkLst>
+            <pc:docMk/>
+            <pc:sldMk cId="1020751144" sldId="393"/>
+            <ac:spMk id="3" creationId="{0A965233-77D1-4EA6-96A3-BB14281D64E4}"/>
+          </ac:spMkLst>
+        </pc:spChg>
+      </pc:sldChg>
+    </pc:docChg>
+  </pc:docChgLst>
+  <pc:docChgLst>
+    <pc:chgData name="Tinne Van Echelpoel" userId="46798032-b7e2-4f2e-95a1-1606ec8c5d9a" providerId="ADAL" clId="{57D26828-8502-4DF1-8890-BFA8C8DA59D6}"/>
+    <pc:docChg chg="modNotesMaster modHandout">
+      <pc:chgData name="Tinne Van Echelpoel" userId="46798032-b7e2-4f2e-95a1-1606ec8c5d9a" providerId="ADAL" clId="{57D26828-8502-4DF1-8890-BFA8C8DA59D6}" dt="2020-10-14T09:22:19.908" v="0"/>
+      <pc:docMkLst>
+        <pc:docMk/>
+      </pc:docMkLst>
+    </pc:docChg>
+  </pc:docChgLst>
+  <pc:docChgLst>
+    <pc:chgData name="Tinne Van Echelpoel" userId="46798032-b7e2-4f2e-95a1-1606ec8c5d9a" providerId="ADAL" clId="{88787784-46BC-416A-B219-10FF91573CCD}"/>
+    <pc:docChg chg="modSld">
+      <pc:chgData name="Tinne Van Echelpoel" userId="46798032-b7e2-4f2e-95a1-1606ec8c5d9a" providerId="ADAL" clId="{88787784-46BC-416A-B219-10FF91573CCD}" dt="2020-09-02T13:38:11.890" v="1" actId="20577"/>
+      <pc:docMkLst>
+        <pc:docMk/>
+      </pc:docMkLst>
+      <pc:sldChg chg="modSp mod">
+        <pc:chgData name="Tinne Van Echelpoel" userId="46798032-b7e2-4f2e-95a1-1606ec8c5d9a" providerId="ADAL" clId="{88787784-46BC-416A-B219-10FF91573CCD}" dt="2020-09-02T13:22:43.357" v="0" actId="20577"/>
+        <pc:sldMkLst>
+          <pc:docMk/>
+          <pc:sldMk cId="1515343629" sldId="408"/>
+        </pc:sldMkLst>
+        <pc:spChg chg="mod">
+          <ac:chgData name="Tinne Van Echelpoel" userId="46798032-b7e2-4f2e-95a1-1606ec8c5d9a" providerId="ADAL" clId="{88787784-46BC-416A-B219-10FF91573CCD}" dt="2020-09-02T13:22:43.357" v="0" actId="20577"/>
+          <ac:spMkLst>
+            <pc:docMk/>
+            <pc:sldMk cId="1515343629" sldId="408"/>
+            <ac:spMk id="15" creationId="{F75B1871-FAB4-4BF1-901A-FF975702F340}"/>
+          </ac:spMkLst>
+        </pc:spChg>
+      </pc:sldChg>
+      <pc:sldChg chg="modSp">
+        <pc:chgData name="Tinne Van Echelpoel" userId="46798032-b7e2-4f2e-95a1-1606ec8c5d9a" providerId="ADAL" clId="{88787784-46BC-416A-B219-10FF91573CCD}" dt="2020-09-02T13:38:11.890" v="1" actId="20577"/>
+        <pc:sldMkLst>
+          <pc:docMk/>
+          <pc:sldMk cId="3349740050" sldId="411"/>
+        </pc:sldMkLst>
+        <pc:spChg chg="mod">
+          <ac:chgData name="Tinne Van Echelpoel" userId="46798032-b7e2-4f2e-95a1-1606ec8c5d9a" providerId="ADAL" clId="{88787784-46BC-416A-B219-10FF91573CCD}" dt="2020-09-02T13:38:11.890" v="1" actId="20577"/>
+          <ac:spMkLst>
+            <pc:docMk/>
+            <pc:sldMk cId="3349740050" sldId="411"/>
+            <ac:spMk id="7" creationId="{552BD681-7E70-4180-B608-D33C0E836321}"/>
+          </ac:spMkLst>
+        </pc:spChg>
+      </pc:sldChg>
+    </pc:docChg>
+  </pc:docChgLst>
+  <pc:docChgLst>
+    <pc:chgData name="Brent Pulmans" userId="8ae858ac-1a5b-43d2-9c3f-1bf2d06d427e" providerId="ADAL" clId="{F101F929-B726-4699-B9EB-E6AB581F0FE5}"/>
+    <pc:docChg chg="modSld">
+      <pc:chgData name="Brent Pulmans" userId="8ae858ac-1a5b-43d2-9c3f-1bf2d06d427e" providerId="ADAL" clId="{F101F929-B726-4699-B9EB-E6AB581F0FE5}" dt="2022-10-04T13:17:17.271" v="23" actId="20577"/>
+      <pc:docMkLst>
+        <pc:docMk/>
+      </pc:docMkLst>
+      <pc:sldChg chg="modSp mod">
+        <pc:chgData name="Brent Pulmans" userId="8ae858ac-1a5b-43d2-9c3f-1bf2d06d427e" providerId="ADAL" clId="{F101F929-B726-4699-B9EB-E6AB581F0FE5}" dt="2022-10-04T13:04:52.953" v="4" actId="20577"/>
+        <pc:sldMkLst>
+          <pc:docMk/>
+          <pc:sldMk cId="72634776" sldId="397"/>
+        </pc:sldMkLst>
+        <pc:spChg chg="mod">
+          <ac:chgData name="Brent Pulmans" userId="8ae858ac-1a5b-43d2-9c3f-1bf2d06d427e" providerId="ADAL" clId="{F101F929-B726-4699-B9EB-E6AB581F0FE5}" dt="2022-10-04T13:04:52.953" v="4" actId="20577"/>
+          <ac:spMkLst>
+            <pc:docMk/>
+            <pc:sldMk cId="72634776" sldId="397"/>
+            <ac:spMk id="3" creationId="{1E2A09A1-F785-4563-A0A4-9607ACF146B4}"/>
+          </ac:spMkLst>
+        </pc:spChg>
+      </pc:sldChg>
+      <pc:sldChg chg="modSp">
+        <pc:chgData name="Brent Pulmans" userId="8ae858ac-1a5b-43d2-9c3f-1bf2d06d427e" providerId="ADAL" clId="{F101F929-B726-4699-B9EB-E6AB581F0FE5}" dt="2022-10-04T13:08:29.521" v="9" actId="20577"/>
+        <pc:sldMkLst>
+          <pc:docMk/>
+          <pc:sldMk cId="1242255682" sldId="405"/>
+        </pc:sldMkLst>
+        <pc:spChg chg="mod">
+          <ac:chgData name="Brent Pulmans" userId="8ae858ac-1a5b-43d2-9c3f-1bf2d06d427e" providerId="ADAL" clId="{F101F929-B726-4699-B9EB-E6AB581F0FE5}" dt="2022-10-04T13:08:29.521" v="9" actId="20577"/>
+          <ac:spMkLst>
+            <pc:docMk/>
+            <pc:sldMk cId="1242255682" sldId="405"/>
+            <ac:spMk id="8" creationId="{4A95CF93-5499-4492-BC5B-98060CB46FCC}"/>
+          </ac:spMkLst>
+        </pc:spChg>
+      </pc:sldChg>
+      <pc:sldChg chg="delSp modSp">
+        <pc:chgData name="Brent Pulmans" userId="8ae858ac-1a5b-43d2-9c3f-1bf2d06d427e" providerId="ADAL" clId="{F101F929-B726-4699-B9EB-E6AB581F0FE5}" dt="2022-10-04T13:09:19.189" v="11" actId="478"/>
+        <pc:sldMkLst>
+          <pc:docMk/>
+          <pc:sldMk cId="908991994" sldId="407"/>
+        </pc:sldMkLst>
+        <pc:spChg chg="del mod">
+          <ac:chgData name="Brent Pulmans" userId="8ae858ac-1a5b-43d2-9c3f-1bf2d06d427e" providerId="ADAL" clId="{F101F929-B726-4699-B9EB-E6AB581F0FE5}" dt="2022-10-04T13:09:19.189" v="11" actId="478"/>
+          <ac:spMkLst>
+            <pc:docMk/>
+            <pc:sldMk cId="908991994" sldId="407"/>
+            <ac:spMk id="15" creationId="{00000000-0000-0000-0000-000000000000}"/>
+          </ac:spMkLst>
+        </pc:spChg>
+      </pc:sldChg>
+      <pc:sldChg chg="modSp mod">
+        <pc:chgData name="Brent Pulmans" userId="8ae858ac-1a5b-43d2-9c3f-1bf2d06d427e" providerId="ADAL" clId="{F101F929-B726-4699-B9EB-E6AB581F0FE5}" dt="2022-10-04T13:17:17.271" v="23" actId="20577"/>
+        <pc:sldMkLst>
+          <pc:docMk/>
+          <pc:sldMk cId="2777295993" sldId="424"/>
+        </pc:sldMkLst>
+        <pc:spChg chg="mod">
+          <ac:chgData name="Brent Pulmans" userId="8ae858ac-1a5b-43d2-9c3f-1bf2d06d427e" providerId="ADAL" clId="{F101F929-B726-4699-B9EB-E6AB581F0FE5}" dt="2022-10-04T13:17:17.271" v="23" actId="20577"/>
+          <ac:spMkLst>
+            <pc:docMk/>
+            <pc:sldMk cId="2777295993" sldId="424"/>
+            <ac:spMk id="2" creationId="{00000000-0000-0000-0000-000000000000}"/>
+          </ac:spMkLst>
+        </pc:spChg>
+      </pc:sldChg>
+    </pc:docChg>
+  </pc:docChgLst>
+  <pc:docChgLst>
+    <pc:chgData name="Christel Maes" userId="7e61469a-7c21-464c-bace-a1bda262211a" providerId="ADAL" clId="{9CD5A685-83CE-423C-AACA-A94A85481066}"/>
+    <pc:docChg chg="modSld">
+      <pc:chgData name="Christel Maes" userId="7e61469a-7c21-464c-bace-a1bda262211a" providerId="ADAL" clId="{9CD5A685-83CE-423C-AACA-A94A85481066}" dt="2020-10-08T11:44:13.782" v="3" actId="20577"/>
+      <pc:docMkLst>
+        <pc:docMk/>
+      </pc:docMkLst>
+      <pc:sldChg chg="delSp modAnim">
+        <pc:chgData name="Christel Maes" userId="7e61469a-7c21-464c-bace-a1bda262211a" providerId="ADAL" clId="{9CD5A685-83CE-423C-AACA-A94A85481066}" dt="2020-09-10T15:20:57.208" v="0"/>
+        <pc:sldMkLst>
+          <pc:docMk/>
+          <pc:sldMk cId="3221931466" sldId="391"/>
+        </pc:sldMkLst>
+        <pc:picChg chg="del">
+          <ac:chgData name="Christel Maes" userId="7e61469a-7c21-464c-bace-a1bda262211a" providerId="ADAL" clId="{9CD5A685-83CE-423C-AACA-A94A85481066}" dt="2020-09-10T15:20:57.208" v="0"/>
+          <ac:picMkLst>
+            <pc:docMk/>
+            <pc:sldMk cId="3221931466" sldId="391"/>
+            <ac:picMk id="4" creationId="{8AB5C596-6459-4205-8D4F-DAAD1B473041}"/>
+          </ac:picMkLst>
+        </pc:picChg>
+      </pc:sldChg>
+      <pc:sldChg chg="delSp modAnim">
+        <pc:chgData name="Christel Maes" userId="7e61469a-7c21-464c-bace-a1bda262211a" providerId="ADAL" clId="{9CD5A685-83CE-423C-AACA-A94A85481066}" dt="2020-09-10T15:20:57.208" v="0"/>
+        <pc:sldMkLst>
+          <pc:docMk/>
+          <pc:sldMk cId="803592390" sldId="392"/>
+        </pc:sldMkLst>
+        <pc:picChg chg="del">
+          <ac:chgData name="Christel Maes" userId="7e61469a-7c21-464c-bace-a1bda262211a" providerId="ADAL" clId="{9CD5A685-83CE-423C-AACA-A94A85481066}" dt="2020-09-10T15:20:57.208" v="0"/>
+          <ac:picMkLst>
+            <pc:docMk/>
+            <pc:sldMk cId="803592390" sldId="392"/>
+            <ac:picMk id="5" creationId="{EF08A1D4-DC40-44C2-8C9A-366578CB8B96}"/>
+          </ac:picMkLst>
+        </pc:picChg>
+      </pc:sldChg>
+      <pc:sldChg chg="delSp modAnim">
+        <pc:chgData name="Christel Maes" userId="7e61469a-7c21-464c-bace-a1bda262211a" providerId="ADAL" clId="{9CD5A685-83CE-423C-AACA-A94A85481066}" dt="2020-09-10T15:20:57.208" v="0"/>
+        <pc:sldMkLst>
+          <pc:docMk/>
+          <pc:sldMk cId="1020751144" sldId="393"/>
+        </pc:sldMkLst>
+        <pc:picChg chg="del">
+          <ac:chgData name="Christel Maes" userId="7e61469a-7c21-464c-bace-a1bda262211a" providerId="ADAL" clId="{9CD5A685-83CE-423C-AACA-A94A85481066}" dt="2020-09-10T15:20:57.208" v="0"/>
+          <ac:picMkLst>
+            <pc:docMk/>
+            <pc:sldMk cId="1020751144" sldId="393"/>
+            <ac:picMk id="5" creationId="{A1F4DA3B-78F6-4186-B1EA-F234EE253567}"/>
+          </ac:picMkLst>
+        </pc:picChg>
+      </pc:sldChg>
+      <pc:sldChg chg="delSp modAnim">
+        <pc:chgData name="Christel Maes" userId="7e61469a-7c21-464c-bace-a1bda262211a" providerId="ADAL" clId="{9CD5A685-83CE-423C-AACA-A94A85481066}" dt="2020-09-10T15:20:57.208" v="0"/>
+        <pc:sldMkLst>
+          <pc:docMk/>
+          <pc:sldMk cId="2123403007" sldId="394"/>
+        </pc:sldMkLst>
+        <pc:picChg chg="del">
+          <ac:chgData name="Christel Maes" userId="7e61469a-7c21-464c-bace-a1bda262211a" providerId="ADAL" clId="{9CD5A685-83CE-423C-AACA-A94A85481066}" dt="2020-09-10T15:20:57.208" v="0"/>
+          <ac:picMkLst>
+            <pc:docMk/>
+            <pc:sldMk cId="2123403007" sldId="394"/>
+            <ac:picMk id="7" creationId="{280A34EB-9C7C-44EA-8421-4A7151020C4B}"/>
+          </ac:picMkLst>
+        </pc:picChg>
+      </pc:sldChg>
+      <pc:sldChg chg="delSp modAnim">
+        <pc:chgData name="Christel Maes" userId="7e61469a-7c21-464c-bace-a1bda262211a" providerId="ADAL" clId="{9CD5A685-83CE-423C-AACA-A94A85481066}" dt="2020-09-10T15:20:57.208" v="0"/>
+        <pc:sldMkLst>
+          <pc:docMk/>
+          <pc:sldMk cId="1725756798" sldId="395"/>
+        </pc:sldMkLst>
+        <pc:picChg chg="del">
+          <ac:chgData name="Christel Maes" userId="7e61469a-7c21-464c-bace-a1bda262211a" providerId="ADAL" clId="{9CD5A685-83CE-423C-AACA-A94A85481066}" dt="2020-09-10T15:20:57.208" v="0"/>
+          <ac:picMkLst>
+            <pc:docMk/>
+            <pc:sldMk cId="1725756798" sldId="395"/>
+            <ac:picMk id="5" creationId="{BB2D9BAF-9105-4761-95C1-EF2F81D0A91B}"/>
+          </ac:picMkLst>
+        </pc:picChg>
+      </pc:sldChg>
+      <pc:sldChg chg="delSp modSp mod modAnim">
+        <pc:chgData name="Christel Maes" userId="7e61469a-7c21-464c-bace-a1bda262211a" providerId="ADAL" clId="{9CD5A685-83CE-423C-AACA-A94A85481066}" dt="2020-10-08T11:44:13.782" v="3" actId="20577"/>
+        <pc:sldMkLst>
+          <pc:docMk/>
+          <pc:sldMk cId="3410206391" sldId="396"/>
+        </pc:sldMkLst>
+        <pc:spChg chg="mod">
+          <ac:chgData name="Christel Maes" userId="7e61469a-7c21-464c-bace-a1bda262211a" providerId="ADAL" clId="{9CD5A685-83CE-423C-AACA-A94A85481066}" dt="2020-10-08T11:44:13.782" v="3" actId="20577"/>
+          <ac:spMkLst>
+            <pc:docMk/>
+            <pc:sldMk cId="3410206391" sldId="396"/>
+            <ac:spMk id="2" creationId="{44B0FA13-D5C8-4B4E-BE01-BACD93D81166}"/>
+          </ac:spMkLst>
+        </pc:spChg>
+        <pc:picChg chg="del">
+          <ac:chgData name="Christel Maes" userId="7e61469a-7c21-464c-bace-a1bda262211a" providerId="ADAL" clId="{9CD5A685-83CE-423C-AACA-A94A85481066}" dt="2020-09-10T15:20:57.208" v="0"/>
+          <ac:picMkLst>
+            <pc:docMk/>
+            <pc:sldMk cId="3410206391" sldId="396"/>
+            <ac:picMk id="5" creationId="{7E21AE78-07AB-4922-91F8-315AEDAAEF98}"/>
+          </ac:picMkLst>
+        </pc:picChg>
+      </pc:sldChg>
+      <pc:sldChg chg="delSp modAnim">
+        <pc:chgData name="Christel Maes" userId="7e61469a-7c21-464c-bace-a1bda262211a" providerId="ADAL" clId="{9CD5A685-83CE-423C-AACA-A94A85481066}" dt="2020-09-10T15:20:57.208" v="0"/>
+        <pc:sldMkLst>
+          <pc:docMk/>
+          <pc:sldMk cId="72634776" sldId="397"/>
+        </pc:sldMkLst>
+        <pc:picChg chg="del">
+          <ac:chgData name="Christel Maes" userId="7e61469a-7c21-464c-bace-a1bda262211a" providerId="ADAL" clId="{9CD5A685-83CE-423C-AACA-A94A85481066}" dt="2020-09-10T15:20:57.208" v="0"/>
+          <ac:picMkLst>
+            <pc:docMk/>
+            <pc:sldMk cId="72634776" sldId="397"/>
+            <ac:picMk id="11" creationId="{3F746871-62B3-46D9-8637-FCDF16705189}"/>
+          </ac:picMkLst>
+        </pc:picChg>
+      </pc:sldChg>
+      <pc:sldChg chg="delSp modAnim">
+        <pc:chgData name="Christel Maes" userId="7e61469a-7c21-464c-bace-a1bda262211a" providerId="ADAL" clId="{9CD5A685-83CE-423C-AACA-A94A85481066}" dt="2020-09-10T15:20:57.208" v="0"/>
+        <pc:sldMkLst>
+          <pc:docMk/>
+          <pc:sldMk cId="1695146199" sldId="398"/>
+        </pc:sldMkLst>
+        <pc:picChg chg="del">
+          <ac:chgData name="Christel Maes" userId="7e61469a-7c21-464c-bace-a1bda262211a" providerId="ADAL" clId="{9CD5A685-83CE-423C-AACA-A94A85481066}" dt="2020-09-10T15:20:57.208" v="0"/>
+          <ac:picMkLst>
+            <pc:docMk/>
+            <pc:sldMk cId="1695146199" sldId="398"/>
+            <ac:picMk id="6" creationId="{4D192942-3E00-489A-9782-5BD046F9DD1D}"/>
+          </ac:picMkLst>
+        </pc:picChg>
+      </pc:sldChg>
+      <pc:sldChg chg="delSp modAnim">
+        <pc:chgData name="Christel Maes" userId="7e61469a-7c21-464c-bace-a1bda262211a" providerId="ADAL" clId="{9CD5A685-83CE-423C-AACA-A94A85481066}" dt="2020-09-10T15:20:57.208" v="0"/>
+        <pc:sldMkLst>
+          <pc:docMk/>
+          <pc:sldMk cId="336358061" sldId="399"/>
+        </pc:sldMkLst>
+        <pc:picChg chg="del">
+          <ac:chgData name="Christel Maes" userId="7e61469a-7c21-464c-bace-a1bda262211a" providerId="ADAL" clId="{9CD5A685-83CE-423C-AACA-A94A85481066}" dt="2020-09-10T15:20:57.208" v="0"/>
+          <ac:picMkLst>
+            <pc:docMk/>
+            <pc:sldMk cId="336358061" sldId="399"/>
+            <ac:picMk id="5" creationId="{66F9C7FD-39E6-4962-A3E3-25FD94236202}"/>
+          </ac:picMkLst>
+        </pc:picChg>
+      </pc:sldChg>
+      <pc:sldChg chg="delSp modAnim">
+        <pc:chgData name="Christel Maes" userId="7e61469a-7c21-464c-bace-a1bda262211a" providerId="ADAL" clId="{9CD5A685-83CE-423C-AACA-A94A85481066}" dt="2020-09-10T15:20:57.208" v="0"/>
+        <pc:sldMkLst>
+          <pc:docMk/>
+          <pc:sldMk cId="582579784" sldId="400"/>
+        </pc:sldMkLst>
+        <pc:picChg chg="del">
+          <ac:chgData name="Christel Maes" userId="7e61469a-7c21-464c-bace-a1bda262211a" providerId="ADAL" clId="{9CD5A685-83CE-423C-AACA-A94A85481066}" dt="2020-09-10T15:20:57.208" v="0"/>
+          <ac:picMkLst>
+            <pc:docMk/>
+            <pc:sldMk cId="582579784" sldId="400"/>
+            <ac:picMk id="5" creationId="{A2992E5A-3F3D-4060-B8FB-05F6735E0BFB}"/>
+          </ac:picMkLst>
+        </pc:picChg>
+      </pc:sldChg>
+      <pc:sldChg chg="delSp modAnim">
+        <pc:chgData name="Christel Maes" userId="7e61469a-7c21-464c-bace-a1bda262211a" providerId="ADAL" clId="{9CD5A685-83CE-423C-AACA-A94A85481066}" dt="2020-09-10T15:20:57.208" v="0"/>
+        <pc:sldMkLst>
+          <pc:docMk/>
+          <pc:sldMk cId="150046510" sldId="401"/>
+        </pc:sldMkLst>
+        <pc:picChg chg="del">
+          <ac:chgData name="Christel Maes" userId="7e61469a-7c21-464c-bace-a1bda262211a" providerId="ADAL" clId="{9CD5A685-83CE-423C-AACA-A94A85481066}" dt="2020-09-10T15:20:57.208" v="0"/>
+          <ac:picMkLst>
+            <pc:docMk/>
+            <pc:sldMk cId="150046510" sldId="401"/>
+            <ac:picMk id="7" creationId="{9DFFA204-C777-4EAA-B104-726DC670EFBF}"/>
+          </ac:picMkLst>
+        </pc:picChg>
+      </pc:sldChg>
+      <pc:sldChg chg="delSp modAnim">
+        <pc:chgData name="Christel Maes" userId="7e61469a-7c21-464c-bace-a1bda262211a" providerId="ADAL" clId="{9CD5A685-83CE-423C-AACA-A94A85481066}" dt="2020-09-10T15:20:57.208" v="0"/>
+        <pc:sldMkLst>
+          <pc:docMk/>
+          <pc:sldMk cId="1456187511" sldId="402"/>
+        </pc:sldMkLst>
+        <pc:picChg chg="del">
+          <ac:chgData name="Christel Maes" userId="7e61469a-7c21-464c-bace-a1bda262211a" providerId="ADAL" clId="{9CD5A685-83CE-423C-AACA-A94A85481066}" dt="2020-09-10T15:20:57.208" v="0"/>
+          <ac:picMkLst>
+            <pc:docMk/>
+            <pc:sldMk cId="1456187511" sldId="402"/>
+            <ac:picMk id="5" creationId="{CE654021-8E74-4BD5-997D-F5DBE5088C97}"/>
+          </ac:picMkLst>
+        </pc:picChg>
+      </pc:sldChg>
+      <pc:sldChg chg="delSp modAnim">
+        <pc:chgData name="Christel Maes" userId="7e61469a-7c21-464c-bace-a1bda262211a" providerId="ADAL" clId="{9CD5A685-83CE-423C-AACA-A94A85481066}" dt="2020-09-10T15:20:57.208" v="0"/>
+        <pc:sldMkLst>
+          <pc:docMk/>
+          <pc:sldMk cId="2026055494" sldId="403"/>
+        </pc:sldMkLst>
+        <pc:picChg chg="del">
+          <ac:chgData name="Christel Maes" userId="7e61469a-7c21-464c-bace-a1bda262211a" providerId="ADAL" clId="{9CD5A685-83CE-423C-AACA-A94A85481066}" dt="2020-09-10T15:20:57.208" v="0"/>
+          <ac:picMkLst>
+            <pc:docMk/>
+            <pc:sldMk cId="2026055494" sldId="403"/>
+            <ac:picMk id="10" creationId="{AD260D52-E5D1-4A5C-961C-0256CA45CDE7}"/>
+          </ac:picMkLst>
+        </pc:picChg>
+      </pc:sldChg>
+      <pc:sldChg chg="delSp modAnim">
+        <pc:chgData name="Christel Maes" userId="7e61469a-7c21-464c-bace-a1bda262211a" providerId="ADAL" clId="{9CD5A685-83CE-423C-AACA-A94A85481066}" dt="2020-09-10T15:20:57.208" v="0"/>
+        <pc:sldMkLst>
+          <pc:docMk/>
+          <pc:sldMk cId="1682296062" sldId="404"/>
+        </pc:sldMkLst>
+        <pc:picChg chg="del">
+          <ac:chgData name="Christel Maes" userId="7e61469a-7c21-464c-bace-a1bda262211a" providerId="ADAL" clId="{9CD5A685-83CE-423C-AACA-A94A85481066}" dt="2020-09-10T15:20:57.208" v="0"/>
+          <ac:picMkLst>
+            <pc:docMk/>
+            <pc:sldMk cId="1682296062" sldId="404"/>
+            <ac:picMk id="5" creationId="{E78820E4-DA8D-4690-A2DC-20638F4D6664}"/>
+          </ac:picMkLst>
+        </pc:picChg>
+      </pc:sldChg>
+      <pc:sldChg chg="delSp modAnim">
+        <pc:chgData name="Christel Maes" userId="7e61469a-7c21-464c-bace-a1bda262211a" providerId="ADAL" clId="{9CD5A685-83CE-423C-AACA-A94A85481066}" dt="2020-09-10T15:20:57.208" v="0"/>
+        <pc:sldMkLst>
+          <pc:docMk/>
+          <pc:sldMk cId="1242255682" sldId="405"/>
+        </pc:sldMkLst>
+        <pc:picChg chg="del">
+          <ac:chgData name="Christel Maes" userId="7e61469a-7c21-464c-bace-a1bda262211a" providerId="ADAL" clId="{9CD5A685-83CE-423C-AACA-A94A85481066}" dt="2020-09-10T15:20:57.208" v="0"/>
+          <ac:picMkLst>
+            <pc:docMk/>
+            <pc:sldMk cId="1242255682" sldId="405"/>
+            <ac:picMk id="5" creationId="{BDF5D114-A741-4ED9-BAD0-7D6C409816F0}"/>
+          </ac:picMkLst>
+        </pc:picChg>
+      </pc:sldChg>
+      <pc:sldChg chg="delSp modAnim">
+        <pc:chgData name="Christel Maes" userId="7e61469a-7c21-464c-bace-a1bda262211a" providerId="ADAL" clId="{9CD5A685-83CE-423C-AACA-A94A85481066}" dt="2020-09-10T15:20:57.208" v="0"/>
+        <pc:sldMkLst>
+          <pc:docMk/>
+          <pc:sldMk cId="381192279" sldId="406"/>
+        </pc:sldMkLst>
+        <pc:picChg chg="del">
+          <ac:chgData name="Christel Maes" userId="7e61469a-7c21-464c-bace-a1bda262211a" providerId="ADAL" clId="{9CD5A685-83CE-423C-AACA-A94A85481066}" dt="2020-09-10T15:20:57.208" v="0"/>
+          <ac:picMkLst>
+            <pc:docMk/>
+            <pc:sldMk cId="381192279" sldId="406"/>
+            <ac:picMk id="5" creationId="{3870535C-82B4-45C1-A163-42E2DC008712}"/>
+          </ac:picMkLst>
+        </pc:picChg>
+      </pc:sldChg>
+      <pc:sldChg chg="delSp modAnim">
+        <pc:chgData name="Christel Maes" userId="7e61469a-7c21-464c-bace-a1bda262211a" providerId="ADAL" clId="{9CD5A685-83CE-423C-AACA-A94A85481066}" dt="2020-09-10T15:20:57.208" v="0"/>
+        <pc:sldMkLst>
+          <pc:docMk/>
+          <pc:sldMk cId="908991994" sldId="407"/>
+        </pc:sldMkLst>
+        <pc:picChg chg="del">
+          <ac:chgData name="Christel Maes" userId="7e61469a-7c21-464c-bace-a1bda262211a" providerId="ADAL" clId="{9CD5A685-83CE-423C-AACA-A94A85481066}" dt="2020-09-10T15:20:57.208" v="0"/>
+          <ac:picMkLst>
+            <pc:docMk/>
+            <pc:sldMk cId="908991994" sldId="407"/>
+            <ac:picMk id="6" creationId="{269E5D79-16B5-450D-A7A8-AFA6D39DD3FB}"/>
+          </ac:picMkLst>
+        </pc:picChg>
+      </pc:sldChg>
+      <pc:sldChg chg="delSp modAnim">
+        <pc:chgData name="Christel Maes" userId="7e61469a-7c21-464c-bace-a1bda262211a" providerId="ADAL" clId="{9CD5A685-83CE-423C-AACA-A94A85481066}" dt="2020-09-10T15:20:57.208" v="0"/>
+        <pc:sldMkLst>
+          <pc:docMk/>
+          <pc:sldMk cId="1515343629" sldId="408"/>
+        </pc:sldMkLst>
+        <pc:picChg chg="del">
+          <ac:chgData name="Christel Maes" userId="7e61469a-7c21-464c-bace-a1bda262211a" providerId="ADAL" clId="{9CD5A685-83CE-423C-AACA-A94A85481066}" dt="2020-09-10T15:20:57.208" v="0"/>
+          <ac:picMkLst>
+            <pc:docMk/>
+            <pc:sldMk cId="1515343629" sldId="408"/>
+            <ac:picMk id="5" creationId="{464F2E9D-6911-4301-84B6-24C7EBF05A5D}"/>
+          </ac:picMkLst>
+        </pc:picChg>
+      </pc:sldChg>
+      <pc:sldChg chg="delSp modAnim">
+        <pc:chgData name="Christel Maes" userId="7e61469a-7c21-464c-bace-a1bda262211a" providerId="ADAL" clId="{9CD5A685-83CE-423C-AACA-A94A85481066}" dt="2020-09-10T15:20:57.208" v="0"/>
+        <pc:sldMkLst>
+          <pc:docMk/>
+          <pc:sldMk cId="849228038" sldId="409"/>
+        </pc:sldMkLst>
+        <pc:picChg chg="del">
+          <ac:chgData name="Christel Maes" userId="7e61469a-7c21-464c-bace-a1bda262211a" providerId="ADAL" clId="{9CD5A685-83CE-423C-AACA-A94A85481066}" dt="2020-09-10T15:20:57.208" v="0"/>
+          <ac:picMkLst>
+            <pc:docMk/>
+            <pc:sldMk cId="849228038" sldId="409"/>
+            <ac:picMk id="5" creationId="{CFD5D1F5-8937-425F-8A96-5034BAD4F6FA}"/>
+          </ac:picMkLst>
+        </pc:picChg>
+      </pc:sldChg>
+      <pc:sldChg chg="delSp modAnim">
+        <pc:chgData name="Christel Maes" userId="7e61469a-7c21-464c-bace-a1bda262211a" providerId="ADAL" clId="{9CD5A685-83CE-423C-AACA-A94A85481066}" dt="2020-09-10T15:20:57.208" v="0"/>
+        <pc:sldMkLst>
+          <pc:docMk/>
+          <pc:sldMk cId="1841263431" sldId="410"/>
+        </pc:sldMkLst>
+        <pc:picChg chg="del">
+          <ac:chgData name="Christel Maes" userId="7e61469a-7c21-464c-bace-a1bda262211a" providerId="ADAL" clId="{9CD5A685-83CE-423C-AACA-A94A85481066}" dt="2020-09-10T15:20:57.208" v="0"/>
+          <ac:picMkLst>
+            <pc:docMk/>
+            <pc:sldMk cId="1841263431" sldId="410"/>
+            <ac:picMk id="3" creationId="{F3D4C3ED-B7C5-4003-BC35-F6CA52052501}"/>
+          </ac:picMkLst>
+        </pc:picChg>
+      </pc:sldChg>
+      <pc:sldChg chg="delSp modAnim">
+        <pc:chgData name="Christel Maes" userId="7e61469a-7c21-464c-bace-a1bda262211a" providerId="ADAL" clId="{9CD5A685-83CE-423C-AACA-A94A85481066}" dt="2020-09-10T15:20:57.208" v="0"/>
+        <pc:sldMkLst>
+          <pc:docMk/>
+          <pc:sldMk cId="3349740050" sldId="411"/>
+        </pc:sldMkLst>
+        <pc:picChg chg="del">
+          <ac:chgData name="Christel Maes" userId="7e61469a-7c21-464c-bace-a1bda262211a" providerId="ADAL" clId="{9CD5A685-83CE-423C-AACA-A94A85481066}" dt="2020-09-10T15:20:57.208" v="0"/>
+          <ac:picMkLst>
+            <pc:docMk/>
+            <pc:sldMk cId="3349740050" sldId="411"/>
+            <ac:picMk id="5" creationId="{C8B4B344-2288-46AB-B431-0200E90CB702}"/>
+          </ac:picMkLst>
+        </pc:picChg>
+      </pc:sldChg>
+      <pc:sldChg chg="delSp modAnim">
+        <pc:chgData name="Christel Maes" userId="7e61469a-7c21-464c-bace-a1bda262211a" providerId="ADAL" clId="{9CD5A685-83CE-423C-AACA-A94A85481066}" dt="2020-09-10T15:20:57.208" v="0"/>
+        <pc:sldMkLst>
+          <pc:docMk/>
+          <pc:sldMk cId="1520487891" sldId="412"/>
+        </pc:sldMkLst>
+        <pc:picChg chg="del">
+          <ac:chgData name="Christel Maes" userId="7e61469a-7c21-464c-bace-a1bda262211a" providerId="ADAL" clId="{9CD5A685-83CE-423C-AACA-A94A85481066}" dt="2020-09-10T15:20:57.208" v="0"/>
+          <ac:picMkLst>
+            <pc:docMk/>
+            <pc:sldMk cId="1520487891" sldId="412"/>
+            <ac:picMk id="5" creationId="{DF9A1A69-A72D-488C-BAA1-B828DDD4F06D}"/>
+          </ac:picMkLst>
+        </pc:picChg>
+      </pc:sldChg>
+      <pc:sldChg chg="delSp modAnim">
+        <pc:chgData name="Christel Maes" userId="7e61469a-7c21-464c-bace-a1bda262211a" providerId="ADAL" clId="{9CD5A685-83CE-423C-AACA-A94A85481066}" dt="2020-09-10T15:20:57.208" v="0"/>
+        <pc:sldMkLst>
+          <pc:docMk/>
+          <pc:sldMk cId="3854847980" sldId="413"/>
+        </pc:sldMkLst>
+        <pc:picChg chg="del">
+          <ac:chgData name="Christel Maes" userId="7e61469a-7c21-464c-bace-a1bda262211a" providerId="ADAL" clId="{9CD5A685-83CE-423C-AACA-A94A85481066}" dt="2020-09-10T15:20:57.208" v="0"/>
+          <ac:picMkLst>
+            <pc:docMk/>
+            <pc:sldMk cId="3854847980" sldId="413"/>
+            <ac:picMk id="5" creationId="{A7B89352-7397-4E83-9308-85113531E0E8}"/>
+          </ac:picMkLst>
+        </pc:picChg>
+      </pc:sldChg>
+      <pc:sldChg chg="delSp modAnim">
+        <pc:chgData name="Christel Maes" userId="7e61469a-7c21-464c-bace-a1bda262211a" providerId="ADAL" clId="{9CD5A685-83CE-423C-AACA-A94A85481066}" dt="2020-09-10T15:20:57.208" v="0"/>
+        <pc:sldMkLst>
+          <pc:docMk/>
+          <pc:sldMk cId="3480970570" sldId="414"/>
+        </pc:sldMkLst>
+        <pc:picChg chg="del">
+          <ac:chgData name="Christel Maes" userId="7e61469a-7c21-464c-bace-a1bda262211a" providerId="ADAL" clId="{9CD5A685-83CE-423C-AACA-A94A85481066}" dt="2020-09-10T15:20:57.208" v="0"/>
+          <ac:picMkLst>
+            <pc:docMk/>
+            <pc:sldMk cId="3480970570" sldId="414"/>
+            <ac:picMk id="6" creationId="{774398A8-5953-4808-A63A-CCB547A355F3}"/>
+          </ac:picMkLst>
+        </pc:picChg>
+      </pc:sldChg>
+      <pc:sldChg chg="delSp modAnim">
+        <pc:chgData name="Christel Maes" userId="7e61469a-7c21-464c-bace-a1bda262211a" providerId="ADAL" clId="{9CD5A685-83CE-423C-AACA-A94A85481066}" dt="2020-09-10T15:20:57.208" v="0"/>
+        <pc:sldMkLst>
+          <pc:docMk/>
+          <pc:sldMk cId="196390062" sldId="415"/>
+        </pc:sldMkLst>
+        <pc:picChg chg="del">
+          <ac:chgData name="Christel Maes" userId="7e61469a-7c21-464c-bace-a1bda262211a" providerId="ADAL" clId="{9CD5A685-83CE-423C-AACA-A94A85481066}" dt="2020-09-10T15:20:57.208" v="0"/>
+          <ac:picMkLst>
+            <pc:docMk/>
+            <pc:sldMk cId="196390062" sldId="415"/>
+            <ac:picMk id="5" creationId="{73573CD4-0584-4A1D-955F-646E9E9B2510}"/>
+          </ac:picMkLst>
+        </pc:picChg>
+      </pc:sldChg>
+      <pc:sldChg chg="delSp modAnim">
+        <pc:chgData name="Christel Maes" userId="7e61469a-7c21-464c-bace-a1bda262211a" providerId="ADAL" clId="{9CD5A685-83CE-423C-AACA-A94A85481066}" dt="2020-09-10T15:20:57.208" v="0"/>
+        <pc:sldMkLst>
+          <pc:docMk/>
+          <pc:sldMk cId="3982574100" sldId="416"/>
+        </pc:sldMkLst>
+        <pc:picChg chg="del">
+          <ac:chgData name="Christel Maes" userId="7e61469a-7c21-464c-bace-a1bda262211a" providerId="ADAL" clId="{9CD5A685-83CE-423C-AACA-A94A85481066}" dt="2020-09-10T15:20:57.208" v="0"/>
+          <ac:picMkLst>
+            <pc:docMk/>
+            <pc:sldMk cId="3982574100" sldId="416"/>
+            <ac:picMk id="6" creationId="{18EBF37D-E82F-446D-AC85-05A373A02019}"/>
+          </ac:picMkLst>
+        </pc:picChg>
+      </pc:sldChg>
+      <pc:sldChg chg="delSp modAnim">
+        <pc:chgData name="Christel Maes" userId="7e61469a-7c21-464c-bace-a1bda262211a" providerId="ADAL" clId="{9CD5A685-83CE-423C-AACA-A94A85481066}" dt="2020-09-10T15:20:57.208" v="0"/>
+        <pc:sldMkLst>
+          <pc:docMk/>
+          <pc:sldMk cId="3105006182" sldId="417"/>
+        </pc:sldMkLst>
+        <pc:picChg chg="del">
+          <ac:chgData name="Christel Maes" userId="7e61469a-7c21-464c-bace-a1bda262211a" providerId="ADAL" clId="{9CD5A685-83CE-423C-AACA-A94A85481066}" dt="2020-09-10T15:20:57.208" v="0"/>
+          <ac:picMkLst>
+            <pc:docMk/>
+            <pc:sldMk cId="3105006182" sldId="417"/>
+            <ac:picMk id="5" creationId="{9C72A019-D2EF-476B-B543-AD3214AD1599}"/>
+          </ac:picMkLst>
+        </pc:picChg>
+      </pc:sldChg>
+      <pc:sldChg chg="delSp modAnim">
+        <pc:chgData name="Christel Maes" userId="7e61469a-7c21-464c-bace-a1bda262211a" providerId="ADAL" clId="{9CD5A685-83CE-423C-AACA-A94A85481066}" dt="2020-09-10T15:20:57.208" v="0"/>
+        <pc:sldMkLst>
+          <pc:docMk/>
+          <pc:sldMk cId="3167971348" sldId="418"/>
+        </pc:sldMkLst>
+        <pc:picChg chg="del">
+          <ac:chgData name="Christel Maes" userId="7e61469a-7c21-464c-bace-a1bda262211a" providerId="ADAL" clId="{9CD5A685-83CE-423C-AACA-A94A85481066}" dt="2020-09-10T15:20:57.208" v="0"/>
+          <ac:picMkLst>
+            <pc:docMk/>
+            <pc:sldMk cId="3167971348" sldId="418"/>
+            <ac:picMk id="5" creationId="{10A3F8B1-AB18-4491-89E6-2A032275F6E0}"/>
+          </ac:picMkLst>
+        </pc:picChg>
+      </pc:sldChg>
+      <pc:sldChg chg="delSp modAnim">
+        <pc:chgData name="Christel Maes" userId="7e61469a-7c21-464c-bace-a1bda262211a" providerId="ADAL" clId="{9CD5A685-83CE-423C-AACA-A94A85481066}" dt="2020-09-10T15:20:57.208" v="0"/>
+        <pc:sldMkLst>
+          <pc:docMk/>
+          <pc:sldMk cId="2378511427" sldId="419"/>
+        </pc:sldMkLst>
+        <pc:picChg chg="del">
+          <ac:chgData name="Christel Maes" userId="7e61469a-7c21-464c-bace-a1bda262211a" providerId="ADAL" clId="{9CD5A685-83CE-423C-AACA-A94A85481066}" dt="2020-09-10T15:20:57.208" v="0"/>
+          <ac:picMkLst>
+            <pc:docMk/>
+            <pc:sldMk cId="2378511427" sldId="419"/>
+            <ac:picMk id="6" creationId="{F2B1867E-2338-4064-99F7-7F292F55E7EB}"/>
+          </ac:picMkLst>
+        </pc:picChg>
+      </pc:sldChg>
+      <pc:sldChg chg="delSp modAnim">
+        <pc:chgData name="Christel Maes" userId="7e61469a-7c21-464c-bace-a1bda262211a" providerId="ADAL" clId="{9CD5A685-83CE-423C-AACA-A94A85481066}" dt="2020-09-10T15:20:57.208" v="0"/>
+        <pc:sldMkLst>
+          <pc:docMk/>
+          <pc:sldMk cId="186737167" sldId="420"/>
+        </pc:sldMkLst>
+        <pc:picChg chg="del">
+          <ac:chgData name="Christel Maes" userId="7e61469a-7c21-464c-bace-a1bda262211a" providerId="ADAL" clId="{9CD5A685-83CE-423C-AACA-A94A85481066}" dt="2020-09-10T15:20:57.208" v="0"/>
+          <ac:picMkLst>
+            <pc:docMk/>
+            <pc:sldMk cId="186737167" sldId="420"/>
+            <ac:picMk id="10" creationId="{FFD74854-9520-4A0F-BEEC-6E6D73AE7148}"/>
+          </ac:picMkLst>
+        </pc:picChg>
+      </pc:sldChg>
+      <pc:sldChg chg="delSp modAnim">
+        <pc:chgData name="Christel Maes" userId="7e61469a-7c21-464c-bace-a1bda262211a" providerId="ADAL" clId="{9CD5A685-83CE-423C-AACA-A94A85481066}" dt="2020-09-10T15:20:57.208" v="0"/>
+        <pc:sldMkLst>
+          <pc:docMk/>
+          <pc:sldMk cId="95761461" sldId="421"/>
+        </pc:sldMkLst>
+        <pc:picChg chg="del">
+          <ac:chgData name="Christel Maes" userId="7e61469a-7c21-464c-bace-a1bda262211a" providerId="ADAL" clId="{9CD5A685-83CE-423C-AACA-A94A85481066}" dt="2020-09-10T15:20:57.208" v="0"/>
+          <ac:picMkLst>
+            <pc:docMk/>
+            <pc:sldMk cId="95761461" sldId="421"/>
+            <ac:picMk id="7" creationId="{D2984898-8331-4B3D-BB53-F01C7699CF3A}"/>
+          </ac:picMkLst>
+        </pc:picChg>
+      </pc:sldChg>
+      <pc:sldChg chg="delSp modAnim">
+        <pc:chgData name="Christel Maes" userId="7e61469a-7c21-464c-bace-a1bda262211a" providerId="ADAL" clId="{9CD5A685-83CE-423C-AACA-A94A85481066}" dt="2020-09-10T15:20:57.208" v="0"/>
+        <pc:sldMkLst>
+          <pc:docMk/>
+          <pc:sldMk cId="1380650295" sldId="422"/>
+        </pc:sldMkLst>
+        <pc:picChg chg="del">
+          <ac:chgData name="Christel Maes" userId="7e61469a-7c21-464c-bace-a1bda262211a" providerId="ADAL" clId="{9CD5A685-83CE-423C-AACA-A94A85481066}" dt="2020-09-10T15:20:57.208" v="0"/>
+          <ac:picMkLst>
+            <pc:docMk/>
+            <pc:sldMk cId="1380650295" sldId="422"/>
+            <ac:picMk id="5" creationId="{D4ED90A6-6E2E-4110-BDCF-5D6157F46574}"/>
+          </ac:picMkLst>
+        </pc:picChg>
+      </pc:sldChg>
+      <pc:sldChg chg="delSp modAnim">
+        <pc:chgData name="Christel Maes" userId="7e61469a-7c21-464c-bace-a1bda262211a" providerId="ADAL" clId="{9CD5A685-83CE-423C-AACA-A94A85481066}" dt="2020-09-10T15:20:57.208" v="0"/>
+        <pc:sldMkLst>
+          <pc:docMk/>
+          <pc:sldMk cId="2174993830" sldId="423"/>
+        </pc:sldMkLst>
+        <pc:picChg chg="del">
+          <ac:chgData name="Christel Maes" userId="7e61469a-7c21-464c-bace-a1bda262211a" providerId="ADAL" clId="{9CD5A685-83CE-423C-AACA-A94A85481066}" dt="2020-09-10T15:20:57.208" v="0"/>
+          <ac:picMkLst>
+            <pc:docMk/>
+            <pc:sldMk cId="2174993830" sldId="423"/>
+            <ac:picMk id="5" creationId="{AB9597D3-33E4-4ADE-805D-192E680756D0}"/>
+          </ac:picMkLst>
+        </pc:picChg>
+      </pc:sldChg>
+      <pc:sldChg chg="delSp modAnim">
+        <pc:chgData name="Christel Maes" userId="7e61469a-7c21-464c-bace-a1bda262211a" providerId="ADAL" clId="{9CD5A685-83CE-423C-AACA-A94A85481066}" dt="2020-09-10T15:20:57.208" v="0"/>
+        <pc:sldMkLst>
+          <pc:docMk/>
+          <pc:sldMk cId="2777295993" sldId="424"/>
+        </pc:sldMkLst>
+        <pc:picChg chg="del">
+          <ac:chgData name="Christel Maes" userId="7e61469a-7c21-464c-bace-a1bda262211a" providerId="ADAL" clId="{9CD5A685-83CE-423C-AACA-A94A85481066}" dt="2020-09-10T15:20:57.208" v="0"/>
+          <ac:picMkLst>
+            <pc:docMk/>
+            <pc:sldMk cId="2777295993" sldId="424"/>
+            <ac:picMk id="5" creationId="{B592BE2E-4668-4498-B664-63EAC5D5AF33}"/>
+          </ac:picMkLst>
+        </pc:picChg>
+      </pc:sldChg>
+    </pc:docChg>
+  </pc:docChgLst>
+  <pc:docChgLst>
+    <pc:chgData name="Hans Bartholomeus" userId="fdad893c-ea0f-4e18-a760-ac9a83339ccd" providerId="ADAL" clId="{A8551062-27B9-442E-87B0-24F6DE15563D}"/>
+    <pc:docChg chg="modSld">
+      <pc:chgData name="Hans Bartholomeus" userId="fdad893c-ea0f-4e18-a760-ac9a83339ccd" providerId="ADAL" clId="{A8551062-27B9-442E-87B0-24F6DE15563D}" dt="2020-10-20T09:15:12.030" v="2" actId="20577"/>
+      <pc:docMkLst>
+        <pc:docMk/>
+      </pc:docMkLst>
+      <pc:sldChg chg="modSp mod">
+        <pc:chgData name="Hans Bartholomeus" userId="fdad893c-ea0f-4e18-a760-ac9a83339ccd" providerId="ADAL" clId="{A8551062-27B9-442E-87B0-24F6DE15563D}" dt="2020-10-20T09:15:12.030" v="2" actId="20577"/>
+        <pc:sldMkLst>
+          <pc:docMk/>
+          <pc:sldMk cId="196390062" sldId="415"/>
+        </pc:sldMkLst>
+        <pc:spChg chg="mod">
+          <ac:chgData name="Hans Bartholomeus" userId="fdad893c-ea0f-4e18-a760-ac9a83339ccd" providerId="ADAL" clId="{A8551062-27B9-442E-87B0-24F6DE15563D}" dt="2020-10-20T09:15:12.030" v="2" actId="20577"/>
+          <ac:spMkLst>
+            <pc:docMk/>
+            <pc:sldMk cId="196390062" sldId="415"/>
+            <ac:spMk id="6" creationId="{8106C89F-B508-43FC-8C78-669ACF5949F3}"/>
+          </ac:spMkLst>
+        </pc:spChg>
+      </pc:sldChg>
+    </pc:docChg>
+  </pc:docChgLst>
+  <pc:docChgLst>
+    <pc:chgData name="Dirk Mervis" userId="197c8981-22eb-4dca-b603-0aa0f7d3451e" providerId="ADAL" clId="{559ED1B4-E990-4EA3-864D-FAFC9D8D4D72}"/>
+    <pc:docChg chg="modShowInfo">
+      <pc:chgData name="Dirk Mervis" userId="197c8981-22eb-4dca-b603-0aa0f7d3451e" providerId="ADAL" clId="{559ED1B4-E990-4EA3-864D-FAFC9D8D4D72}" dt="2021-03-16T07:49:05.689" v="0" actId="2744"/>
+      <pc:docMkLst>
+        <pc:docMk/>
+      </pc:docMkLst>
     </pc:docChg>
   </pc:docChgLst>
   <pc:docChgLst>
@@ -2930,542 +3466,6 @@
     </pc:docChg>
   </pc:docChgLst>
   <pc:docChgLst>
-    <pc:chgData name="Tinne Van Echelpoel" userId="46798032-b7e2-4f2e-95a1-1606ec8c5d9a" providerId="ADAL" clId="{57D26828-8502-4DF1-8890-BFA8C8DA59D6}"/>
-    <pc:docChg chg="modNotesMaster modHandout">
-      <pc:chgData name="Tinne Van Echelpoel" userId="46798032-b7e2-4f2e-95a1-1606ec8c5d9a" providerId="ADAL" clId="{57D26828-8502-4DF1-8890-BFA8C8DA59D6}" dt="2020-10-14T09:22:19.908" v="0"/>
-      <pc:docMkLst>
-        <pc:docMk/>
-      </pc:docMkLst>
-    </pc:docChg>
-  </pc:docChgLst>
-  <pc:docChgLst>
-    <pc:chgData name="Christel Maes" userId="7e61469a-7c21-464c-bace-a1bda262211a" providerId="ADAL" clId="{9CD5A685-83CE-423C-AACA-A94A85481066}"/>
-    <pc:docChg chg="modSld">
-      <pc:chgData name="Christel Maes" userId="7e61469a-7c21-464c-bace-a1bda262211a" providerId="ADAL" clId="{9CD5A685-83CE-423C-AACA-A94A85481066}" dt="2020-10-08T11:44:13.782" v="3" actId="20577"/>
-      <pc:docMkLst>
-        <pc:docMk/>
-      </pc:docMkLst>
-      <pc:sldChg chg="delSp modAnim">
-        <pc:chgData name="Christel Maes" userId="7e61469a-7c21-464c-bace-a1bda262211a" providerId="ADAL" clId="{9CD5A685-83CE-423C-AACA-A94A85481066}" dt="2020-09-10T15:20:57.208" v="0"/>
-        <pc:sldMkLst>
-          <pc:docMk/>
-          <pc:sldMk cId="3221931466" sldId="391"/>
-        </pc:sldMkLst>
-        <pc:picChg chg="del">
-          <ac:chgData name="Christel Maes" userId="7e61469a-7c21-464c-bace-a1bda262211a" providerId="ADAL" clId="{9CD5A685-83CE-423C-AACA-A94A85481066}" dt="2020-09-10T15:20:57.208" v="0"/>
-          <ac:picMkLst>
-            <pc:docMk/>
-            <pc:sldMk cId="3221931466" sldId="391"/>
-            <ac:picMk id="4" creationId="{8AB5C596-6459-4205-8D4F-DAAD1B473041}"/>
-          </ac:picMkLst>
-        </pc:picChg>
-      </pc:sldChg>
-      <pc:sldChg chg="delSp modAnim">
-        <pc:chgData name="Christel Maes" userId="7e61469a-7c21-464c-bace-a1bda262211a" providerId="ADAL" clId="{9CD5A685-83CE-423C-AACA-A94A85481066}" dt="2020-09-10T15:20:57.208" v="0"/>
-        <pc:sldMkLst>
-          <pc:docMk/>
-          <pc:sldMk cId="803592390" sldId="392"/>
-        </pc:sldMkLst>
-        <pc:picChg chg="del">
-          <ac:chgData name="Christel Maes" userId="7e61469a-7c21-464c-bace-a1bda262211a" providerId="ADAL" clId="{9CD5A685-83CE-423C-AACA-A94A85481066}" dt="2020-09-10T15:20:57.208" v="0"/>
-          <ac:picMkLst>
-            <pc:docMk/>
-            <pc:sldMk cId="803592390" sldId="392"/>
-            <ac:picMk id="5" creationId="{EF08A1D4-DC40-44C2-8C9A-366578CB8B96}"/>
-          </ac:picMkLst>
-        </pc:picChg>
-      </pc:sldChg>
-      <pc:sldChg chg="delSp modAnim">
-        <pc:chgData name="Christel Maes" userId="7e61469a-7c21-464c-bace-a1bda262211a" providerId="ADAL" clId="{9CD5A685-83CE-423C-AACA-A94A85481066}" dt="2020-09-10T15:20:57.208" v="0"/>
-        <pc:sldMkLst>
-          <pc:docMk/>
-          <pc:sldMk cId="1020751144" sldId="393"/>
-        </pc:sldMkLst>
-        <pc:picChg chg="del">
-          <ac:chgData name="Christel Maes" userId="7e61469a-7c21-464c-bace-a1bda262211a" providerId="ADAL" clId="{9CD5A685-83CE-423C-AACA-A94A85481066}" dt="2020-09-10T15:20:57.208" v="0"/>
-          <ac:picMkLst>
-            <pc:docMk/>
-            <pc:sldMk cId="1020751144" sldId="393"/>
-            <ac:picMk id="5" creationId="{A1F4DA3B-78F6-4186-B1EA-F234EE253567}"/>
-          </ac:picMkLst>
-        </pc:picChg>
-      </pc:sldChg>
-      <pc:sldChg chg="delSp modAnim">
-        <pc:chgData name="Christel Maes" userId="7e61469a-7c21-464c-bace-a1bda262211a" providerId="ADAL" clId="{9CD5A685-83CE-423C-AACA-A94A85481066}" dt="2020-09-10T15:20:57.208" v="0"/>
-        <pc:sldMkLst>
-          <pc:docMk/>
-          <pc:sldMk cId="2123403007" sldId="394"/>
-        </pc:sldMkLst>
-        <pc:picChg chg="del">
-          <ac:chgData name="Christel Maes" userId="7e61469a-7c21-464c-bace-a1bda262211a" providerId="ADAL" clId="{9CD5A685-83CE-423C-AACA-A94A85481066}" dt="2020-09-10T15:20:57.208" v="0"/>
-          <ac:picMkLst>
-            <pc:docMk/>
-            <pc:sldMk cId="2123403007" sldId="394"/>
-            <ac:picMk id="7" creationId="{280A34EB-9C7C-44EA-8421-4A7151020C4B}"/>
-          </ac:picMkLst>
-        </pc:picChg>
-      </pc:sldChg>
-      <pc:sldChg chg="delSp modAnim">
-        <pc:chgData name="Christel Maes" userId="7e61469a-7c21-464c-bace-a1bda262211a" providerId="ADAL" clId="{9CD5A685-83CE-423C-AACA-A94A85481066}" dt="2020-09-10T15:20:57.208" v="0"/>
-        <pc:sldMkLst>
-          <pc:docMk/>
-          <pc:sldMk cId="1725756798" sldId="395"/>
-        </pc:sldMkLst>
-        <pc:picChg chg="del">
-          <ac:chgData name="Christel Maes" userId="7e61469a-7c21-464c-bace-a1bda262211a" providerId="ADAL" clId="{9CD5A685-83CE-423C-AACA-A94A85481066}" dt="2020-09-10T15:20:57.208" v="0"/>
-          <ac:picMkLst>
-            <pc:docMk/>
-            <pc:sldMk cId="1725756798" sldId="395"/>
-            <ac:picMk id="5" creationId="{BB2D9BAF-9105-4761-95C1-EF2F81D0A91B}"/>
-          </ac:picMkLst>
-        </pc:picChg>
-      </pc:sldChg>
-      <pc:sldChg chg="delSp modSp mod modAnim">
-        <pc:chgData name="Christel Maes" userId="7e61469a-7c21-464c-bace-a1bda262211a" providerId="ADAL" clId="{9CD5A685-83CE-423C-AACA-A94A85481066}" dt="2020-10-08T11:44:13.782" v="3" actId="20577"/>
-        <pc:sldMkLst>
-          <pc:docMk/>
-          <pc:sldMk cId="3410206391" sldId="396"/>
-        </pc:sldMkLst>
-        <pc:spChg chg="mod">
-          <ac:chgData name="Christel Maes" userId="7e61469a-7c21-464c-bace-a1bda262211a" providerId="ADAL" clId="{9CD5A685-83CE-423C-AACA-A94A85481066}" dt="2020-10-08T11:44:13.782" v="3" actId="20577"/>
-          <ac:spMkLst>
-            <pc:docMk/>
-            <pc:sldMk cId="3410206391" sldId="396"/>
-            <ac:spMk id="2" creationId="{44B0FA13-D5C8-4B4E-BE01-BACD93D81166}"/>
-          </ac:spMkLst>
-        </pc:spChg>
-        <pc:picChg chg="del">
-          <ac:chgData name="Christel Maes" userId="7e61469a-7c21-464c-bace-a1bda262211a" providerId="ADAL" clId="{9CD5A685-83CE-423C-AACA-A94A85481066}" dt="2020-09-10T15:20:57.208" v="0"/>
-          <ac:picMkLst>
-            <pc:docMk/>
-            <pc:sldMk cId="3410206391" sldId="396"/>
-            <ac:picMk id="5" creationId="{7E21AE78-07AB-4922-91F8-315AEDAAEF98}"/>
-          </ac:picMkLst>
-        </pc:picChg>
-      </pc:sldChg>
-      <pc:sldChg chg="delSp modAnim">
-        <pc:chgData name="Christel Maes" userId="7e61469a-7c21-464c-bace-a1bda262211a" providerId="ADAL" clId="{9CD5A685-83CE-423C-AACA-A94A85481066}" dt="2020-09-10T15:20:57.208" v="0"/>
-        <pc:sldMkLst>
-          <pc:docMk/>
-          <pc:sldMk cId="72634776" sldId="397"/>
-        </pc:sldMkLst>
-        <pc:picChg chg="del">
-          <ac:chgData name="Christel Maes" userId="7e61469a-7c21-464c-bace-a1bda262211a" providerId="ADAL" clId="{9CD5A685-83CE-423C-AACA-A94A85481066}" dt="2020-09-10T15:20:57.208" v="0"/>
-          <ac:picMkLst>
-            <pc:docMk/>
-            <pc:sldMk cId="72634776" sldId="397"/>
-            <ac:picMk id="11" creationId="{3F746871-62B3-46D9-8637-FCDF16705189}"/>
-          </ac:picMkLst>
-        </pc:picChg>
-      </pc:sldChg>
-      <pc:sldChg chg="delSp modAnim">
-        <pc:chgData name="Christel Maes" userId="7e61469a-7c21-464c-bace-a1bda262211a" providerId="ADAL" clId="{9CD5A685-83CE-423C-AACA-A94A85481066}" dt="2020-09-10T15:20:57.208" v="0"/>
-        <pc:sldMkLst>
-          <pc:docMk/>
-          <pc:sldMk cId="1695146199" sldId="398"/>
-        </pc:sldMkLst>
-        <pc:picChg chg="del">
-          <ac:chgData name="Christel Maes" userId="7e61469a-7c21-464c-bace-a1bda262211a" providerId="ADAL" clId="{9CD5A685-83CE-423C-AACA-A94A85481066}" dt="2020-09-10T15:20:57.208" v="0"/>
-          <ac:picMkLst>
-            <pc:docMk/>
-            <pc:sldMk cId="1695146199" sldId="398"/>
-            <ac:picMk id="6" creationId="{4D192942-3E00-489A-9782-5BD046F9DD1D}"/>
-          </ac:picMkLst>
-        </pc:picChg>
-      </pc:sldChg>
-      <pc:sldChg chg="delSp modAnim">
-        <pc:chgData name="Christel Maes" userId="7e61469a-7c21-464c-bace-a1bda262211a" providerId="ADAL" clId="{9CD5A685-83CE-423C-AACA-A94A85481066}" dt="2020-09-10T15:20:57.208" v="0"/>
-        <pc:sldMkLst>
-          <pc:docMk/>
-          <pc:sldMk cId="336358061" sldId="399"/>
-        </pc:sldMkLst>
-        <pc:picChg chg="del">
-          <ac:chgData name="Christel Maes" userId="7e61469a-7c21-464c-bace-a1bda262211a" providerId="ADAL" clId="{9CD5A685-83CE-423C-AACA-A94A85481066}" dt="2020-09-10T15:20:57.208" v="0"/>
-          <ac:picMkLst>
-            <pc:docMk/>
-            <pc:sldMk cId="336358061" sldId="399"/>
-            <ac:picMk id="5" creationId="{66F9C7FD-39E6-4962-A3E3-25FD94236202}"/>
-          </ac:picMkLst>
-        </pc:picChg>
-      </pc:sldChg>
-      <pc:sldChg chg="delSp modAnim">
-        <pc:chgData name="Christel Maes" userId="7e61469a-7c21-464c-bace-a1bda262211a" providerId="ADAL" clId="{9CD5A685-83CE-423C-AACA-A94A85481066}" dt="2020-09-10T15:20:57.208" v="0"/>
-        <pc:sldMkLst>
-          <pc:docMk/>
-          <pc:sldMk cId="582579784" sldId="400"/>
-        </pc:sldMkLst>
-        <pc:picChg chg="del">
-          <ac:chgData name="Christel Maes" userId="7e61469a-7c21-464c-bace-a1bda262211a" providerId="ADAL" clId="{9CD5A685-83CE-423C-AACA-A94A85481066}" dt="2020-09-10T15:20:57.208" v="0"/>
-          <ac:picMkLst>
-            <pc:docMk/>
-            <pc:sldMk cId="582579784" sldId="400"/>
-            <ac:picMk id="5" creationId="{A2992E5A-3F3D-4060-B8FB-05F6735E0BFB}"/>
-          </ac:picMkLst>
-        </pc:picChg>
-      </pc:sldChg>
-      <pc:sldChg chg="delSp modAnim">
-        <pc:chgData name="Christel Maes" userId="7e61469a-7c21-464c-bace-a1bda262211a" providerId="ADAL" clId="{9CD5A685-83CE-423C-AACA-A94A85481066}" dt="2020-09-10T15:20:57.208" v="0"/>
-        <pc:sldMkLst>
-          <pc:docMk/>
-          <pc:sldMk cId="150046510" sldId="401"/>
-        </pc:sldMkLst>
-        <pc:picChg chg="del">
-          <ac:chgData name="Christel Maes" userId="7e61469a-7c21-464c-bace-a1bda262211a" providerId="ADAL" clId="{9CD5A685-83CE-423C-AACA-A94A85481066}" dt="2020-09-10T15:20:57.208" v="0"/>
-          <ac:picMkLst>
-            <pc:docMk/>
-            <pc:sldMk cId="150046510" sldId="401"/>
-            <ac:picMk id="7" creationId="{9DFFA204-C777-4EAA-B104-726DC670EFBF}"/>
-          </ac:picMkLst>
-        </pc:picChg>
-      </pc:sldChg>
-      <pc:sldChg chg="delSp modAnim">
-        <pc:chgData name="Christel Maes" userId="7e61469a-7c21-464c-bace-a1bda262211a" providerId="ADAL" clId="{9CD5A685-83CE-423C-AACA-A94A85481066}" dt="2020-09-10T15:20:57.208" v="0"/>
-        <pc:sldMkLst>
-          <pc:docMk/>
-          <pc:sldMk cId="1456187511" sldId="402"/>
-        </pc:sldMkLst>
-        <pc:picChg chg="del">
-          <ac:chgData name="Christel Maes" userId="7e61469a-7c21-464c-bace-a1bda262211a" providerId="ADAL" clId="{9CD5A685-83CE-423C-AACA-A94A85481066}" dt="2020-09-10T15:20:57.208" v="0"/>
-          <ac:picMkLst>
-            <pc:docMk/>
-            <pc:sldMk cId="1456187511" sldId="402"/>
-            <ac:picMk id="5" creationId="{CE654021-8E74-4BD5-997D-F5DBE5088C97}"/>
-          </ac:picMkLst>
-        </pc:picChg>
-      </pc:sldChg>
-      <pc:sldChg chg="delSp modAnim">
-        <pc:chgData name="Christel Maes" userId="7e61469a-7c21-464c-bace-a1bda262211a" providerId="ADAL" clId="{9CD5A685-83CE-423C-AACA-A94A85481066}" dt="2020-09-10T15:20:57.208" v="0"/>
-        <pc:sldMkLst>
-          <pc:docMk/>
-          <pc:sldMk cId="2026055494" sldId="403"/>
-        </pc:sldMkLst>
-        <pc:picChg chg="del">
-          <ac:chgData name="Christel Maes" userId="7e61469a-7c21-464c-bace-a1bda262211a" providerId="ADAL" clId="{9CD5A685-83CE-423C-AACA-A94A85481066}" dt="2020-09-10T15:20:57.208" v="0"/>
-          <ac:picMkLst>
-            <pc:docMk/>
-            <pc:sldMk cId="2026055494" sldId="403"/>
-            <ac:picMk id="10" creationId="{AD260D52-E5D1-4A5C-961C-0256CA45CDE7}"/>
-          </ac:picMkLst>
-        </pc:picChg>
-      </pc:sldChg>
-      <pc:sldChg chg="delSp modAnim">
-        <pc:chgData name="Christel Maes" userId="7e61469a-7c21-464c-bace-a1bda262211a" providerId="ADAL" clId="{9CD5A685-83CE-423C-AACA-A94A85481066}" dt="2020-09-10T15:20:57.208" v="0"/>
-        <pc:sldMkLst>
-          <pc:docMk/>
-          <pc:sldMk cId="1682296062" sldId="404"/>
-        </pc:sldMkLst>
-        <pc:picChg chg="del">
-          <ac:chgData name="Christel Maes" userId="7e61469a-7c21-464c-bace-a1bda262211a" providerId="ADAL" clId="{9CD5A685-83CE-423C-AACA-A94A85481066}" dt="2020-09-10T15:20:57.208" v="0"/>
-          <ac:picMkLst>
-            <pc:docMk/>
-            <pc:sldMk cId="1682296062" sldId="404"/>
-            <ac:picMk id="5" creationId="{E78820E4-DA8D-4690-A2DC-20638F4D6664}"/>
-          </ac:picMkLst>
-        </pc:picChg>
-      </pc:sldChg>
-      <pc:sldChg chg="delSp modAnim">
-        <pc:chgData name="Christel Maes" userId="7e61469a-7c21-464c-bace-a1bda262211a" providerId="ADAL" clId="{9CD5A685-83CE-423C-AACA-A94A85481066}" dt="2020-09-10T15:20:57.208" v="0"/>
-        <pc:sldMkLst>
-          <pc:docMk/>
-          <pc:sldMk cId="1242255682" sldId="405"/>
-        </pc:sldMkLst>
-        <pc:picChg chg="del">
-          <ac:chgData name="Christel Maes" userId="7e61469a-7c21-464c-bace-a1bda262211a" providerId="ADAL" clId="{9CD5A685-83CE-423C-AACA-A94A85481066}" dt="2020-09-10T15:20:57.208" v="0"/>
-          <ac:picMkLst>
-            <pc:docMk/>
-            <pc:sldMk cId="1242255682" sldId="405"/>
-            <ac:picMk id="5" creationId="{BDF5D114-A741-4ED9-BAD0-7D6C409816F0}"/>
-          </ac:picMkLst>
-        </pc:picChg>
-      </pc:sldChg>
-      <pc:sldChg chg="delSp modAnim">
-        <pc:chgData name="Christel Maes" userId="7e61469a-7c21-464c-bace-a1bda262211a" providerId="ADAL" clId="{9CD5A685-83CE-423C-AACA-A94A85481066}" dt="2020-09-10T15:20:57.208" v="0"/>
-        <pc:sldMkLst>
-          <pc:docMk/>
-          <pc:sldMk cId="381192279" sldId="406"/>
-        </pc:sldMkLst>
-        <pc:picChg chg="del">
-          <ac:chgData name="Christel Maes" userId="7e61469a-7c21-464c-bace-a1bda262211a" providerId="ADAL" clId="{9CD5A685-83CE-423C-AACA-A94A85481066}" dt="2020-09-10T15:20:57.208" v="0"/>
-          <ac:picMkLst>
-            <pc:docMk/>
-            <pc:sldMk cId="381192279" sldId="406"/>
-            <ac:picMk id="5" creationId="{3870535C-82B4-45C1-A163-42E2DC008712}"/>
-          </ac:picMkLst>
-        </pc:picChg>
-      </pc:sldChg>
-      <pc:sldChg chg="delSp modAnim">
-        <pc:chgData name="Christel Maes" userId="7e61469a-7c21-464c-bace-a1bda262211a" providerId="ADAL" clId="{9CD5A685-83CE-423C-AACA-A94A85481066}" dt="2020-09-10T15:20:57.208" v="0"/>
-        <pc:sldMkLst>
-          <pc:docMk/>
-          <pc:sldMk cId="908991994" sldId="407"/>
-        </pc:sldMkLst>
-        <pc:picChg chg="del">
-          <ac:chgData name="Christel Maes" userId="7e61469a-7c21-464c-bace-a1bda262211a" providerId="ADAL" clId="{9CD5A685-83CE-423C-AACA-A94A85481066}" dt="2020-09-10T15:20:57.208" v="0"/>
-          <ac:picMkLst>
-            <pc:docMk/>
-            <pc:sldMk cId="908991994" sldId="407"/>
-            <ac:picMk id="6" creationId="{269E5D79-16B5-450D-A7A8-AFA6D39DD3FB}"/>
-          </ac:picMkLst>
-        </pc:picChg>
-      </pc:sldChg>
-      <pc:sldChg chg="delSp modAnim">
-        <pc:chgData name="Christel Maes" userId="7e61469a-7c21-464c-bace-a1bda262211a" providerId="ADAL" clId="{9CD5A685-83CE-423C-AACA-A94A85481066}" dt="2020-09-10T15:20:57.208" v="0"/>
-        <pc:sldMkLst>
-          <pc:docMk/>
-          <pc:sldMk cId="1515343629" sldId="408"/>
-        </pc:sldMkLst>
-        <pc:picChg chg="del">
-          <ac:chgData name="Christel Maes" userId="7e61469a-7c21-464c-bace-a1bda262211a" providerId="ADAL" clId="{9CD5A685-83CE-423C-AACA-A94A85481066}" dt="2020-09-10T15:20:57.208" v="0"/>
-          <ac:picMkLst>
-            <pc:docMk/>
-            <pc:sldMk cId="1515343629" sldId="408"/>
-            <ac:picMk id="5" creationId="{464F2E9D-6911-4301-84B6-24C7EBF05A5D}"/>
-          </ac:picMkLst>
-        </pc:picChg>
-      </pc:sldChg>
-      <pc:sldChg chg="delSp modAnim">
-        <pc:chgData name="Christel Maes" userId="7e61469a-7c21-464c-bace-a1bda262211a" providerId="ADAL" clId="{9CD5A685-83CE-423C-AACA-A94A85481066}" dt="2020-09-10T15:20:57.208" v="0"/>
-        <pc:sldMkLst>
-          <pc:docMk/>
-          <pc:sldMk cId="849228038" sldId="409"/>
-        </pc:sldMkLst>
-        <pc:picChg chg="del">
-          <ac:chgData name="Christel Maes" userId="7e61469a-7c21-464c-bace-a1bda262211a" providerId="ADAL" clId="{9CD5A685-83CE-423C-AACA-A94A85481066}" dt="2020-09-10T15:20:57.208" v="0"/>
-          <ac:picMkLst>
-            <pc:docMk/>
-            <pc:sldMk cId="849228038" sldId="409"/>
-            <ac:picMk id="5" creationId="{CFD5D1F5-8937-425F-8A96-5034BAD4F6FA}"/>
-          </ac:picMkLst>
-        </pc:picChg>
-      </pc:sldChg>
-      <pc:sldChg chg="delSp modAnim">
-        <pc:chgData name="Christel Maes" userId="7e61469a-7c21-464c-bace-a1bda262211a" providerId="ADAL" clId="{9CD5A685-83CE-423C-AACA-A94A85481066}" dt="2020-09-10T15:20:57.208" v="0"/>
-        <pc:sldMkLst>
-          <pc:docMk/>
-          <pc:sldMk cId="1841263431" sldId="410"/>
-        </pc:sldMkLst>
-        <pc:picChg chg="del">
-          <ac:chgData name="Christel Maes" userId="7e61469a-7c21-464c-bace-a1bda262211a" providerId="ADAL" clId="{9CD5A685-83CE-423C-AACA-A94A85481066}" dt="2020-09-10T15:20:57.208" v="0"/>
-          <ac:picMkLst>
-            <pc:docMk/>
-            <pc:sldMk cId="1841263431" sldId="410"/>
-            <ac:picMk id="3" creationId="{F3D4C3ED-B7C5-4003-BC35-F6CA52052501}"/>
-          </ac:picMkLst>
-        </pc:picChg>
-      </pc:sldChg>
-      <pc:sldChg chg="delSp modAnim">
-        <pc:chgData name="Christel Maes" userId="7e61469a-7c21-464c-bace-a1bda262211a" providerId="ADAL" clId="{9CD5A685-83CE-423C-AACA-A94A85481066}" dt="2020-09-10T15:20:57.208" v="0"/>
-        <pc:sldMkLst>
-          <pc:docMk/>
-          <pc:sldMk cId="3349740050" sldId="411"/>
-        </pc:sldMkLst>
-        <pc:picChg chg="del">
-          <ac:chgData name="Christel Maes" userId="7e61469a-7c21-464c-bace-a1bda262211a" providerId="ADAL" clId="{9CD5A685-83CE-423C-AACA-A94A85481066}" dt="2020-09-10T15:20:57.208" v="0"/>
-          <ac:picMkLst>
-            <pc:docMk/>
-            <pc:sldMk cId="3349740050" sldId="411"/>
-            <ac:picMk id="5" creationId="{C8B4B344-2288-46AB-B431-0200E90CB702}"/>
-          </ac:picMkLst>
-        </pc:picChg>
-      </pc:sldChg>
-      <pc:sldChg chg="delSp modAnim">
-        <pc:chgData name="Christel Maes" userId="7e61469a-7c21-464c-bace-a1bda262211a" providerId="ADAL" clId="{9CD5A685-83CE-423C-AACA-A94A85481066}" dt="2020-09-10T15:20:57.208" v="0"/>
-        <pc:sldMkLst>
-          <pc:docMk/>
-          <pc:sldMk cId="1520487891" sldId="412"/>
-        </pc:sldMkLst>
-        <pc:picChg chg="del">
-          <ac:chgData name="Christel Maes" userId="7e61469a-7c21-464c-bace-a1bda262211a" providerId="ADAL" clId="{9CD5A685-83CE-423C-AACA-A94A85481066}" dt="2020-09-10T15:20:57.208" v="0"/>
-          <ac:picMkLst>
-            <pc:docMk/>
-            <pc:sldMk cId="1520487891" sldId="412"/>
-            <ac:picMk id="5" creationId="{DF9A1A69-A72D-488C-BAA1-B828DDD4F06D}"/>
-          </ac:picMkLst>
-        </pc:picChg>
-      </pc:sldChg>
-      <pc:sldChg chg="delSp modAnim">
-        <pc:chgData name="Christel Maes" userId="7e61469a-7c21-464c-bace-a1bda262211a" providerId="ADAL" clId="{9CD5A685-83CE-423C-AACA-A94A85481066}" dt="2020-09-10T15:20:57.208" v="0"/>
-        <pc:sldMkLst>
-          <pc:docMk/>
-          <pc:sldMk cId="3854847980" sldId="413"/>
-        </pc:sldMkLst>
-        <pc:picChg chg="del">
-          <ac:chgData name="Christel Maes" userId="7e61469a-7c21-464c-bace-a1bda262211a" providerId="ADAL" clId="{9CD5A685-83CE-423C-AACA-A94A85481066}" dt="2020-09-10T15:20:57.208" v="0"/>
-          <ac:picMkLst>
-            <pc:docMk/>
-            <pc:sldMk cId="3854847980" sldId="413"/>
-            <ac:picMk id="5" creationId="{A7B89352-7397-4E83-9308-85113531E0E8}"/>
-          </ac:picMkLst>
-        </pc:picChg>
-      </pc:sldChg>
-      <pc:sldChg chg="delSp modAnim">
-        <pc:chgData name="Christel Maes" userId="7e61469a-7c21-464c-bace-a1bda262211a" providerId="ADAL" clId="{9CD5A685-83CE-423C-AACA-A94A85481066}" dt="2020-09-10T15:20:57.208" v="0"/>
-        <pc:sldMkLst>
-          <pc:docMk/>
-          <pc:sldMk cId="3480970570" sldId="414"/>
-        </pc:sldMkLst>
-        <pc:picChg chg="del">
-          <ac:chgData name="Christel Maes" userId="7e61469a-7c21-464c-bace-a1bda262211a" providerId="ADAL" clId="{9CD5A685-83CE-423C-AACA-A94A85481066}" dt="2020-09-10T15:20:57.208" v="0"/>
-          <ac:picMkLst>
-            <pc:docMk/>
-            <pc:sldMk cId="3480970570" sldId="414"/>
-            <ac:picMk id="6" creationId="{774398A8-5953-4808-A63A-CCB547A355F3}"/>
-          </ac:picMkLst>
-        </pc:picChg>
-      </pc:sldChg>
-      <pc:sldChg chg="delSp modAnim">
-        <pc:chgData name="Christel Maes" userId="7e61469a-7c21-464c-bace-a1bda262211a" providerId="ADAL" clId="{9CD5A685-83CE-423C-AACA-A94A85481066}" dt="2020-09-10T15:20:57.208" v="0"/>
-        <pc:sldMkLst>
-          <pc:docMk/>
-          <pc:sldMk cId="196390062" sldId="415"/>
-        </pc:sldMkLst>
-        <pc:picChg chg="del">
-          <ac:chgData name="Christel Maes" userId="7e61469a-7c21-464c-bace-a1bda262211a" providerId="ADAL" clId="{9CD5A685-83CE-423C-AACA-A94A85481066}" dt="2020-09-10T15:20:57.208" v="0"/>
-          <ac:picMkLst>
-            <pc:docMk/>
-            <pc:sldMk cId="196390062" sldId="415"/>
-            <ac:picMk id="5" creationId="{73573CD4-0584-4A1D-955F-646E9E9B2510}"/>
-          </ac:picMkLst>
-        </pc:picChg>
-      </pc:sldChg>
-      <pc:sldChg chg="delSp modAnim">
-        <pc:chgData name="Christel Maes" userId="7e61469a-7c21-464c-bace-a1bda262211a" providerId="ADAL" clId="{9CD5A685-83CE-423C-AACA-A94A85481066}" dt="2020-09-10T15:20:57.208" v="0"/>
-        <pc:sldMkLst>
-          <pc:docMk/>
-          <pc:sldMk cId="3982574100" sldId="416"/>
-        </pc:sldMkLst>
-        <pc:picChg chg="del">
-          <ac:chgData name="Christel Maes" userId="7e61469a-7c21-464c-bace-a1bda262211a" providerId="ADAL" clId="{9CD5A685-83CE-423C-AACA-A94A85481066}" dt="2020-09-10T15:20:57.208" v="0"/>
-          <ac:picMkLst>
-            <pc:docMk/>
-            <pc:sldMk cId="3982574100" sldId="416"/>
-            <ac:picMk id="6" creationId="{18EBF37D-E82F-446D-AC85-05A373A02019}"/>
-          </ac:picMkLst>
-        </pc:picChg>
-      </pc:sldChg>
-      <pc:sldChg chg="delSp modAnim">
-        <pc:chgData name="Christel Maes" userId="7e61469a-7c21-464c-bace-a1bda262211a" providerId="ADAL" clId="{9CD5A685-83CE-423C-AACA-A94A85481066}" dt="2020-09-10T15:20:57.208" v="0"/>
-        <pc:sldMkLst>
-          <pc:docMk/>
-          <pc:sldMk cId="3105006182" sldId="417"/>
-        </pc:sldMkLst>
-        <pc:picChg chg="del">
-          <ac:chgData name="Christel Maes" userId="7e61469a-7c21-464c-bace-a1bda262211a" providerId="ADAL" clId="{9CD5A685-83CE-423C-AACA-A94A85481066}" dt="2020-09-10T15:20:57.208" v="0"/>
-          <ac:picMkLst>
-            <pc:docMk/>
-            <pc:sldMk cId="3105006182" sldId="417"/>
-            <ac:picMk id="5" creationId="{9C72A019-D2EF-476B-B543-AD3214AD1599}"/>
-          </ac:picMkLst>
-        </pc:picChg>
-      </pc:sldChg>
-      <pc:sldChg chg="delSp modAnim">
-        <pc:chgData name="Christel Maes" userId="7e61469a-7c21-464c-bace-a1bda262211a" providerId="ADAL" clId="{9CD5A685-83CE-423C-AACA-A94A85481066}" dt="2020-09-10T15:20:57.208" v="0"/>
-        <pc:sldMkLst>
-          <pc:docMk/>
-          <pc:sldMk cId="3167971348" sldId="418"/>
-        </pc:sldMkLst>
-        <pc:picChg chg="del">
-          <ac:chgData name="Christel Maes" userId="7e61469a-7c21-464c-bace-a1bda262211a" providerId="ADAL" clId="{9CD5A685-83CE-423C-AACA-A94A85481066}" dt="2020-09-10T15:20:57.208" v="0"/>
-          <ac:picMkLst>
-            <pc:docMk/>
-            <pc:sldMk cId="3167971348" sldId="418"/>
-            <ac:picMk id="5" creationId="{10A3F8B1-AB18-4491-89E6-2A032275F6E0}"/>
-          </ac:picMkLst>
-        </pc:picChg>
-      </pc:sldChg>
-      <pc:sldChg chg="delSp modAnim">
-        <pc:chgData name="Christel Maes" userId="7e61469a-7c21-464c-bace-a1bda262211a" providerId="ADAL" clId="{9CD5A685-83CE-423C-AACA-A94A85481066}" dt="2020-09-10T15:20:57.208" v="0"/>
-        <pc:sldMkLst>
-          <pc:docMk/>
-          <pc:sldMk cId="2378511427" sldId="419"/>
-        </pc:sldMkLst>
-        <pc:picChg chg="del">
-          <ac:chgData name="Christel Maes" userId="7e61469a-7c21-464c-bace-a1bda262211a" providerId="ADAL" clId="{9CD5A685-83CE-423C-AACA-A94A85481066}" dt="2020-09-10T15:20:57.208" v="0"/>
-          <ac:picMkLst>
-            <pc:docMk/>
-            <pc:sldMk cId="2378511427" sldId="419"/>
-            <ac:picMk id="6" creationId="{F2B1867E-2338-4064-99F7-7F292F55E7EB}"/>
-          </ac:picMkLst>
-        </pc:picChg>
-      </pc:sldChg>
-      <pc:sldChg chg="delSp modAnim">
-        <pc:chgData name="Christel Maes" userId="7e61469a-7c21-464c-bace-a1bda262211a" providerId="ADAL" clId="{9CD5A685-83CE-423C-AACA-A94A85481066}" dt="2020-09-10T15:20:57.208" v="0"/>
-        <pc:sldMkLst>
-          <pc:docMk/>
-          <pc:sldMk cId="186737167" sldId="420"/>
-        </pc:sldMkLst>
-        <pc:picChg chg="del">
-          <ac:chgData name="Christel Maes" userId="7e61469a-7c21-464c-bace-a1bda262211a" providerId="ADAL" clId="{9CD5A685-83CE-423C-AACA-A94A85481066}" dt="2020-09-10T15:20:57.208" v="0"/>
-          <ac:picMkLst>
-            <pc:docMk/>
-            <pc:sldMk cId="186737167" sldId="420"/>
-            <ac:picMk id="10" creationId="{FFD74854-9520-4A0F-BEEC-6E6D73AE7148}"/>
-          </ac:picMkLst>
-        </pc:picChg>
-      </pc:sldChg>
-      <pc:sldChg chg="delSp modAnim">
-        <pc:chgData name="Christel Maes" userId="7e61469a-7c21-464c-bace-a1bda262211a" providerId="ADAL" clId="{9CD5A685-83CE-423C-AACA-A94A85481066}" dt="2020-09-10T15:20:57.208" v="0"/>
-        <pc:sldMkLst>
-          <pc:docMk/>
-          <pc:sldMk cId="95761461" sldId="421"/>
-        </pc:sldMkLst>
-        <pc:picChg chg="del">
-          <ac:chgData name="Christel Maes" userId="7e61469a-7c21-464c-bace-a1bda262211a" providerId="ADAL" clId="{9CD5A685-83CE-423C-AACA-A94A85481066}" dt="2020-09-10T15:20:57.208" v="0"/>
-          <ac:picMkLst>
-            <pc:docMk/>
-            <pc:sldMk cId="95761461" sldId="421"/>
-            <ac:picMk id="7" creationId="{D2984898-8331-4B3D-BB53-F01C7699CF3A}"/>
-          </ac:picMkLst>
-        </pc:picChg>
-      </pc:sldChg>
-      <pc:sldChg chg="delSp modAnim">
-        <pc:chgData name="Christel Maes" userId="7e61469a-7c21-464c-bace-a1bda262211a" providerId="ADAL" clId="{9CD5A685-83CE-423C-AACA-A94A85481066}" dt="2020-09-10T15:20:57.208" v="0"/>
-        <pc:sldMkLst>
-          <pc:docMk/>
-          <pc:sldMk cId="1380650295" sldId="422"/>
-        </pc:sldMkLst>
-        <pc:picChg chg="del">
-          <ac:chgData name="Christel Maes" userId="7e61469a-7c21-464c-bace-a1bda262211a" providerId="ADAL" clId="{9CD5A685-83CE-423C-AACA-A94A85481066}" dt="2020-09-10T15:20:57.208" v="0"/>
-          <ac:picMkLst>
-            <pc:docMk/>
-            <pc:sldMk cId="1380650295" sldId="422"/>
-            <ac:picMk id="5" creationId="{D4ED90A6-6E2E-4110-BDCF-5D6157F46574}"/>
-          </ac:picMkLst>
-        </pc:picChg>
-      </pc:sldChg>
-      <pc:sldChg chg="delSp modAnim">
-        <pc:chgData name="Christel Maes" userId="7e61469a-7c21-464c-bace-a1bda262211a" providerId="ADAL" clId="{9CD5A685-83CE-423C-AACA-A94A85481066}" dt="2020-09-10T15:20:57.208" v="0"/>
-        <pc:sldMkLst>
-          <pc:docMk/>
-          <pc:sldMk cId="2174993830" sldId="423"/>
-        </pc:sldMkLst>
-        <pc:picChg chg="del">
-          <ac:chgData name="Christel Maes" userId="7e61469a-7c21-464c-bace-a1bda262211a" providerId="ADAL" clId="{9CD5A685-83CE-423C-AACA-A94A85481066}" dt="2020-09-10T15:20:57.208" v="0"/>
-          <ac:picMkLst>
-            <pc:docMk/>
-            <pc:sldMk cId="2174993830" sldId="423"/>
-            <ac:picMk id="5" creationId="{AB9597D3-33E4-4ADE-805D-192E680756D0}"/>
-          </ac:picMkLst>
-        </pc:picChg>
-      </pc:sldChg>
-      <pc:sldChg chg="delSp modAnim">
-        <pc:chgData name="Christel Maes" userId="7e61469a-7c21-464c-bace-a1bda262211a" providerId="ADAL" clId="{9CD5A685-83CE-423C-AACA-A94A85481066}" dt="2020-09-10T15:20:57.208" v="0"/>
-        <pc:sldMkLst>
-          <pc:docMk/>
-          <pc:sldMk cId="2777295993" sldId="424"/>
-        </pc:sldMkLst>
-        <pc:picChg chg="del">
-          <ac:chgData name="Christel Maes" userId="7e61469a-7c21-464c-bace-a1bda262211a" providerId="ADAL" clId="{9CD5A685-83CE-423C-AACA-A94A85481066}" dt="2020-09-10T15:20:57.208" v="0"/>
-          <ac:picMkLst>
-            <pc:docMk/>
-            <pc:sldMk cId="2777295993" sldId="424"/>
-            <ac:picMk id="5" creationId="{B592BE2E-4668-4498-B664-63EAC5D5AF33}"/>
-          </ac:picMkLst>
-        </pc:picChg>
-      </pc:sldChg>
-    </pc:docChg>
-  </pc:docChgLst>
-  <pc:docChgLst>
     <pc:chgData name="Jochen Mariën" userId="a4f8d9ed-3895-4365-b2d5-9432cb8a20d4" providerId="ADAL" clId="{805DA7DF-B8D8-4A20-9B93-0EF8E68A5961}"/>
     <pc:docChg chg="modSld">
       <pc:chgData name="Jochen Mariën" userId="a4f8d9ed-3895-4365-b2d5-9432cb8a20d4" providerId="ADAL" clId="{805DA7DF-B8D8-4A20-9B93-0EF8E68A5961}" dt="2022-05-25T13:08:15.536" v="0"/>
@@ -3586,7 +3586,7 @@
           <a:p>
             <a:fld id="{15E4F5CE-CB34-4A0C-9595-867A2C0DB20E}" type="datetimeFigureOut">
               <a:rPr lang="nl-BE" smtClean="0"/>
-              <a:t>4/10/2022</a:t>
+              <a:t>12/10/2022</a:t>
             </a:fld>
             <a:endParaRPr lang="nl-BE"/>
           </a:p>
@@ -3763,7 +3763,7 @@
           <a:p>
             <a:fld id="{4D53584B-980D-4F7D-BA36-682FCDF648BB}" type="datetimeFigureOut">
               <a:rPr lang="nl-BE" smtClean="0"/>
-              <a:t>4/10/2022</a:t>
+              <a:t>12/10/2022</a:t>
             </a:fld>
             <a:endParaRPr lang="nl-BE"/>
           </a:p>
@@ -4264,7 +4264,7 @@
           <a:p>
             <a:fld id="{F456E141-11F1-487F-A892-18B8A63336C7}" type="datetime1">
               <a:rPr lang="nl-BE" smtClean="0"/>
-              <a:t>4/10/2022</a:t>
+              <a:t>12/10/2022</a:t>
             </a:fld>
             <a:endParaRPr lang="nl-BE"/>
           </a:p>
@@ -4516,7 +4516,7 @@
           <a:p>
             <a:fld id="{85CAFD92-94F2-4CD0-8A1D-AA3295115CEC}" type="datetime1">
               <a:rPr lang="nl-BE" smtClean="0"/>
-              <a:t>4/10/2022</a:t>
+              <a:t>12/10/2022</a:t>
             </a:fld>
             <a:endParaRPr lang="nl-BE"/>
           </a:p>
@@ -4696,7 +4696,7 @@
           <a:p>
             <a:fld id="{02B84EFA-B363-4043-A12E-44B39EC7D05B}" type="datetime1">
               <a:rPr lang="nl-BE" smtClean="0"/>
-              <a:t>4/10/2022</a:t>
+              <a:t>12/10/2022</a:t>
             </a:fld>
             <a:endParaRPr lang="nl-BE"/>
           </a:p>
@@ -4895,7 +4895,7 @@
           <a:p>
             <a:fld id="{B7AA89A6-C9B9-4556-BC9E-5E3CF3322A33}" type="datetime1">
               <a:rPr lang="nl-BE" smtClean="0"/>
-              <a:t>4/10/2022</a:t>
+              <a:t>12/10/2022</a:t>
             </a:fld>
             <a:endParaRPr lang="nl-BE"/>
           </a:p>
@@ -5146,7 +5146,7 @@
           <a:p>
             <a:fld id="{6CEB42D4-4FBB-465F-AE58-8ADBDBF671C8}" type="datetime1">
               <a:rPr lang="nl-BE" smtClean="0"/>
-              <a:t>4/10/2022</a:t>
+              <a:t>12/10/2022</a:t>
             </a:fld>
             <a:endParaRPr lang="nl-BE"/>
           </a:p>
@@ -5378,7 +5378,7 @@
           <a:p>
             <a:fld id="{64B405D5-C0FD-42E0-9EB1-2670F471B7BB}" type="datetime1">
               <a:rPr lang="nl-BE" smtClean="0"/>
-              <a:t>4/10/2022</a:t>
+              <a:t>12/10/2022</a:t>
             </a:fld>
             <a:endParaRPr lang="nl-BE"/>
           </a:p>
@@ -5745,7 +5745,7 @@
           <a:p>
             <a:fld id="{4CB55C39-C031-448F-A58F-CA88F7B6F786}" type="datetime1">
               <a:rPr lang="nl-BE" smtClean="0"/>
-              <a:t>4/10/2022</a:t>
+              <a:t>12/10/2022</a:t>
             </a:fld>
             <a:endParaRPr lang="nl-BE"/>
           </a:p>
@@ -5863,7 +5863,7 @@
           <a:p>
             <a:fld id="{E29307F5-1DF0-4FFF-91A4-1E1A6A26A94A}" type="datetime1">
               <a:rPr lang="nl-BE" smtClean="0"/>
-              <a:t>4/10/2022</a:t>
+              <a:t>12/10/2022</a:t>
             </a:fld>
             <a:endParaRPr lang="nl-BE"/>
           </a:p>
@@ -5958,7 +5958,7 @@
           <a:p>
             <a:fld id="{00A9168B-A159-4E9D-A6C6-C6786C6AB2EB}" type="datetime1">
               <a:rPr lang="nl-BE" smtClean="0"/>
-              <a:t>4/10/2022</a:t>
+              <a:t>12/10/2022</a:t>
             </a:fld>
             <a:endParaRPr lang="nl-BE"/>
           </a:p>
@@ -6235,7 +6235,7 @@
           <a:p>
             <a:fld id="{E9D22159-AF82-4D23-BC06-D4277BDD9BAD}" type="datetime1">
               <a:rPr lang="nl-BE" smtClean="0"/>
-              <a:t>4/10/2022</a:t>
+              <a:t>12/10/2022</a:t>
             </a:fld>
             <a:endParaRPr lang="nl-BE"/>
           </a:p>
@@ -6488,7 +6488,7 @@
           <a:p>
             <a:fld id="{D08A7014-C292-4E4F-926C-1A31F538B52A}" type="datetime1">
               <a:rPr lang="nl-BE" smtClean="0"/>
-              <a:t>4/10/2022</a:t>
+              <a:t>12/10/2022</a:t>
             </a:fld>
             <a:endParaRPr lang="nl-BE"/>
           </a:p>
@@ -6701,7 +6701,7 @@
           <a:p>
             <a:fld id="{E9CC7161-F687-474C-905A-3CCBBA535086}" type="datetime1">
               <a:rPr lang="nl-BE" smtClean="0"/>
-              <a:t>4/10/2022</a:t>
+              <a:t>12/10/2022</a:t>
             </a:fld>
             <a:endParaRPr lang="nl-BE"/>
           </a:p>
